--- a/PosterPAFIncertitude.pptx
+++ b/PosterPAFIncertitude.pptx
@@ -109,7 +109,7 @@
   </p:defaultTextStyle>
   <p:extLst>
     <p:ext uri="{EFAFB233-063F-42B5-8137-9DF3F51BA10A}">
-      <p15:sldGuideLst xmlns="" xmlns:p15="http://schemas.microsoft.com/office/powerpoint/2012/main">
+      <p15:sldGuideLst xmlns:p15="http://schemas.microsoft.com/office/powerpoint/2012/main" xmlns="">
         <p15:guide id="1" orient="horz" pos="10206">
           <p15:clr>
             <a:srgbClr val="A4A3A4"/>
@@ -1012,14 +1012,7 @@
               <a:latin typeface="Segoe UI Light" pitchFamily="34" charset="0"/>
               <a:cs typeface="Segoe UI Light" pitchFamily="34" charset="0"/>
             </a:rPr>
-            <a:t>comparée </a:t>
-          </a:r>
-          <a:r>
-            <a:rPr lang="fr-FR" sz="4000" dirty="0" smtClean="0">
-              <a:latin typeface="Segoe UI Light" pitchFamily="34" charset="0"/>
-              <a:cs typeface="Segoe UI Light" pitchFamily="34" charset="0"/>
-            </a:rPr>
-            <a:t>au seuil critique</a:t>
+            <a:t>comparée au seuil critique</a:t>
           </a:r>
           <a:endParaRPr lang="fr-FR" sz="4000" dirty="0">
             <a:latin typeface="Segoe UI Light" pitchFamily="34" charset="0"/>
@@ -1663,14 +1656,7 @@
               <a:latin typeface="Segoe UI Light" pitchFamily="34" charset="0"/>
               <a:cs typeface="Segoe UI Light" pitchFamily="34" charset="0"/>
             </a:rPr>
-            <a:t>comparée </a:t>
-          </a:r>
-          <a:r>
-            <a:rPr lang="fr-FR" sz="4000" kern="1200" dirty="0" smtClean="0">
-              <a:latin typeface="Segoe UI Light" pitchFamily="34" charset="0"/>
-              <a:cs typeface="Segoe UI Light" pitchFamily="34" charset="0"/>
-            </a:rPr>
-            <a:t>au seuil critique</a:t>
+            <a:t>comparée au seuil critique</a:t>
           </a:r>
           <a:endParaRPr lang="fr-FR" sz="4000" kern="1200" dirty="0">
             <a:latin typeface="Segoe UI Light" pitchFamily="34" charset="0"/>
@@ -3106,7 +3092,7 @@
           <a:p>
             <a:fld id="{06AE7855-945C-49CD-8798-194093DB97D2}" type="datetimeFigureOut">
               <a:rPr lang="fr-FR" smtClean="0"/>
-              <a:t>24/06/16</a:t>
+              <a:t>25/06/16</a:t>
             </a:fld>
             <a:endParaRPr lang="fr-FR"/>
           </a:p>
@@ -3639,7 +3625,7 @@
             <a:fld id="{86757B88-2907-4C2E-9C35-0C2BABC68B9C}" type="datetimeFigureOut">
               <a:rPr lang="fr-CA" smtClean="0"/>
               <a:pPr/>
-              <a:t>24/06/16</a:t>
+              <a:t>25/06/16</a:t>
             </a:fld>
             <a:endParaRPr lang="fr-CA"/>
           </a:p>
@@ -3811,7 +3797,7 @@
             <a:fld id="{86757B88-2907-4C2E-9C35-0C2BABC68B9C}" type="datetimeFigureOut">
               <a:rPr lang="fr-CA" smtClean="0"/>
               <a:pPr/>
-              <a:t>24/06/16</a:t>
+              <a:t>25/06/16</a:t>
             </a:fld>
             <a:endParaRPr lang="fr-CA"/>
           </a:p>
@@ -3993,7 +3979,7 @@
             <a:fld id="{86757B88-2907-4C2E-9C35-0C2BABC68B9C}" type="datetimeFigureOut">
               <a:rPr lang="fr-CA" smtClean="0"/>
               <a:pPr/>
-              <a:t>24/06/16</a:t>
+              <a:t>25/06/16</a:t>
             </a:fld>
             <a:endParaRPr lang="fr-CA"/>
           </a:p>
@@ -4165,7 +4151,7 @@
             <a:fld id="{86757B88-2907-4C2E-9C35-0C2BABC68B9C}" type="datetimeFigureOut">
               <a:rPr lang="fr-CA" smtClean="0"/>
               <a:pPr/>
-              <a:t>24/06/16</a:t>
+              <a:t>25/06/16</a:t>
             </a:fld>
             <a:endParaRPr lang="fr-CA"/>
           </a:p>
@@ -4413,7 +4399,7 @@
             <a:fld id="{86757B88-2907-4C2E-9C35-0C2BABC68B9C}" type="datetimeFigureOut">
               <a:rPr lang="fr-CA" smtClean="0"/>
               <a:pPr/>
-              <a:t>24/06/16</a:t>
+              <a:t>25/06/16</a:t>
             </a:fld>
             <a:endParaRPr lang="fr-CA"/>
           </a:p>
@@ -4703,7 +4689,7 @@
             <a:fld id="{86757B88-2907-4C2E-9C35-0C2BABC68B9C}" type="datetimeFigureOut">
               <a:rPr lang="fr-CA" smtClean="0"/>
               <a:pPr/>
-              <a:t>24/06/16</a:t>
+              <a:t>25/06/16</a:t>
             </a:fld>
             <a:endParaRPr lang="fr-CA"/>
           </a:p>
@@ -5132,7 +5118,7 @@
             <a:fld id="{86757B88-2907-4C2E-9C35-0C2BABC68B9C}" type="datetimeFigureOut">
               <a:rPr lang="fr-CA" smtClean="0"/>
               <a:pPr/>
-              <a:t>24/06/16</a:t>
+              <a:t>25/06/16</a:t>
             </a:fld>
             <a:endParaRPr lang="fr-CA"/>
           </a:p>
@@ -5252,7 +5238,7 @@
             <a:fld id="{86757B88-2907-4C2E-9C35-0C2BABC68B9C}" type="datetimeFigureOut">
               <a:rPr lang="fr-CA" smtClean="0"/>
               <a:pPr/>
-              <a:t>24/06/16</a:t>
+              <a:t>25/06/16</a:t>
             </a:fld>
             <a:endParaRPr lang="fr-CA"/>
           </a:p>
@@ -5349,7 +5335,7 @@
             <a:fld id="{86757B88-2907-4C2E-9C35-0C2BABC68B9C}" type="datetimeFigureOut">
               <a:rPr lang="fr-CA" smtClean="0"/>
               <a:pPr/>
-              <a:t>24/06/16</a:t>
+              <a:t>25/06/16</a:t>
             </a:fld>
             <a:endParaRPr lang="fr-CA"/>
           </a:p>
@@ -5628,7 +5614,7 @@
             <a:fld id="{86757B88-2907-4C2E-9C35-0C2BABC68B9C}" type="datetimeFigureOut">
               <a:rPr lang="fr-CA" smtClean="0"/>
               <a:pPr/>
-              <a:t>24/06/16</a:t>
+              <a:t>25/06/16</a:t>
             </a:fld>
             <a:endParaRPr lang="fr-CA"/>
           </a:p>
@@ -5883,7 +5869,7 @@
             <a:fld id="{86757B88-2907-4C2E-9C35-0C2BABC68B9C}" type="datetimeFigureOut">
               <a:rPr lang="fr-CA" smtClean="0"/>
               <a:pPr/>
-              <a:t>24/06/16</a:t>
+              <a:t>25/06/16</a:t>
             </a:fld>
             <a:endParaRPr lang="fr-CA"/>
           </a:p>
@@ -6104,7 +6090,7 @@
             <a:fld id="{86757B88-2907-4C2E-9C35-0C2BABC68B9C}" type="datetimeFigureOut">
               <a:rPr lang="fr-CA" smtClean="0"/>
               <a:pPr/>
-              <a:t>24/06/16</a:t>
+              <a:t>25/06/16</a:t>
             </a:fld>
             <a:endParaRPr lang="fr-CA"/>
           </a:p>
@@ -7098,8 +7084,8 @@
         </p:nvSpPr>
         <p:spPr>
           <a:xfrm>
-            <a:off x="585716" y="4914822"/>
-            <a:ext cx="9567562" cy="1585049"/>
+            <a:off x="585716" y="4680745"/>
+            <a:ext cx="9567562" cy="2246769"/>
           </a:xfrm>
           <a:prstGeom prst="rect">
             <a:avLst/>
@@ -7137,27 +7123,7 @@
                 <a:latin typeface="Segoe UI Light" pitchFamily="34" charset="0"/>
                 <a:cs typeface="Segoe UI Light" pitchFamily="34" charset="0"/>
               </a:rPr>
-              <a:t>1</a:t>
-            </a:r>
-            <a:r>
-              <a:rPr lang="fr-CA" sz="5400" b="1" dirty="0" smtClean="0">
-                <a:solidFill>
-                  <a:schemeClr val="tx1">
-                    <a:lumMod val="95000"/>
-                    <a:lumOff val="5000"/>
-                  </a:schemeClr>
-                </a:solidFill>
-                <a:effectLst>
-                  <a:outerShdw blurRad="38100" dist="38100" dir="2700000" algn="tl">
-                    <a:srgbClr val="000000">
-                      <a:alpha val="43137"/>
-                    </a:srgbClr>
-                  </a:outerShdw>
-                </a:effectLst>
-                <a:latin typeface="Segoe UI Light" pitchFamily="34" charset="0"/>
-                <a:cs typeface="Segoe UI Light" pitchFamily="34" charset="0"/>
-              </a:rPr>
-              <a:t>-</a:t>
+              <a:t>1-</a:t>
             </a:r>
             <a:r>
               <a:rPr lang="fr-CA" sz="5400" b="1" dirty="0">
@@ -7234,7 +7200,7 @@
                 <a:latin typeface="Segoe UI Light" pitchFamily="34" charset="0"/>
                 <a:cs typeface="Segoe UI Light" pitchFamily="34" charset="0"/>
               </a:rPr>
-              <a:t> </a:t>
+              <a:t> Testeur,  Qualité, Aléatoire, </a:t>
             </a:r>
             <a:r>
               <a:rPr lang="fr-CA" sz="4300" dirty="0" smtClean="0">
@@ -7244,38 +7210,22 @@
                 <a:latin typeface="Segoe UI Light" pitchFamily="34" charset="0"/>
                 <a:cs typeface="Segoe UI Light" pitchFamily="34" charset="0"/>
               </a:rPr>
-              <a:t>T</a:t>
-            </a:r>
-            <a:r>
-              <a:rPr lang="fr-CA" sz="4300" dirty="0" smtClean="0">
-                <a:solidFill>
-                  <a:prstClr val="black"/>
-                </a:solidFill>
-                <a:latin typeface="Segoe UI Light" pitchFamily="34" charset="0"/>
-                <a:cs typeface="Segoe UI Light" pitchFamily="34" charset="0"/>
-              </a:rPr>
-              <a:t>esteur,  </a:t>
-            </a:r>
-            <a:r>
-              <a:rPr lang="fr-CA" sz="4300" dirty="0" smtClean="0">
-                <a:solidFill>
-                  <a:prstClr val="black"/>
-                </a:solidFill>
-                <a:latin typeface="Segoe UI Light" pitchFamily="34" charset="0"/>
-                <a:cs typeface="Segoe UI Light" pitchFamily="34" charset="0"/>
-              </a:rPr>
-              <a:t>Q</a:t>
-            </a:r>
-            <a:r>
-              <a:rPr lang="fr-CA" sz="4300" dirty="0" smtClean="0">
-                <a:solidFill>
-                  <a:prstClr val="black"/>
-                </a:solidFill>
-                <a:latin typeface="Segoe UI Light" pitchFamily="34" charset="0"/>
-                <a:cs typeface="Segoe UI Light" pitchFamily="34" charset="0"/>
-              </a:rPr>
-              <a:t>ualité, Aléatoire, PRNG </a:t>
-            </a:r>
+              <a:t>PRNG</a:t>
+            </a:r>
+          </a:p>
+          <a:p>
+            <a:pPr lvl="0" algn="just">
+              <a:buFont typeface="Wingdings" pitchFamily="2" charset="2"/>
+              <a:buChar char="§"/>
+              <a:defRPr/>
+            </a:pPr>
+            <a:endParaRPr lang="fr-CA" sz="4300" dirty="0" smtClean="0">
+              <a:solidFill>
+                <a:prstClr val="black"/>
+              </a:solidFill>
+              <a:latin typeface="Segoe UI Light" pitchFamily="34" charset="0"/>
+              <a:cs typeface="Segoe UI Light" pitchFamily="34" charset="0"/>
+            </a:endParaRPr>
           </a:p>
         </p:txBody>
       </p:sp>
@@ -7345,39 +7295,8 @@
                 <a:latin typeface="Segoe UI Light" pitchFamily="34" charset="0"/>
                 <a:cs typeface="Segoe UI Light" pitchFamily="34" charset="0"/>
               </a:rPr>
-              <a:t>- Algorithmes de </a:t>
-            </a:r>
-            <a:r>
-              <a:rPr lang="fr-CA" sz="5400" b="1" dirty="0" smtClean="0">
-                <a:solidFill>
-                  <a:prstClr val="black"/>
-                </a:solidFill>
-                <a:effectLst>
-                  <a:outerShdw blurRad="38100" dist="38100" dir="2700000" algn="tl">
-                    <a:srgbClr val="000000">
-                      <a:alpha val="43137"/>
-                    </a:srgbClr>
-                  </a:outerShdw>
-                </a:effectLst>
-                <a:latin typeface="Segoe UI Light" pitchFamily="34" charset="0"/>
-                <a:cs typeface="Segoe UI Light" pitchFamily="34" charset="0"/>
-              </a:rPr>
-              <a:t>Tests *</a:t>
-            </a:r>
-            <a:endParaRPr lang="fr-CA" sz="5400" b="1" dirty="0" smtClean="0">
-              <a:solidFill>
-                <a:prstClr val="black"/>
-              </a:solidFill>
-              <a:effectLst>
-                <a:outerShdw blurRad="38100" dist="38100" dir="2700000" algn="tl">
-                  <a:srgbClr val="000000">
-                    <a:alpha val="43137"/>
-                  </a:srgbClr>
-                </a:outerShdw>
-              </a:effectLst>
-              <a:latin typeface="Segoe UI Light" pitchFamily="34" charset="0"/>
-              <a:cs typeface="Segoe UI Light" pitchFamily="34" charset="0"/>
-            </a:endParaRPr>
+              <a:t>- Algorithmes de Tests *</a:t>
+            </a:r>
           </a:p>
           <a:p>
             <a:pPr lvl="0">
@@ -8055,7 +7974,7 @@
             <a:pPr lvl="0">
               <a:defRPr/>
             </a:pPr>
-            <a:endParaRPr lang="fr-CA" sz="2400" b="1" dirty="0" smtClean="0">
+            <a:endParaRPr lang="fr-CA" sz="2400" b="1" dirty="0">
               <a:solidFill>
                 <a:prstClr val="black"/>
               </a:solidFill>
@@ -8074,7 +7993,7 @@
         <p:spPr>
           <a:xfrm>
             <a:off x="576214" y="9217249"/>
-            <a:ext cx="20431268" cy="7140416"/>
+            <a:ext cx="20431268" cy="7201971"/>
           </a:xfrm>
           <a:prstGeom prst="rect">
             <a:avLst/>
@@ -8126,24 +8045,7 @@
                 <a:latin typeface="Segoe UI Light" pitchFamily="34" charset="0"/>
                 <a:cs typeface="Segoe UI Light" pitchFamily="34" charset="0"/>
               </a:rPr>
-              <a:t>- </a:t>
-            </a:r>
-            <a:r>
-              <a:rPr lang="fr-CA" sz="5400" b="1" dirty="0" smtClean="0">
-                <a:solidFill>
-                  <a:prstClr val="black"/>
-                </a:solidFill>
-                <a:effectLst>
-                  <a:outerShdw blurRad="38100" dist="38100" dir="2700000" algn="tl">
-                    <a:srgbClr val="000000">
-                      <a:alpha val="43137"/>
-                    </a:srgbClr>
-                  </a:outerShdw>
-                </a:effectLst>
-                <a:latin typeface="Segoe UI Light" pitchFamily="34" charset="0"/>
-                <a:cs typeface="Segoe UI Light" pitchFamily="34" charset="0"/>
-              </a:rPr>
-              <a:t>Principe des tests</a:t>
+              <a:t>- Principe des tests</a:t>
             </a:r>
           </a:p>
           <a:p>
@@ -8240,16 +8142,21 @@
               <a:defRPr/>
             </a:pPr>
             <a:r>
-              <a:rPr lang="fr-CA" sz="4400" smtClean="0">
+              <a:rPr lang="fr-CA" sz="4400" dirty="0" smtClean="0">
                 <a:solidFill>
                   <a:prstClr val="black"/>
                 </a:solidFill>
                 <a:latin typeface="Arial" panose="020B0604020202020204" pitchFamily="34" charset="0"/>
                 <a:cs typeface="Arial" panose="020B0604020202020204" pitchFamily="34" charset="0"/>
               </a:rPr>
-              <a:t>0101010100             </a:t>
-            </a:r>
-            <a:endParaRPr lang="fr-CA" sz="2800" dirty="0">
+              <a:t>   </a:t>
+            </a:r>
+          </a:p>
+          <a:p>
+            <a:pPr lvl="0">
+              <a:defRPr/>
+            </a:pPr>
+            <a:endParaRPr lang="fr-CA" sz="4400" dirty="0">
               <a:solidFill>
                 <a:prstClr val="black"/>
               </a:solidFill>
@@ -8261,31 +8168,7 @@
             <a:pPr lvl="0">
               <a:defRPr/>
             </a:pPr>
-            <a:endParaRPr lang="fr-CA" sz="2800" dirty="0" smtClean="0">
-              <a:solidFill>
-                <a:prstClr val="black"/>
-              </a:solidFill>
-              <a:latin typeface="Arial" panose="020B0604020202020204" pitchFamily="34" charset="0"/>
-              <a:cs typeface="Arial" panose="020B0604020202020204" pitchFamily="34" charset="0"/>
-            </a:endParaRPr>
-          </a:p>
-          <a:p>
-            <a:pPr lvl="0">
-              <a:defRPr/>
-            </a:pPr>
-            <a:endParaRPr lang="fr-CA" sz="2800" dirty="0">
-              <a:solidFill>
-                <a:prstClr val="black"/>
-              </a:solidFill>
-              <a:latin typeface="Arial" panose="020B0604020202020204" pitchFamily="34" charset="0"/>
-              <a:cs typeface="Arial" panose="020B0604020202020204" pitchFamily="34" charset="0"/>
-            </a:endParaRPr>
-          </a:p>
-          <a:p>
-            <a:pPr lvl="0">
-              <a:defRPr/>
-            </a:pPr>
-            <a:endParaRPr lang="fr-CA" sz="2800" dirty="0" smtClean="0">
+            <a:endParaRPr lang="fr-CA" sz="4400" dirty="0">
               <a:solidFill>
                 <a:prstClr val="black"/>
               </a:solidFill>
@@ -8688,13 +8571,6 @@
               </a:rPr>
               <a:t> </a:t>
             </a:r>
-            <a:endParaRPr lang="fr-CA" sz="4200" b="1" spc="-100" dirty="0" smtClean="0">
-              <a:solidFill>
-                <a:prstClr val="black"/>
-              </a:solidFill>
-              <a:latin typeface="Arial" panose="020B0604020202020204" pitchFamily="34" charset="0"/>
-              <a:cs typeface="Arial" panose="020B0604020202020204" pitchFamily="34" charset="0"/>
-            </a:endParaRPr>
           </a:p>
           <a:p>
             <a:pPr lvl="0">
@@ -9645,6 +9521,563 @@
           </a:prstGeom>
         </p:spPr>
       </p:pic>
+      <p:sp>
+        <p:nvSpPr>
+          <p:cNvPr id="29" name="Rectangle à coins arrondis 28"/>
+          <p:cNvSpPr/>
+          <p:nvPr/>
+        </p:nvSpPr>
+        <p:spPr>
+          <a:xfrm>
+            <a:off x="936254" y="12673633"/>
+            <a:ext cx="3168352" cy="3384376"/>
+          </a:xfrm>
+          <a:prstGeom prst="roundRect">
+            <a:avLst/>
+          </a:prstGeom>
+          <a:solidFill>
+            <a:schemeClr val="accent4">
+              <a:lumMod val="20000"/>
+              <a:lumOff val="80000"/>
+              <a:alpha val="88000"/>
+            </a:schemeClr>
+          </a:solidFill>
+          <a:ln>
+            <a:solidFill>
+              <a:schemeClr val="bg1"/>
+            </a:solidFill>
+          </a:ln>
+        </p:spPr>
+        <p:style>
+          <a:lnRef idx="2">
+            <a:schemeClr val="accent6"/>
+          </a:lnRef>
+          <a:fillRef idx="1">
+            <a:schemeClr val="lt1"/>
+          </a:fillRef>
+          <a:effectRef idx="0">
+            <a:schemeClr val="accent6"/>
+          </a:effectRef>
+          <a:fontRef idx="minor">
+            <a:schemeClr val="dk1"/>
+          </a:fontRef>
+        </p:style>
+        <p:txBody>
+          <a:bodyPr rtlCol="0" anchor="ctr"/>
+          <a:lstStyle/>
+          <a:p>
+            <a:pPr algn="ctr"/>
+            <a:endParaRPr lang="fr-FR">
+              <a:noFill/>
+            </a:endParaRPr>
+          </a:p>
+        </p:txBody>
+      </p:sp>
+      <p:sp>
+        <p:nvSpPr>
+          <p:cNvPr id="40" name="Rectangle à coins arrondis 39"/>
+          <p:cNvSpPr/>
+          <p:nvPr/>
+        </p:nvSpPr>
+        <p:spPr>
+          <a:xfrm>
+            <a:off x="5256734" y="12745641"/>
+            <a:ext cx="4248472" cy="3312368"/>
+          </a:xfrm>
+          <a:prstGeom prst="roundRect">
+            <a:avLst/>
+          </a:prstGeom>
+          <a:solidFill>
+            <a:srgbClr val="E6E0EC"/>
+          </a:solidFill>
+          <a:ln>
+            <a:solidFill>
+              <a:srgbClr val="FFFFFF"/>
+            </a:solidFill>
+          </a:ln>
+        </p:spPr>
+        <p:style>
+          <a:lnRef idx="2">
+            <a:schemeClr val="accent6"/>
+          </a:lnRef>
+          <a:fillRef idx="1">
+            <a:schemeClr val="lt1"/>
+          </a:fillRef>
+          <a:effectRef idx="0">
+            <a:schemeClr val="accent6"/>
+          </a:effectRef>
+          <a:fontRef idx="minor">
+            <a:schemeClr val="dk1"/>
+          </a:fontRef>
+        </p:style>
+        <p:txBody>
+          <a:bodyPr rtlCol="0" anchor="ctr"/>
+          <a:lstStyle/>
+          <a:p>
+            <a:pPr algn="ctr"/>
+            <a:endParaRPr lang="fr-FR">
+              <a:noFill/>
+            </a:endParaRPr>
+          </a:p>
+        </p:txBody>
+      </p:sp>
+      <p:sp>
+        <p:nvSpPr>
+          <p:cNvPr id="41" name="Rectangle à coins arrondis 40"/>
+          <p:cNvSpPr/>
+          <p:nvPr/>
+        </p:nvSpPr>
+        <p:spPr>
+          <a:xfrm>
+            <a:off x="10729342" y="12817649"/>
+            <a:ext cx="4752528" cy="3168352"/>
+          </a:xfrm>
+          <a:prstGeom prst="roundRect">
+            <a:avLst/>
+          </a:prstGeom>
+          <a:solidFill>
+            <a:srgbClr val="E6E0EC"/>
+          </a:solidFill>
+          <a:ln>
+            <a:solidFill>
+              <a:srgbClr val="FFFFFF"/>
+            </a:solidFill>
+          </a:ln>
+        </p:spPr>
+        <p:style>
+          <a:lnRef idx="2">
+            <a:schemeClr val="accent6"/>
+          </a:lnRef>
+          <a:fillRef idx="1">
+            <a:schemeClr val="lt1"/>
+          </a:fillRef>
+          <a:effectRef idx="0">
+            <a:schemeClr val="accent6"/>
+          </a:effectRef>
+          <a:fontRef idx="minor">
+            <a:schemeClr val="dk1"/>
+          </a:fontRef>
+        </p:style>
+        <p:txBody>
+          <a:bodyPr rtlCol="0" anchor="ctr"/>
+          <a:lstStyle/>
+          <a:p>
+            <a:pPr algn="ctr"/>
+            <a:endParaRPr lang="fr-FR">
+              <a:noFill/>
+            </a:endParaRPr>
+          </a:p>
+        </p:txBody>
+      </p:sp>
+      <p:pic>
+        <p:nvPicPr>
+          <p:cNvPr id="10" name="Image 9"/>
+          <p:cNvPicPr>
+            <a:picLocks noChangeAspect="1"/>
+          </p:cNvPicPr>
+          <p:nvPr/>
+        </p:nvPicPr>
+        <p:blipFill>
+          <a:blip r:embed="rId17"/>
+          <a:stretch>
+            <a:fillRect/>
+          </a:stretch>
+        </p:blipFill>
+        <p:spPr>
+          <a:xfrm>
+            <a:off x="6120830" y="12889657"/>
+            <a:ext cx="2376264" cy="1379441"/>
+          </a:xfrm>
+          <a:prstGeom prst="rect">
+            <a:avLst/>
+          </a:prstGeom>
+        </p:spPr>
+      </p:pic>
+      <p:pic>
+        <p:nvPicPr>
+          <p:cNvPr id="15" name="Image 14"/>
+          <p:cNvPicPr>
+            <a:picLocks noChangeAspect="1"/>
+          </p:cNvPicPr>
+          <p:nvPr/>
+        </p:nvPicPr>
+        <p:blipFill>
+          <a:blip r:embed="rId18"/>
+          <a:stretch>
+            <a:fillRect/>
+          </a:stretch>
+        </p:blipFill>
+        <p:spPr>
+          <a:xfrm>
+            <a:off x="6120830" y="14401826"/>
+            <a:ext cx="2302520" cy="1422144"/>
+          </a:xfrm>
+          <a:prstGeom prst="rect">
+            <a:avLst/>
+          </a:prstGeom>
+        </p:spPr>
+      </p:pic>
+      <p:sp>
+        <p:nvSpPr>
+          <p:cNvPr id="42" name="ZoneTexte 41"/>
+          <p:cNvSpPr txBox="1"/>
+          <p:nvPr/>
+        </p:nvSpPr>
+        <p:spPr>
+          <a:xfrm>
+            <a:off x="1296294" y="13177689"/>
+            <a:ext cx="2592288" cy="2185214"/>
+          </a:xfrm>
+          <a:prstGeom prst="rect">
+            <a:avLst/>
+          </a:prstGeom>
+          <a:noFill/>
+        </p:spPr>
+        <p:txBody>
+          <a:bodyPr wrap="square" rtlCol="0">
+            <a:spAutoFit/>
+          </a:bodyPr>
+          <a:lstStyle/>
+          <a:p>
+            <a:pPr lvl="0">
+              <a:defRPr/>
+            </a:pPr>
+            <a:r>
+              <a:rPr lang="fr-CA" sz="4000" dirty="0" smtClean="0">
+                <a:solidFill>
+                  <a:prstClr val="black"/>
+                </a:solidFill>
+                <a:latin typeface="Arial" panose="020B0604020202020204" pitchFamily="34" charset="0"/>
+                <a:cs typeface="Arial" panose="020B0604020202020204" pitchFamily="34" charset="0"/>
+              </a:rPr>
+              <a:t>0101</a:t>
+            </a:r>
+            <a:r>
+              <a:rPr lang="fr-CA" sz="4000" b="1" dirty="0" smtClean="0">
+                <a:solidFill>
+                  <a:prstClr val="black"/>
+                </a:solidFill>
+                <a:latin typeface="Arial" panose="020B0604020202020204" pitchFamily="34" charset="0"/>
+                <a:cs typeface="Arial" panose="020B0604020202020204" pitchFamily="34" charset="0"/>
+              </a:rPr>
+              <a:t>|</a:t>
+            </a:r>
+            <a:r>
+              <a:rPr lang="fr-CA" sz="4000" dirty="0" smtClean="0">
+                <a:solidFill>
+                  <a:prstClr val="black"/>
+                </a:solidFill>
+                <a:latin typeface="Arial" panose="020B0604020202020204" pitchFamily="34" charset="0"/>
+                <a:cs typeface="Arial" panose="020B0604020202020204" pitchFamily="34" charset="0"/>
+              </a:rPr>
+              <a:t>1101  </a:t>
+            </a:r>
+            <a:r>
+              <a:rPr lang="fr-CA" sz="3200" dirty="0" smtClean="0">
+                <a:solidFill>
+                  <a:prstClr val="black"/>
+                </a:solidFill>
+                <a:latin typeface="Arial" panose="020B0604020202020204" pitchFamily="34" charset="0"/>
+                <a:cs typeface="Arial" panose="020B0604020202020204" pitchFamily="34" charset="0"/>
+              </a:rPr>
+              <a:t>          </a:t>
+            </a:r>
+            <a:endParaRPr lang="fr-CA" sz="3200" dirty="0">
+              <a:solidFill>
+                <a:prstClr val="black"/>
+              </a:solidFill>
+              <a:latin typeface="Arial" panose="020B0604020202020204" pitchFamily="34" charset="0"/>
+              <a:cs typeface="Arial" panose="020B0604020202020204" pitchFamily="34" charset="0"/>
+            </a:endParaRPr>
+          </a:p>
+          <a:p>
+            <a:pPr lvl="0">
+              <a:defRPr/>
+            </a:pPr>
+            <a:endParaRPr lang="fr-CA" sz="3200" dirty="0">
+              <a:solidFill>
+                <a:prstClr val="black"/>
+              </a:solidFill>
+              <a:latin typeface="Arial" panose="020B0604020202020204" pitchFamily="34" charset="0"/>
+              <a:cs typeface="Arial" panose="020B0604020202020204" pitchFamily="34" charset="0"/>
+            </a:endParaRPr>
+          </a:p>
+          <a:p>
+            <a:pPr lvl="0">
+              <a:defRPr/>
+            </a:pPr>
+            <a:endParaRPr lang="fr-CA" sz="3200" dirty="0">
+              <a:solidFill>
+                <a:prstClr val="black"/>
+              </a:solidFill>
+              <a:latin typeface="Arial" panose="020B0604020202020204" pitchFamily="34" charset="0"/>
+              <a:cs typeface="Arial" panose="020B0604020202020204" pitchFamily="34" charset="0"/>
+            </a:endParaRPr>
+          </a:p>
+          <a:p>
+            <a:pPr lvl="0">
+              <a:defRPr/>
+            </a:pPr>
+            <a:r>
+              <a:rPr lang="fr-CA" sz="3200" dirty="0">
+                <a:solidFill>
+                  <a:prstClr val="black"/>
+                </a:solidFill>
+                <a:latin typeface="Arial" panose="020B0604020202020204" pitchFamily="34" charset="0"/>
+                <a:cs typeface="Arial" panose="020B0604020202020204" pitchFamily="34" charset="0"/>
+              </a:rPr>
+              <a:t> (</a:t>
+            </a:r>
+            <a:r>
+              <a:rPr lang="fr-CA" sz="3200" dirty="0" smtClean="0">
+                <a:solidFill>
+                  <a:prstClr val="black"/>
+                </a:solidFill>
+                <a:latin typeface="Arial" panose="020B0604020202020204" pitchFamily="34" charset="0"/>
+                <a:cs typeface="Arial" panose="020B0604020202020204" pitchFamily="34" charset="0"/>
+              </a:rPr>
+              <a:t>ALGO  </a:t>
+            </a:r>
+            <a:r>
+              <a:rPr lang="fr-CA" sz="3200" dirty="0">
+                <a:solidFill>
+                  <a:prstClr val="black"/>
+                </a:solidFill>
+                <a:latin typeface="Arial" panose="020B0604020202020204" pitchFamily="34" charset="0"/>
+                <a:cs typeface="Arial" panose="020B0604020202020204" pitchFamily="34" charset="0"/>
+              </a:rPr>
+              <a:t>5</a:t>
+            </a:r>
+            <a:r>
+              <a:rPr lang="fr-CA" sz="3200" dirty="0" smtClean="0">
+                <a:solidFill>
+                  <a:prstClr val="black"/>
+                </a:solidFill>
+                <a:latin typeface="Arial" panose="020B0604020202020204" pitchFamily="34" charset="0"/>
+                <a:cs typeface="Arial" panose="020B0604020202020204" pitchFamily="34" charset="0"/>
+              </a:rPr>
+              <a:t>)</a:t>
+            </a:r>
+            <a:endParaRPr lang="fr-CA" sz="3200" dirty="0">
+              <a:solidFill>
+                <a:prstClr val="black"/>
+              </a:solidFill>
+              <a:latin typeface="Arial" panose="020B0604020202020204" pitchFamily="34" charset="0"/>
+              <a:cs typeface="Arial" panose="020B0604020202020204" pitchFamily="34" charset="0"/>
+            </a:endParaRPr>
+          </a:p>
+        </p:txBody>
+      </p:sp>
+      <p:pic>
+        <p:nvPicPr>
+          <p:cNvPr id="17" name="Image 16"/>
+          <p:cNvPicPr>
+            <a:picLocks noChangeAspect="1"/>
+          </p:cNvPicPr>
+          <p:nvPr/>
+        </p:nvPicPr>
+        <p:blipFill>
+          <a:blip r:embed="rId19"/>
+          <a:stretch>
+            <a:fillRect/>
+          </a:stretch>
+        </p:blipFill>
+        <p:spPr>
+          <a:xfrm>
+            <a:off x="10873358" y="13681745"/>
+            <a:ext cx="4464496" cy="711731"/>
+          </a:xfrm>
+          <a:prstGeom prst="rect">
+            <a:avLst/>
+          </a:prstGeom>
+        </p:spPr>
+      </p:pic>
+      <p:sp>
+        <p:nvSpPr>
+          <p:cNvPr id="43" name="Rectangle à coins arrondis 42"/>
+          <p:cNvSpPr/>
+          <p:nvPr/>
+        </p:nvSpPr>
+        <p:spPr>
+          <a:xfrm>
+            <a:off x="16850022" y="12889657"/>
+            <a:ext cx="3888432" cy="3168352"/>
+          </a:xfrm>
+          <a:prstGeom prst="roundRect">
+            <a:avLst/>
+          </a:prstGeom>
+          <a:solidFill>
+            <a:srgbClr val="E6E0EC"/>
+          </a:solidFill>
+          <a:ln>
+            <a:solidFill>
+              <a:srgbClr val="FFFFFF"/>
+            </a:solidFill>
+          </a:ln>
+        </p:spPr>
+        <p:style>
+          <a:lnRef idx="2">
+            <a:schemeClr val="accent6"/>
+          </a:lnRef>
+          <a:fillRef idx="1">
+            <a:schemeClr val="lt1"/>
+          </a:fillRef>
+          <a:effectRef idx="0">
+            <a:schemeClr val="accent6"/>
+          </a:effectRef>
+          <a:fontRef idx="minor">
+            <a:schemeClr val="dk1"/>
+          </a:fontRef>
+        </p:style>
+        <p:txBody>
+          <a:bodyPr rtlCol="0" anchor="ctr"/>
+          <a:lstStyle/>
+          <a:p>
+            <a:pPr algn="ctr"/>
+            <a:endParaRPr lang="fr-FR">
+              <a:noFill/>
+            </a:endParaRPr>
+          </a:p>
+        </p:txBody>
+      </p:sp>
+      <p:pic>
+        <p:nvPicPr>
+          <p:cNvPr id="27" name="Image 26"/>
+          <p:cNvPicPr>
+            <a:picLocks noChangeAspect="1"/>
+          </p:cNvPicPr>
+          <p:nvPr/>
+        </p:nvPicPr>
+        <p:blipFill>
+          <a:blip r:embed="rId20"/>
+          <a:stretch>
+            <a:fillRect/>
+          </a:stretch>
+        </p:blipFill>
+        <p:spPr>
+          <a:xfrm>
+            <a:off x="16898625" y="13969777"/>
+            <a:ext cx="3858185" cy="797557"/>
+          </a:xfrm>
+          <a:prstGeom prst="rect">
+            <a:avLst/>
+          </a:prstGeom>
+        </p:spPr>
+      </p:pic>
+      <p:sp>
+        <p:nvSpPr>
+          <p:cNvPr id="38" name="ZoneTexte 37"/>
+          <p:cNvSpPr txBox="1"/>
+          <p:nvPr/>
+        </p:nvSpPr>
+        <p:spPr>
+          <a:xfrm>
+            <a:off x="16778014" y="13033673"/>
+            <a:ext cx="4104306" cy="646331"/>
+          </a:xfrm>
+          <a:prstGeom prst="rect">
+            <a:avLst/>
+          </a:prstGeom>
+          <a:noFill/>
+        </p:spPr>
+        <p:txBody>
+          <a:bodyPr wrap="square" rtlCol="0">
+            <a:spAutoFit/>
+          </a:bodyPr>
+          <a:lstStyle/>
+          <a:p>
+            <a:r>
+              <a:rPr lang="fr-FR" sz="3600" dirty="0"/>
+              <a:t> </a:t>
+            </a:r>
+            <a:r>
+              <a:rPr lang="fr-FR" sz="3600" dirty="0" smtClean="0"/>
+              <a:t> REGLE DE DECISION</a:t>
+            </a:r>
+            <a:endParaRPr lang="fr-FR" sz="3600" dirty="0"/>
+          </a:p>
+        </p:txBody>
+      </p:sp>
+      <p:sp>
+        <p:nvSpPr>
+          <p:cNvPr id="36" name="ZoneTexte 35"/>
+          <p:cNvSpPr txBox="1"/>
+          <p:nvPr/>
+        </p:nvSpPr>
+        <p:spPr>
+          <a:xfrm>
+            <a:off x="16922030" y="14905881"/>
+            <a:ext cx="4104306" cy="646331"/>
+          </a:xfrm>
+          <a:prstGeom prst="rect">
+            <a:avLst/>
+          </a:prstGeom>
+          <a:noFill/>
+        </p:spPr>
+        <p:txBody>
+          <a:bodyPr wrap="square" rtlCol="0">
+            <a:spAutoFit/>
+          </a:bodyPr>
+          <a:lstStyle/>
+          <a:p>
+            <a:r>
+              <a:rPr lang="fr-FR" sz="3600" dirty="0"/>
+              <a:t> </a:t>
+            </a:r>
+            <a:r>
+              <a:rPr lang="fr-FR" sz="3600" dirty="0" smtClean="0"/>
+              <a:t> =&gt; NON- RANDOM</a:t>
+            </a:r>
+            <a:endParaRPr lang="fr-FR" sz="3600" dirty="0"/>
+          </a:p>
+        </p:txBody>
+      </p:sp>
+      <p:sp>
+        <p:nvSpPr>
+          <p:cNvPr id="18" name="ZoneTexte 17"/>
+          <p:cNvSpPr txBox="1"/>
+          <p:nvPr/>
+        </p:nvSpPr>
+        <p:spPr>
+          <a:xfrm>
+            <a:off x="11233398" y="14833873"/>
+            <a:ext cx="3888432" cy="646331"/>
+          </a:xfrm>
+          <a:prstGeom prst="rect">
+            <a:avLst/>
+          </a:prstGeom>
+          <a:noFill/>
+        </p:spPr>
+        <p:txBody>
+          <a:bodyPr wrap="square" rtlCol="0">
+            <a:spAutoFit/>
+          </a:bodyPr>
+          <a:lstStyle/>
+          <a:p>
+            <a:r>
+              <a:rPr lang="fr-FR" sz="3600" dirty="0" smtClean="0"/>
+              <a:t>Distribution </a:t>
+            </a:r>
+            <a:r>
+              <a:rPr lang="fr-FR" sz="3600" dirty="0" err="1" smtClean="0"/>
+              <a:t>χ</a:t>
+            </a:r>
+            <a:r>
+              <a:rPr lang="fr-FR" sz="3600" dirty="0" smtClean="0"/>
+              <a:t> carr</a:t>
+            </a:r>
+            <a:r>
+              <a:rPr lang="fr-FR" sz="3600" dirty="0"/>
+              <a:t>é</a:t>
+            </a:r>
+            <a:r>
+              <a:rPr lang="fr-FR" sz="3600" dirty="0" smtClean="0"/>
+              <a:t> </a:t>
+            </a:r>
+            <a:endParaRPr lang="fr-FR" sz="3600" dirty="0"/>
+          </a:p>
+        </p:txBody>
+      </p:sp>
     </p:spTree>
     <p:extLst>
       <p:ext uri="{BB962C8B-B14F-4D97-AF65-F5344CB8AC3E}">

--- a/PosterPAFIncertitude.pptx
+++ b/PosterPAFIncertitude.pptx
@@ -1059,27 +1059,27 @@
         <a:lstStyle/>
         <a:p>
           <a:r>
-            <a:rPr lang="fr-FR" sz="4000" dirty="0" err="1" smtClean="0">
+            <a:rPr lang="fr-FR" sz="4000" i="0" dirty="0" smtClean="0">
               <a:latin typeface="Segoe UI Light" pitchFamily="34" charset="0"/>
               <a:cs typeface="Segoe UI Light" pitchFamily="34" charset="0"/>
             </a:rPr>
-            <a:t>Quality</a:t>
+            <a:t>Qualité de l’  «</a:t>
           </a:r>
           <a:r>
-            <a:rPr lang="fr-FR" sz="4000" dirty="0" smtClean="0">
+            <a:rPr lang="fr-FR" sz="4000" i="0" dirty="0" err="1" smtClean="0">
               <a:latin typeface="Segoe UI Light" pitchFamily="34" charset="0"/>
               <a:cs typeface="Segoe UI Light" pitchFamily="34" charset="0"/>
             </a:rPr>
-            <a:t> of </a:t>
+            <a:t>aléatoirité</a:t>
           </a:r>
           <a:r>
-            <a:rPr lang="fr-FR" sz="4000" i="1" dirty="0" err="1" smtClean="0">
+            <a:rPr lang="fr-FR" sz="4000" i="0" dirty="0" smtClean="0">
               <a:latin typeface="Segoe UI Light" pitchFamily="34" charset="0"/>
               <a:cs typeface="Segoe UI Light" pitchFamily="34" charset="0"/>
             </a:rPr>
-            <a:t>randomness</a:t>
+            <a:t> » </a:t>
           </a:r>
-          <a:endParaRPr lang="fr-FR" sz="4000" i="1" dirty="0">
+          <a:endParaRPr lang="fr-FR" sz="4000" i="0" dirty="0">
             <a:latin typeface="Segoe UI Light" pitchFamily="34" charset="0"/>
             <a:cs typeface="Segoe UI Light" pitchFamily="34" charset="0"/>
           </a:endParaRPr>
@@ -1795,27 +1795,27 @@
             </a:spcAft>
           </a:pPr>
           <a:r>
-            <a:rPr lang="fr-FR" sz="4000" kern="1200" dirty="0" err="1" smtClean="0">
+            <a:rPr lang="fr-FR" sz="4000" i="0" kern="1200" dirty="0" smtClean="0">
               <a:latin typeface="Segoe UI Light" pitchFamily="34" charset="0"/>
               <a:cs typeface="Segoe UI Light" pitchFamily="34" charset="0"/>
             </a:rPr>
-            <a:t>Quality</a:t>
+            <a:t>Qualité de l’  «</a:t>
           </a:r>
           <a:r>
-            <a:rPr lang="fr-FR" sz="4000" kern="1200" dirty="0" smtClean="0">
+            <a:rPr lang="fr-FR" sz="4000" i="0" kern="1200" dirty="0" err="1" smtClean="0">
               <a:latin typeface="Segoe UI Light" pitchFamily="34" charset="0"/>
               <a:cs typeface="Segoe UI Light" pitchFamily="34" charset="0"/>
             </a:rPr>
-            <a:t> of </a:t>
+            <a:t>aléatoirité</a:t>
           </a:r>
           <a:r>
-            <a:rPr lang="fr-FR" sz="4000" i="1" kern="1200" dirty="0" err="1" smtClean="0">
+            <a:rPr lang="fr-FR" sz="4000" i="0" kern="1200" dirty="0" smtClean="0">
               <a:latin typeface="Segoe UI Light" pitchFamily="34" charset="0"/>
               <a:cs typeface="Segoe UI Light" pitchFamily="34" charset="0"/>
             </a:rPr>
-            <a:t>randomness</a:t>
+            <a:t> » </a:t>
           </a:r>
-          <a:endParaRPr lang="fr-FR" sz="4000" i="1" kern="1200" dirty="0">
+          <a:endParaRPr lang="fr-FR" sz="4000" i="0" kern="1200" dirty="0">
             <a:latin typeface="Segoe UI Light" pitchFamily="34" charset="0"/>
             <a:cs typeface="Segoe UI Light" pitchFamily="34" charset="0"/>
           </a:endParaRPr>
@@ -7084,8 +7084,8 @@
         </p:nvSpPr>
         <p:spPr>
           <a:xfrm>
-            <a:off x="585716" y="4680745"/>
-            <a:ext cx="9567562" cy="2246769"/>
+            <a:off x="585716" y="4536729"/>
+            <a:ext cx="9567562" cy="4216539"/>
           </a:xfrm>
           <a:prstGeom prst="rect">
             <a:avLst/>
@@ -7219,7 +7219,193 @@
               <a:buChar char="§"/>
               <a:defRPr/>
             </a:pPr>
-            <a:endParaRPr lang="fr-CA" sz="4300" dirty="0" smtClean="0">
+            <a:endParaRPr lang="fr-CA" sz="4300" dirty="0">
+              <a:solidFill>
+                <a:prstClr val="black"/>
+              </a:solidFill>
+              <a:latin typeface="Segoe UI Light" pitchFamily="34" charset="0"/>
+              <a:cs typeface="Segoe UI Light" pitchFamily="34" charset="0"/>
+            </a:endParaRPr>
+          </a:p>
+          <a:p>
+            <a:pPr lvl="0" algn="ctr">
+              <a:defRPr/>
+            </a:pPr>
+            <a:r>
+              <a:rPr lang="fr-CA" sz="4800" dirty="0" smtClean="0">
+                <a:solidFill>
+                  <a:prstClr val="black"/>
+                </a:solidFill>
+                <a:latin typeface="Segoe UI Light" pitchFamily="34" charset="0"/>
+                <a:cs typeface="Segoe UI Light" pitchFamily="34" charset="0"/>
+              </a:rPr>
+              <a:t>0</a:t>
+            </a:r>
+            <a:r>
+              <a:rPr lang="fr-CA" sz="4800" dirty="0" smtClean="0">
+                <a:solidFill>
+                  <a:srgbClr val="0000FF"/>
+                </a:solidFill>
+                <a:latin typeface="Segoe UI Light" pitchFamily="34" charset="0"/>
+                <a:cs typeface="Segoe UI Light" pitchFamily="34" charset="0"/>
+              </a:rPr>
+              <a:t>1111</a:t>
+            </a:r>
+            <a:r>
+              <a:rPr lang="fr-CA" sz="4800" dirty="0" smtClean="0">
+                <a:solidFill>
+                  <a:prstClr val="black"/>
+                </a:solidFill>
+                <a:latin typeface="Segoe UI Light" pitchFamily="34" charset="0"/>
+                <a:cs typeface="Segoe UI Light" pitchFamily="34" charset="0"/>
+              </a:rPr>
+              <a:t>0000</a:t>
+            </a:r>
+            <a:r>
+              <a:rPr lang="fr-CA" sz="4800" dirty="0" smtClean="0">
+                <a:solidFill>
+                  <a:srgbClr val="0000FF"/>
+                </a:solidFill>
+                <a:latin typeface="Segoe UI Light" pitchFamily="34" charset="0"/>
+                <a:cs typeface="Segoe UI Light" pitchFamily="34" charset="0"/>
+              </a:rPr>
+              <a:t>111</a:t>
+            </a:r>
+            <a:r>
+              <a:rPr lang="fr-CA" sz="4800" dirty="0" smtClean="0">
+                <a:solidFill>
+                  <a:prstClr val="black"/>
+                </a:solidFill>
+                <a:latin typeface="Segoe UI Light" pitchFamily="34" charset="0"/>
+                <a:cs typeface="Segoe UI Light" pitchFamily="34" charset="0"/>
+              </a:rPr>
+              <a:t>0</a:t>
+            </a:r>
+            <a:r>
+              <a:rPr lang="fr-CA" sz="4800" dirty="0" smtClean="0">
+                <a:solidFill>
+                  <a:srgbClr val="0000FF"/>
+                </a:solidFill>
+                <a:latin typeface="Segoe UI Light" pitchFamily="34" charset="0"/>
+                <a:cs typeface="Segoe UI Light" pitchFamily="34" charset="0"/>
+              </a:rPr>
+              <a:t>111</a:t>
+            </a:r>
+            <a:r>
+              <a:rPr lang="fr-CA" sz="4800" dirty="0" smtClean="0">
+                <a:solidFill>
+                  <a:prstClr val="black"/>
+                </a:solidFill>
+                <a:latin typeface="Segoe UI Light" pitchFamily="34" charset="0"/>
+                <a:cs typeface="Segoe UI Light" pitchFamily="34" charset="0"/>
+              </a:rPr>
+              <a:t>0</a:t>
+            </a:r>
+            <a:r>
+              <a:rPr lang="fr-CA" sz="4800" dirty="0" smtClean="0">
+                <a:solidFill>
+                  <a:srgbClr val="0000FF"/>
+                </a:solidFill>
+                <a:latin typeface="Segoe UI Light" pitchFamily="34" charset="0"/>
+                <a:cs typeface="Segoe UI Light" pitchFamily="34" charset="0"/>
+              </a:rPr>
+              <a:t>11</a:t>
+            </a:r>
+            <a:r>
+              <a:rPr lang="fr-CA" sz="4800" dirty="0" smtClean="0">
+                <a:solidFill>
+                  <a:prstClr val="black"/>
+                </a:solidFill>
+                <a:latin typeface="Segoe UI Light" pitchFamily="34" charset="0"/>
+                <a:cs typeface="Segoe UI Light" pitchFamily="34" charset="0"/>
+              </a:rPr>
+              <a:t>0</a:t>
+            </a:r>
+            <a:r>
+              <a:rPr lang="fr-CA" sz="4800" dirty="0" smtClean="0">
+                <a:solidFill>
+                  <a:srgbClr val="0000FF"/>
+                </a:solidFill>
+                <a:latin typeface="Segoe UI Light" pitchFamily="34" charset="0"/>
+                <a:cs typeface="Segoe UI Light" pitchFamily="34" charset="0"/>
+              </a:rPr>
+              <a:t>1</a:t>
+            </a:r>
+            <a:r>
+              <a:rPr lang="fr-CA" sz="4800" dirty="0" smtClean="0">
+                <a:solidFill>
+                  <a:prstClr val="black"/>
+                </a:solidFill>
+                <a:latin typeface="Segoe UI Light" pitchFamily="34" charset="0"/>
+                <a:cs typeface="Segoe UI Light" pitchFamily="34" charset="0"/>
+              </a:rPr>
+              <a:t>0</a:t>
+            </a:r>
+            <a:r>
+              <a:rPr lang="fr-CA" sz="4800" dirty="0" smtClean="0">
+                <a:solidFill>
+                  <a:srgbClr val="0000FF"/>
+                </a:solidFill>
+                <a:latin typeface="Segoe UI Light" pitchFamily="34" charset="0"/>
+                <a:cs typeface="Segoe UI Light" pitchFamily="34" charset="0"/>
+              </a:rPr>
+              <a:t>1</a:t>
+            </a:r>
+            <a:r>
+              <a:rPr lang="is-IS" sz="4800" smtClean="0">
+                <a:solidFill>
+                  <a:srgbClr val="0000FF"/>
+                </a:solidFill>
+                <a:latin typeface="Segoe UI Light" pitchFamily="34" charset="0"/>
+                <a:cs typeface="Segoe UI Light" pitchFamily="34" charset="0"/>
+              </a:rPr>
+              <a:t>…1</a:t>
+            </a:r>
+            <a:r>
+              <a:rPr lang="is-IS" sz="4800" smtClean="0">
+                <a:latin typeface="Segoe UI Light" pitchFamily="34" charset="0"/>
+                <a:cs typeface="Segoe UI Light" pitchFamily="34" charset="0"/>
+              </a:rPr>
+              <a:t>00</a:t>
+            </a:r>
+            <a:endParaRPr lang="fr-CA" sz="4800" dirty="0">
+              <a:solidFill>
+                <a:srgbClr val="0000FF"/>
+              </a:solidFill>
+              <a:latin typeface="Segoe UI Light" pitchFamily="34" charset="0"/>
+              <a:cs typeface="Segoe UI Light" pitchFamily="34" charset="0"/>
+            </a:endParaRPr>
+          </a:p>
+          <a:p>
+            <a:pPr lvl="0" algn="just">
+              <a:defRPr/>
+            </a:pPr>
+            <a:r>
+              <a:rPr lang="fr-CA" sz="4000" dirty="0">
+                <a:solidFill>
+                  <a:prstClr val="black"/>
+                </a:solidFill>
+                <a:latin typeface="Segoe UI Light" pitchFamily="34" charset="0"/>
+                <a:cs typeface="Segoe UI Light" pitchFamily="34" charset="0"/>
+              </a:rPr>
+              <a:t>Est-ce vraiment une séquence aléatoire</a:t>
+            </a:r>
+            <a:r>
+              <a:rPr lang="fr-CA" sz="4000" dirty="0" smtClean="0">
+                <a:solidFill>
+                  <a:prstClr val="black"/>
+                </a:solidFill>
+                <a:latin typeface="Segoe UI Light" pitchFamily="34" charset="0"/>
+                <a:cs typeface="Segoe UI Light" pitchFamily="34" charset="0"/>
+              </a:rPr>
+              <a:t>?</a:t>
+            </a:r>
+          </a:p>
+          <a:p>
+            <a:pPr lvl="0" algn="just">
+              <a:defRPr/>
+            </a:pPr>
+            <a:endParaRPr lang="fr-CA" sz="4000" dirty="0" smtClean="0">
               <a:solidFill>
                 <a:prstClr val="black"/>
               </a:solidFill>
@@ -8479,7 +8665,7 @@
         </p:nvSpPr>
         <p:spPr>
           <a:xfrm>
-            <a:off x="10441310" y="4680745"/>
+            <a:off x="10441310" y="4536729"/>
             <a:ext cx="10657334" cy="4431983"/>
           </a:xfrm>
           <a:prstGeom prst="rect">
@@ -8998,7 +9184,7 @@
           <p:nvPr>
             <p:extLst>
               <p:ext uri="{D42A27DB-BD31-4B8C-83A1-F6EECF244321}">
-                <p14:modId xmlns:p14="http://schemas.microsoft.com/office/powerpoint/2010/main" val="3433467399"/>
+                <p14:modId xmlns:p14="http://schemas.microsoft.com/office/powerpoint/2010/main" val="731697408"/>
               </p:ext>
             </p:extLst>
           </p:nvPr>

--- a/PosterPAFIncertitude.pptx
+++ b/PosterPAFIncertitude.pptx
@@ -7085,7 +7085,7 @@
         <p:spPr>
           <a:xfrm>
             <a:off x="585716" y="4536729"/>
-            <a:ext cx="9567562" cy="4216539"/>
+            <a:ext cx="9567562" cy="4339650"/>
           </a:xfrm>
           <a:prstGeom prst="rect">
             <a:avLst/>
@@ -7126,7 +7126,7 @@
               <a:t>1-</a:t>
             </a:r>
             <a:r>
-              <a:rPr lang="fr-CA" sz="5400" b="1" dirty="0">
+              <a:rPr lang="fr-CA" sz="5400" b="1" dirty="0" smtClean="0">
                 <a:solidFill>
                   <a:schemeClr val="tx1">
                     <a:lumMod val="95000"/>
@@ -7144,30 +7144,243 @@
                 <a:ea typeface="PMingLiU-ExtB" pitchFamily="18" charset="-120"/>
                 <a:cs typeface="Segoe UI Light" pitchFamily="34" charset="0"/>
               </a:rPr>
-              <a:t> </a:t>
-            </a:r>
-            <a:r>
-              <a:rPr lang="fr-CA" sz="5400" b="1" dirty="0" smtClean="0">
-                <a:solidFill>
-                  <a:schemeClr val="tx1">
-                    <a:lumMod val="95000"/>
-                    <a:lumOff val="5000"/>
-                  </a:schemeClr>
-                </a:solidFill>
-                <a:effectLst>
-                  <a:outerShdw blurRad="38100" dist="38100" dir="2700000" algn="tl">
-                    <a:srgbClr val="000000">
-                      <a:alpha val="43137"/>
-                    </a:srgbClr>
-                  </a:outerShdw>
-                </a:effectLst>
+              <a:t> Problématique</a:t>
+            </a:r>
+          </a:p>
+          <a:p>
+            <a:pPr lvl="0" algn="ctr">
+              <a:defRPr/>
+            </a:pPr>
+            <a:endParaRPr lang="fr-CA" sz="1200" dirty="0" smtClean="0">
+              <a:solidFill>
+                <a:prstClr val="black"/>
+              </a:solidFill>
+              <a:latin typeface="Segoe UI Light" pitchFamily="34" charset="0"/>
+              <a:cs typeface="Segoe UI Light" pitchFamily="34" charset="0"/>
+            </a:endParaRPr>
+          </a:p>
+          <a:p>
+            <a:pPr lvl="0" algn="ctr">
+              <a:defRPr/>
+            </a:pPr>
+            <a:endParaRPr lang="fr-CA" sz="1000" dirty="0" smtClean="0">
+              <a:solidFill>
+                <a:prstClr val="black"/>
+              </a:solidFill>
+              <a:latin typeface="Segoe UI Light" pitchFamily="34" charset="0"/>
+              <a:cs typeface="Segoe UI Light" pitchFamily="34" charset="0"/>
+            </a:endParaRPr>
+          </a:p>
+          <a:p>
+            <a:pPr lvl="0" algn="ctr">
+              <a:defRPr/>
+            </a:pPr>
+            <a:endParaRPr lang="fr-CA" sz="1000" dirty="0">
+              <a:solidFill>
+                <a:prstClr val="black"/>
+              </a:solidFill>
+              <a:latin typeface="Segoe UI Light" pitchFamily="34" charset="0"/>
+              <a:cs typeface="Segoe UI Light" pitchFamily="34" charset="0"/>
+            </a:endParaRPr>
+          </a:p>
+          <a:p>
+            <a:pPr lvl="0" algn="ctr">
+              <a:defRPr/>
+            </a:pPr>
+            <a:endParaRPr lang="fr-CA" sz="1000" dirty="0">
+              <a:solidFill>
+                <a:prstClr val="black"/>
+              </a:solidFill>
+              <a:latin typeface="Segoe UI Light" pitchFamily="34" charset="0"/>
+              <a:cs typeface="Segoe UI Light" pitchFamily="34" charset="0"/>
+            </a:endParaRPr>
+          </a:p>
+          <a:p>
+            <a:pPr lvl="0" algn="ctr">
+              <a:defRPr/>
+            </a:pPr>
+            <a:endParaRPr lang="fr-CA" sz="1000" dirty="0" smtClean="0">
+              <a:solidFill>
+                <a:prstClr val="black"/>
+              </a:solidFill>
+              <a:latin typeface="Segoe UI Light" pitchFamily="34" charset="0"/>
+              <a:cs typeface="Segoe UI Light" pitchFamily="34" charset="0"/>
+            </a:endParaRPr>
+          </a:p>
+          <a:p>
+            <a:pPr lvl="0" algn="ctr">
+              <a:defRPr/>
+            </a:pPr>
+            <a:r>
+              <a:rPr lang="fr-CA" sz="4900" dirty="0" smtClean="0">
+                <a:solidFill>
+                  <a:prstClr val="black"/>
+                </a:solidFill>
                 <a:latin typeface="Segoe UI Light" pitchFamily="34" charset="0"/>
-                <a:ea typeface="PMingLiU-ExtB" pitchFamily="18" charset="-120"/>
                 <a:cs typeface="Segoe UI Light" pitchFamily="34" charset="0"/>
               </a:rPr>
-              <a:t>Problématique</a:t>
-            </a:r>
-            <a:endParaRPr lang="fr-CA" sz="5400" b="1" dirty="0">
+              <a:t>0</a:t>
+            </a:r>
+            <a:r>
+              <a:rPr lang="fr-CA" sz="4900" dirty="0" smtClean="0">
+                <a:solidFill>
+                  <a:srgbClr val="0000FF"/>
+                </a:solidFill>
+                <a:latin typeface="Segoe UI Light" pitchFamily="34" charset="0"/>
+                <a:cs typeface="Segoe UI Light" pitchFamily="34" charset="0"/>
+              </a:rPr>
+              <a:t>1111</a:t>
+            </a:r>
+            <a:r>
+              <a:rPr lang="fr-CA" sz="4900" dirty="0" smtClean="0">
+                <a:solidFill>
+                  <a:prstClr val="black"/>
+                </a:solidFill>
+                <a:latin typeface="Segoe UI Light" pitchFamily="34" charset="0"/>
+                <a:cs typeface="Segoe UI Light" pitchFamily="34" charset="0"/>
+              </a:rPr>
+              <a:t>0000</a:t>
+            </a:r>
+            <a:r>
+              <a:rPr lang="fr-CA" sz="4900" dirty="0" smtClean="0">
+                <a:solidFill>
+                  <a:srgbClr val="0000FF"/>
+                </a:solidFill>
+                <a:latin typeface="Segoe UI Light" pitchFamily="34" charset="0"/>
+                <a:cs typeface="Segoe UI Light" pitchFamily="34" charset="0"/>
+              </a:rPr>
+              <a:t>111</a:t>
+            </a:r>
+            <a:r>
+              <a:rPr lang="fr-CA" sz="4900" dirty="0" smtClean="0">
+                <a:solidFill>
+                  <a:prstClr val="black"/>
+                </a:solidFill>
+                <a:latin typeface="Segoe UI Light" pitchFamily="34" charset="0"/>
+                <a:cs typeface="Segoe UI Light" pitchFamily="34" charset="0"/>
+              </a:rPr>
+              <a:t>0</a:t>
+            </a:r>
+            <a:r>
+              <a:rPr lang="fr-CA" sz="4900" dirty="0" smtClean="0">
+                <a:solidFill>
+                  <a:srgbClr val="0000FF"/>
+                </a:solidFill>
+                <a:latin typeface="Segoe UI Light" pitchFamily="34" charset="0"/>
+                <a:cs typeface="Segoe UI Light" pitchFamily="34" charset="0"/>
+              </a:rPr>
+              <a:t>111</a:t>
+            </a:r>
+            <a:r>
+              <a:rPr lang="fr-CA" sz="4900" dirty="0" smtClean="0">
+                <a:solidFill>
+                  <a:prstClr val="black"/>
+                </a:solidFill>
+                <a:latin typeface="Segoe UI Light" pitchFamily="34" charset="0"/>
+                <a:cs typeface="Segoe UI Light" pitchFamily="34" charset="0"/>
+              </a:rPr>
+              <a:t>0</a:t>
+            </a:r>
+            <a:r>
+              <a:rPr lang="fr-CA" sz="4900" dirty="0" smtClean="0">
+                <a:solidFill>
+                  <a:srgbClr val="0000FF"/>
+                </a:solidFill>
+                <a:latin typeface="Segoe UI Light" pitchFamily="34" charset="0"/>
+                <a:cs typeface="Segoe UI Light" pitchFamily="34" charset="0"/>
+              </a:rPr>
+              <a:t>11</a:t>
+            </a:r>
+            <a:r>
+              <a:rPr lang="fr-CA" sz="4900" dirty="0" smtClean="0">
+                <a:solidFill>
+                  <a:prstClr val="black"/>
+                </a:solidFill>
+                <a:latin typeface="Segoe UI Light" pitchFamily="34" charset="0"/>
+                <a:cs typeface="Segoe UI Light" pitchFamily="34" charset="0"/>
+              </a:rPr>
+              <a:t>0</a:t>
+            </a:r>
+            <a:r>
+              <a:rPr lang="fr-CA" sz="4900" dirty="0" smtClean="0">
+                <a:solidFill>
+                  <a:srgbClr val="0000FF"/>
+                </a:solidFill>
+                <a:latin typeface="Segoe UI Light" pitchFamily="34" charset="0"/>
+                <a:cs typeface="Segoe UI Light" pitchFamily="34" charset="0"/>
+              </a:rPr>
+              <a:t>1</a:t>
+            </a:r>
+            <a:r>
+              <a:rPr lang="fr-CA" sz="4900" dirty="0" smtClean="0">
+                <a:solidFill>
+                  <a:prstClr val="black"/>
+                </a:solidFill>
+                <a:latin typeface="Segoe UI Light" pitchFamily="34" charset="0"/>
+                <a:cs typeface="Segoe UI Light" pitchFamily="34" charset="0"/>
+              </a:rPr>
+              <a:t>0</a:t>
+            </a:r>
+            <a:r>
+              <a:rPr lang="fr-CA" sz="4900" dirty="0" smtClean="0">
+                <a:solidFill>
+                  <a:srgbClr val="0000FF"/>
+                </a:solidFill>
+                <a:latin typeface="Segoe UI Light" pitchFamily="34" charset="0"/>
+                <a:cs typeface="Segoe UI Light" pitchFamily="34" charset="0"/>
+              </a:rPr>
+              <a:t>1</a:t>
+            </a:r>
+            <a:r>
+              <a:rPr lang="is-IS" sz="4900" dirty="0">
+                <a:solidFill>
+                  <a:srgbClr val="0000FF"/>
+                </a:solidFill>
+                <a:latin typeface="Segoe UI Light" pitchFamily="34" charset="0"/>
+                <a:cs typeface="Segoe UI Light" pitchFamily="34" charset="0"/>
+              </a:rPr>
+              <a:t>…1</a:t>
+            </a:r>
+            <a:r>
+              <a:rPr lang="is-IS" sz="4900" dirty="0">
+                <a:latin typeface="Segoe UI Light" pitchFamily="34" charset="0"/>
+                <a:cs typeface="Segoe UI Light" pitchFamily="34" charset="0"/>
+              </a:rPr>
+              <a:t>00</a:t>
+            </a:r>
+            <a:endParaRPr lang="fr-CA" sz="4900" dirty="0">
+              <a:solidFill>
+                <a:srgbClr val="0000FF"/>
+              </a:solidFill>
+              <a:latin typeface="Segoe UI Light" pitchFamily="34" charset="0"/>
+              <a:cs typeface="Segoe UI Light" pitchFamily="34" charset="0"/>
+            </a:endParaRPr>
+          </a:p>
+          <a:p>
+            <a:pPr lvl="0" algn="just">
+              <a:defRPr/>
+            </a:pPr>
+            <a:r>
+              <a:rPr lang="fr-CA" sz="4000" dirty="0">
+                <a:solidFill>
+                  <a:prstClr val="black"/>
+                </a:solidFill>
+                <a:latin typeface="Segoe UI Light" pitchFamily="34" charset="0"/>
+                <a:cs typeface="Segoe UI Light" pitchFamily="34" charset="0"/>
+              </a:rPr>
+              <a:t>Est-ce vraiment une séquence aléatoire</a:t>
+            </a:r>
+            <a:r>
+              <a:rPr lang="fr-CA" sz="4000" dirty="0" smtClean="0">
+                <a:solidFill>
+                  <a:prstClr val="black"/>
+                </a:solidFill>
+                <a:latin typeface="Segoe UI Light" pitchFamily="34" charset="0"/>
+                <a:cs typeface="Segoe UI Light" pitchFamily="34" charset="0"/>
+              </a:rPr>
+              <a:t>?</a:t>
+            </a:r>
+            <a:endParaRPr lang="fr-CA" sz="5400" b="1" dirty="0" smtClean="0">
               <a:solidFill>
                 <a:schemeClr val="tx1">
                   <a:lumMod val="95000"/>
@@ -7188,30 +7401,72 @@
           </a:p>
           <a:p>
             <a:pPr lvl="0" algn="just">
-              <a:buFont typeface="Wingdings" pitchFamily="2" charset="2"/>
-              <a:buChar char="§"/>
               <a:defRPr/>
             </a:pPr>
-            <a:r>
-              <a:rPr lang="fr-CA" sz="4300" dirty="0" smtClean="0">
-                <a:solidFill>
-                  <a:prstClr val="black"/>
-                </a:solidFill>
-                <a:latin typeface="Segoe UI Light" pitchFamily="34" charset="0"/>
-                <a:cs typeface="Segoe UI Light" pitchFamily="34" charset="0"/>
-              </a:rPr>
-              <a:t> Testeur,  Qualité, Aléatoire, </a:t>
-            </a:r>
-            <a:r>
-              <a:rPr lang="fr-CA" sz="4300" dirty="0" smtClean="0">
-                <a:solidFill>
-                  <a:prstClr val="black"/>
-                </a:solidFill>
-                <a:latin typeface="Segoe UI Light" pitchFamily="34" charset="0"/>
-                <a:cs typeface="Segoe UI Light" pitchFamily="34" charset="0"/>
-              </a:rPr>
-              <a:t>PRNG</a:t>
-            </a:r>
+            <a:endParaRPr lang="fr-CA" sz="1400" b="1" dirty="0">
+              <a:solidFill>
+                <a:schemeClr val="tx1">
+                  <a:lumMod val="95000"/>
+                  <a:lumOff val="5000"/>
+                </a:schemeClr>
+              </a:solidFill>
+              <a:effectLst>
+                <a:outerShdw blurRad="38100" dist="38100" dir="2700000" algn="tl">
+                  <a:srgbClr val="000000">
+                    <a:alpha val="43137"/>
+                  </a:srgbClr>
+                </a:outerShdw>
+              </a:effectLst>
+              <a:latin typeface="Segoe UI Light" pitchFamily="34" charset="0"/>
+              <a:ea typeface="PMingLiU-ExtB" pitchFamily="18" charset="-120"/>
+              <a:cs typeface="Segoe UI Light" pitchFamily="34" charset="0"/>
+            </a:endParaRPr>
+          </a:p>
+          <a:p>
+            <a:pPr lvl="0" algn="just">
+              <a:defRPr/>
+            </a:pPr>
+            <a:endParaRPr lang="fr-CA" sz="1200" b="1" dirty="0" smtClean="0">
+              <a:solidFill>
+                <a:schemeClr val="tx1">
+                  <a:lumMod val="95000"/>
+                  <a:lumOff val="5000"/>
+                </a:schemeClr>
+              </a:solidFill>
+              <a:effectLst>
+                <a:outerShdw blurRad="38100" dist="38100" dir="2700000" algn="tl">
+                  <a:srgbClr val="000000">
+                    <a:alpha val="43137"/>
+                  </a:srgbClr>
+                </a:outerShdw>
+              </a:effectLst>
+              <a:latin typeface="Segoe UI Light" pitchFamily="34" charset="0"/>
+              <a:ea typeface="PMingLiU-ExtB" pitchFamily="18" charset="-120"/>
+              <a:cs typeface="Segoe UI Light" pitchFamily="34" charset="0"/>
+            </a:endParaRPr>
+          </a:p>
+          <a:p>
+            <a:pPr lvl="0" algn="just">
+              <a:defRPr/>
+            </a:pPr>
+            <a:endParaRPr lang="fr-CA" sz="1200" b="1" dirty="0" smtClean="0">
+              <a:solidFill>
+                <a:schemeClr val="tx1">
+                  <a:lumMod val="95000"/>
+                  <a:lumOff val="5000"/>
+                </a:schemeClr>
+              </a:solidFill>
+              <a:effectLst>
+                <a:outerShdw blurRad="38100" dist="38100" dir="2700000" algn="tl">
+                  <a:srgbClr val="000000">
+                    <a:alpha val="43137"/>
+                  </a:srgbClr>
+                </a:outerShdw>
+              </a:effectLst>
+              <a:latin typeface="Segoe UI Light" pitchFamily="34" charset="0"/>
+              <a:ea typeface="PMingLiU-ExtB" pitchFamily="18" charset="-120"/>
+              <a:cs typeface="Segoe UI Light" pitchFamily="34" charset="0"/>
+            </a:endParaRPr>
           </a:p>
           <a:p>
             <a:pPr lvl="0" algn="just">
@@ -7219,199 +7474,16 @@
               <a:buChar char="§"/>
               <a:defRPr/>
             </a:pPr>
-            <a:endParaRPr lang="fr-CA" sz="4300" dirty="0">
-              <a:solidFill>
-                <a:prstClr val="black"/>
-              </a:solidFill>
-              <a:latin typeface="Segoe UI Light" pitchFamily="34" charset="0"/>
-              <a:cs typeface="Segoe UI Light" pitchFamily="34" charset="0"/>
-            </a:endParaRPr>
-          </a:p>
-          <a:p>
-            <a:pPr lvl="0" algn="ctr">
-              <a:defRPr/>
-            </a:pPr>
-            <a:r>
-              <a:rPr lang="fr-CA" sz="4800" dirty="0" smtClean="0">
+            <a:r>
+              <a:rPr lang="fr-CA" sz="4300" dirty="0" smtClean="0">
                 <a:solidFill>
                   <a:prstClr val="black"/>
                 </a:solidFill>
                 <a:latin typeface="Segoe UI Light" pitchFamily="34" charset="0"/>
                 <a:cs typeface="Segoe UI Light" pitchFamily="34" charset="0"/>
               </a:rPr>
-              <a:t>0</a:t>
-            </a:r>
-            <a:r>
-              <a:rPr lang="fr-CA" sz="4800" dirty="0" smtClean="0">
-                <a:solidFill>
-                  <a:srgbClr val="0000FF"/>
-                </a:solidFill>
-                <a:latin typeface="Segoe UI Light" pitchFamily="34" charset="0"/>
-                <a:cs typeface="Segoe UI Light" pitchFamily="34" charset="0"/>
-              </a:rPr>
-              <a:t>1111</a:t>
-            </a:r>
-            <a:r>
-              <a:rPr lang="fr-CA" sz="4800" dirty="0" smtClean="0">
-                <a:solidFill>
-                  <a:prstClr val="black"/>
-                </a:solidFill>
-                <a:latin typeface="Segoe UI Light" pitchFamily="34" charset="0"/>
-                <a:cs typeface="Segoe UI Light" pitchFamily="34" charset="0"/>
-              </a:rPr>
-              <a:t>0000</a:t>
-            </a:r>
-            <a:r>
-              <a:rPr lang="fr-CA" sz="4800" dirty="0" smtClean="0">
-                <a:solidFill>
-                  <a:srgbClr val="0000FF"/>
-                </a:solidFill>
-                <a:latin typeface="Segoe UI Light" pitchFamily="34" charset="0"/>
-                <a:cs typeface="Segoe UI Light" pitchFamily="34" charset="0"/>
-              </a:rPr>
-              <a:t>111</a:t>
-            </a:r>
-            <a:r>
-              <a:rPr lang="fr-CA" sz="4800" dirty="0" smtClean="0">
-                <a:solidFill>
-                  <a:prstClr val="black"/>
-                </a:solidFill>
-                <a:latin typeface="Segoe UI Light" pitchFamily="34" charset="0"/>
-                <a:cs typeface="Segoe UI Light" pitchFamily="34" charset="0"/>
-              </a:rPr>
-              <a:t>0</a:t>
-            </a:r>
-            <a:r>
-              <a:rPr lang="fr-CA" sz="4800" dirty="0" smtClean="0">
-                <a:solidFill>
-                  <a:srgbClr val="0000FF"/>
-                </a:solidFill>
-                <a:latin typeface="Segoe UI Light" pitchFamily="34" charset="0"/>
-                <a:cs typeface="Segoe UI Light" pitchFamily="34" charset="0"/>
-              </a:rPr>
-              <a:t>111</a:t>
-            </a:r>
-            <a:r>
-              <a:rPr lang="fr-CA" sz="4800" dirty="0" smtClean="0">
-                <a:solidFill>
-                  <a:prstClr val="black"/>
-                </a:solidFill>
-                <a:latin typeface="Segoe UI Light" pitchFamily="34" charset="0"/>
-                <a:cs typeface="Segoe UI Light" pitchFamily="34" charset="0"/>
-              </a:rPr>
-              <a:t>0</a:t>
-            </a:r>
-            <a:r>
-              <a:rPr lang="fr-CA" sz="4800" dirty="0" smtClean="0">
-                <a:solidFill>
-                  <a:srgbClr val="0000FF"/>
-                </a:solidFill>
-                <a:latin typeface="Segoe UI Light" pitchFamily="34" charset="0"/>
-                <a:cs typeface="Segoe UI Light" pitchFamily="34" charset="0"/>
-              </a:rPr>
-              <a:t>11</a:t>
-            </a:r>
-            <a:r>
-              <a:rPr lang="fr-CA" sz="4800" dirty="0" smtClean="0">
-                <a:solidFill>
-                  <a:prstClr val="black"/>
-                </a:solidFill>
-                <a:latin typeface="Segoe UI Light" pitchFamily="34" charset="0"/>
-                <a:cs typeface="Segoe UI Light" pitchFamily="34" charset="0"/>
-              </a:rPr>
-              <a:t>0</a:t>
-            </a:r>
-            <a:r>
-              <a:rPr lang="fr-CA" sz="4800" dirty="0" smtClean="0">
-                <a:solidFill>
-                  <a:srgbClr val="0000FF"/>
-                </a:solidFill>
-                <a:latin typeface="Segoe UI Light" pitchFamily="34" charset="0"/>
-                <a:cs typeface="Segoe UI Light" pitchFamily="34" charset="0"/>
-              </a:rPr>
-              <a:t>1</a:t>
-            </a:r>
-            <a:r>
-              <a:rPr lang="fr-CA" sz="4800" dirty="0" smtClean="0">
-                <a:solidFill>
-                  <a:prstClr val="black"/>
-                </a:solidFill>
-                <a:latin typeface="Segoe UI Light" pitchFamily="34" charset="0"/>
-                <a:cs typeface="Segoe UI Light" pitchFamily="34" charset="0"/>
-              </a:rPr>
-              <a:t>0</a:t>
-            </a:r>
-            <a:r>
-              <a:rPr lang="fr-CA" sz="4800" dirty="0" smtClean="0">
-                <a:solidFill>
-                  <a:srgbClr val="0000FF"/>
-                </a:solidFill>
-                <a:latin typeface="Segoe UI Light" pitchFamily="34" charset="0"/>
-                <a:cs typeface="Segoe UI Light" pitchFamily="34" charset="0"/>
-              </a:rPr>
-              <a:t>1</a:t>
-            </a:r>
-            <a:r>
-              <a:rPr lang="is-IS" sz="4800" smtClean="0">
-                <a:solidFill>
-                  <a:srgbClr val="0000FF"/>
-                </a:solidFill>
-                <a:latin typeface="Segoe UI Light" pitchFamily="34" charset="0"/>
-                <a:cs typeface="Segoe UI Light" pitchFamily="34" charset="0"/>
-              </a:rPr>
-              <a:t>…1</a:t>
-            </a:r>
-            <a:r>
-              <a:rPr lang="is-IS" sz="4800" smtClean="0">
-                <a:latin typeface="Segoe UI Light" pitchFamily="34" charset="0"/>
-                <a:cs typeface="Segoe UI Light" pitchFamily="34" charset="0"/>
-              </a:rPr>
-              <a:t>00</a:t>
-            </a:r>
-            <a:endParaRPr lang="fr-CA" sz="4800" dirty="0">
-              <a:solidFill>
-                <a:srgbClr val="0000FF"/>
-              </a:solidFill>
-              <a:latin typeface="Segoe UI Light" pitchFamily="34" charset="0"/>
-              <a:cs typeface="Segoe UI Light" pitchFamily="34" charset="0"/>
-            </a:endParaRPr>
-          </a:p>
-          <a:p>
-            <a:pPr lvl="0" algn="just">
-              <a:defRPr/>
-            </a:pPr>
-            <a:r>
-              <a:rPr lang="fr-CA" sz="4000" dirty="0">
-                <a:solidFill>
-                  <a:prstClr val="black"/>
-                </a:solidFill>
-                <a:latin typeface="Segoe UI Light" pitchFamily="34" charset="0"/>
-                <a:cs typeface="Segoe UI Light" pitchFamily="34" charset="0"/>
-              </a:rPr>
-              <a:t>Est-ce vraiment une séquence aléatoire</a:t>
-            </a:r>
-            <a:r>
-              <a:rPr lang="fr-CA" sz="4000" dirty="0" smtClean="0">
-                <a:solidFill>
-                  <a:prstClr val="black"/>
-                </a:solidFill>
-                <a:latin typeface="Segoe UI Light" pitchFamily="34" charset="0"/>
-                <a:cs typeface="Segoe UI Light" pitchFamily="34" charset="0"/>
-              </a:rPr>
-              <a:t>?</a:t>
-            </a:r>
-          </a:p>
-          <a:p>
-            <a:pPr lvl="0" algn="just">
-              <a:defRPr/>
-            </a:pPr>
-            <a:endParaRPr lang="fr-CA" sz="4000" dirty="0" smtClean="0">
-              <a:solidFill>
-                <a:prstClr val="black"/>
-              </a:solidFill>
-              <a:latin typeface="Segoe UI Light" pitchFamily="34" charset="0"/>
-              <a:cs typeface="Segoe UI Light" pitchFamily="34" charset="0"/>
-            </a:endParaRPr>
+              <a:t> Testeur,  Qualité, Aléatoire, PRNG</a:t>
+            </a:r>
           </a:p>
         </p:txBody>
       </p:sp>
@@ -7424,7 +7496,7 @@
         <p:spPr>
           <a:xfrm>
             <a:off x="576214" y="16706081"/>
-            <a:ext cx="10647164" cy="14465497"/>
+            <a:ext cx="10647164" cy="14280831"/>
           </a:xfrm>
           <a:prstGeom prst="rect">
             <a:avLst/>
@@ -7500,36 +7572,37 @@
             <a:pPr lvl="0">
               <a:defRPr/>
             </a:pPr>
-            <a:r>
-              <a:rPr lang="fr-CA" sz="2400" dirty="0" smtClean="0">
-                <a:solidFill>
-                  <a:prstClr val="black"/>
-                </a:solidFill>
-                <a:latin typeface="Arial" panose="020B0604020202020204" pitchFamily="34" charset="0"/>
-                <a:cs typeface="Arial" panose="020B0604020202020204" pitchFamily="34" charset="0"/>
-              </a:rPr>
-              <a:t>1 - </a:t>
-            </a:r>
-            <a:r>
-              <a:rPr lang="fr-CA" sz="2400" dirty="0" err="1" smtClean="0">
-                <a:solidFill>
-                  <a:prstClr val="black"/>
-                </a:solidFill>
-                <a:latin typeface="Arial" panose="020B0604020202020204" pitchFamily="34" charset="0"/>
-                <a:cs typeface="Arial" panose="020B0604020202020204" pitchFamily="34" charset="0"/>
-              </a:rPr>
-              <a:t>Frequency</a:t>
-            </a:r>
-            <a:r>
-              <a:rPr lang="fr-CA" sz="2400" dirty="0" smtClean="0">
-                <a:solidFill>
-                  <a:prstClr val="black"/>
-                </a:solidFill>
-                <a:latin typeface="Arial" panose="020B0604020202020204" pitchFamily="34" charset="0"/>
-                <a:cs typeface="Arial" panose="020B0604020202020204" pitchFamily="34" charset="0"/>
-              </a:rPr>
-              <a:t> Test </a:t>
-            </a:r>
+            <a:endParaRPr lang="fr-CA" sz="4000" dirty="0">
+              <a:solidFill>
+                <a:prstClr val="black"/>
+              </a:solidFill>
+              <a:latin typeface="Arial" panose="020B0604020202020204" pitchFamily="34" charset="0"/>
+              <a:cs typeface="Arial" panose="020B0604020202020204" pitchFamily="34" charset="0"/>
+            </a:endParaRPr>
+          </a:p>
+          <a:p>
+            <a:pPr lvl="0">
+              <a:defRPr/>
+            </a:pPr>
+            <a:endParaRPr lang="fr-CA" sz="4000" dirty="0" smtClean="0">
+              <a:solidFill>
+                <a:prstClr val="black"/>
+              </a:solidFill>
+              <a:latin typeface="Arial" panose="020B0604020202020204" pitchFamily="34" charset="0"/>
+              <a:cs typeface="Arial" panose="020B0604020202020204" pitchFamily="34" charset="0"/>
+            </a:endParaRPr>
+          </a:p>
+          <a:p>
+            <a:pPr lvl="0">
+              <a:defRPr/>
+            </a:pPr>
+            <a:endParaRPr lang="fr-CA" sz="4000" dirty="0" smtClean="0">
+              <a:solidFill>
+                <a:prstClr val="black"/>
+              </a:solidFill>
+              <a:latin typeface="Arial" panose="020B0604020202020204" pitchFamily="34" charset="0"/>
+              <a:cs typeface="Arial" panose="020B0604020202020204" pitchFamily="34" charset="0"/>
+            </a:endParaRPr>
           </a:p>
           <a:p>
             <a:pPr lvl="0">
@@ -7559,68 +7632,13 @@
             <a:pPr lvl="0">
               <a:defRPr/>
             </a:pPr>
-            <a:endParaRPr lang="fr-CA" sz="2400" dirty="0" smtClean="0">
+            <a:endParaRPr lang="fr-CA" sz="2400" dirty="0">
               <a:solidFill>
                 <a:prstClr val="black"/>
               </a:solidFill>
               <a:latin typeface="Arial" panose="020B0604020202020204" pitchFamily="34" charset="0"/>
               <a:cs typeface="Arial" panose="020B0604020202020204" pitchFamily="34" charset="0"/>
             </a:endParaRPr>
-          </a:p>
-          <a:p>
-            <a:pPr lvl="0">
-              <a:defRPr/>
-            </a:pPr>
-            <a:r>
-              <a:rPr lang="fr-CA" sz="2400" dirty="0" smtClean="0">
-                <a:solidFill>
-                  <a:prstClr val="black"/>
-                </a:solidFill>
-                <a:latin typeface="Arial" panose="020B0604020202020204" pitchFamily="34" charset="0"/>
-                <a:cs typeface="Arial" panose="020B0604020202020204" pitchFamily="34" charset="0"/>
-              </a:rPr>
-              <a:t>2 - </a:t>
-            </a:r>
-            <a:r>
-              <a:rPr lang="fr-CA" sz="2400" dirty="0" err="1" smtClean="0">
-                <a:solidFill>
-                  <a:prstClr val="black"/>
-                </a:solidFill>
-                <a:latin typeface="Arial" panose="020B0604020202020204" pitchFamily="34" charset="0"/>
-                <a:cs typeface="Arial" panose="020B0604020202020204" pitchFamily="34" charset="0"/>
-              </a:rPr>
-              <a:t>Frequency</a:t>
-            </a:r>
-            <a:r>
-              <a:rPr lang="fr-CA" sz="2400" dirty="0" smtClean="0">
-                <a:solidFill>
-                  <a:prstClr val="black"/>
-                </a:solidFill>
-                <a:latin typeface="Arial" panose="020B0604020202020204" pitchFamily="34" charset="0"/>
-                <a:cs typeface="Arial" panose="020B0604020202020204" pitchFamily="34" charset="0"/>
-              </a:rPr>
-              <a:t> Test </a:t>
-            </a:r>
-            <a:r>
-              <a:rPr lang="fr-CA" sz="2400" dirty="0" err="1" smtClean="0">
-                <a:solidFill>
-                  <a:prstClr val="black"/>
-                </a:solidFill>
-                <a:latin typeface="Arial" panose="020B0604020202020204" pitchFamily="34" charset="0"/>
-                <a:cs typeface="Arial" panose="020B0604020202020204" pitchFamily="34" charset="0"/>
-              </a:rPr>
-              <a:t>within</a:t>
-            </a:r>
-            <a:r>
-              <a:rPr lang="fr-CA" sz="2400" dirty="0" smtClean="0">
-                <a:solidFill>
-                  <a:prstClr val="black"/>
-                </a:solidFill>
-                <a:latin typeface="Arial" panose="020B0604020202020204" pitchFamily="34" charset="0"/>
-                <a:cs typeface="Arial" panose="020B0604020202020204" pitchFamily="34" charset="0"/>
-              </a:rPr>
-              <a:t> a Block</a:t>
-            </a:r>
           </a:p>
           <a:p>
             <a:pPr lvl="0">
@@ -7650,6 +7668,74 @@
             <a:pPr lvl="0">
               <a:defRPr/>
             </a:pPr>
+            <a:r>
+              <a:rPr lang="fr-CA" sz="2400" dirty="0" smtClean="0">
+                <a:solidFill>
+                  <a:prstClr val="black"/>
+                </a:solidFill>
+                <a:latin typeface="Arial" panose="020B0604020202020204" pitchFamily="34" charset="0"/>
+                <a:cs typeface="Arial" panose="020B0604020202020204" pitchFamily="34" charset="0"/>
+              </a:rPr>
+              <a:t> </a:t>
+            </a:r>
+            <a:endParaRPr lang="fr-CA" sz="2400" dirty="0" smtClean="0">
+              <a:solidFill>
+                <a:prstClr val="black"/>
+              </a:solidFill>
+              <a:latin typeface="Arial" panose="020B0604020202020204" pitchFamily="34" charset="0"/>
+              <a:cs typeface="Arial" panose="020B0604020202020204" pitchFamily="34" charset="0"/>
+            </a:endParaRPr>
+          </a:p>
+          <a:p>
+            <a:pPr lvl="0">
+              <a:defRPr/>
+            </a:pPr>
+            <a:endParaRPr lang="fr-CA" sz="2400" dirty="0" smtClean="0">
+              <a:solidFill>
+                <a:prstClr val="black"/>
+              </a:solidFill>
+              <a:latin typeface="Arial" panose="020B0604020202020204" pitchFamily="34" charset="0"/>
+              <a:cs typeface="Arial" panose="020B0604020202020204" pitchFamily="34" charset="0"/>
+            </a:endParaRPr>
+          </a:p>
+          <a:p>
+            <a:pPr lvl="0">
+              <a:defRPr/>
+            </a:pPr>
+            <a:endParaRPr lang="fr-CA" sz="2400" dirty="0" smtClean="0">
+              <a:solidFill>
+                <a:prstClr val="black"/>
+              </a:solidFill>
+              <a:latin typeface="Arial" panose="020B0604020202020204" pitchFamily="34" charset="0"/>
+              <a:cs typeface="Arial" panose="020B0604020202020204" pitchFamily="34" charset="0"/>
+            </a:endParaRPr>
+          </a:p>
+          <a:p>
+            <a:pPr lvl="0">
+              <a:defRPr/>
+            </a:pPr>
+            <a:r>
+              <a:rPr lang="fr-CA" sz="2400" dirty="0" smtClean="0">
+                <a:solidFill>
+                  <a:prstClr val="black"/>
+                </a:solidFill>
+                <a:latin typeface="Arial" panose="020B0604020202020204" pitchFamily="34" charset="0"/>
+                <a:cs typeface="Arial" panose="020B0604020202020204" pitchFamily="34" charset="0"/>
+              </a:rPr>
+              <a:t>	</a:t>
+            </a:r>
+            <a:endParaRPr lang="fr-CA" sz="2400" dirty="0" smtClean="0">
+              <a:solidFill>
+                <a:prstClr val="black"/>
+              </a:solidFill>
+              <a:latin typeface="Arial" panose="020B0604020202020204" pitchFamily="34" charset="0"/>
+              <a:cs typeface="Arial" panose="020B0604020202020204" pitchFamily="34" charset="0"/>
+            </a:endParaRPr>
+          </a:p>
+          <a:p>
+            <a:pPr lvl="0">
+              <a:defRPr/>
+            </a:pPr>
             <a:endParaRPr lang="fr-CA" sz="2400" dirty="0" smtClean="0">
               <a:solidFill>
                 <a:prstClr val="black"/>
@@ -7674,81 +7760,13 @@
             <a:pPr lvl="0">
               <a:defRPr/>
             </a:pPr>
-            <a:r>
-              <a:rPr lang="fr-CA" sz="2400" dirty="0" smtClean="0">
-                <a:solidFill>
-                  <a:prstClr val="black"/>
-                </a:solidFill>
-                <a:latin typeface="Arial" panose="020B0604020202020204" pitchFamily="34" charset="0"/>
-                <a:cs typeface="Arial" panose="020B0604020202020204" pitchFamily="34" charset="0"/>
-              </a:rPr>
-              <a:t> </a:t>
-            </a:r>
-          </a:p>
-          <a:p>
-            <a:pPr lvl="0">
-              <a:defRPr/>
-            </a:pPr>
-            <a:r>
-              <a:rPr lang="fr-CA" sz="2400" dirty="0" smtClean="0">
-                <a:solidFill>
-                  <a:prstClr val="black"/>
-                </a:solidFill>
-                <a:latin typeface="Arial" panose="020B0604020202020204" pitchFamily="34" charset="0"/>
-                <a:cs typeface="Arial" panose="020B0604020202020204" pitchFamily="34" charset="0"/>
-              </a:rPr>
-              <a:t>5  - </a:t>
-            </a:r>
-            <a:r>
-              <a:rPr lang="fr-CA" sz="2400" dirty="0" err="1" smtClean="0">
-                <a:solidFill>
-                  <a:prstClr val="black"/>
-                </a:solidFill>
-                <a:latin typeface="Arial" panose="020B0604020202020204" pitchFamily="34" charset="0"/>
-                <a:cs typeface="Arial" panose="020B0604020202020204" pitchFamily="34" charset="0"/>
-              </a:rPr>
-              <a:t>Discrete</a:t>
-            </a:r>
-            <a:r>
-              <a:rPr lang="fr-CA" sz="2400" dirty="0" smtClean="0">
-                <a:solidFill>
-                  <a:prstClr val="black"/>
-                </a:solidFill>
-                <a:latin typeface="Arial" panose="020B0604020202020204" pitchFamily="34" charset="0"/>
-                <a:cs typeface="Arial" panose="020B0604020202020204" pitchFamily="34" charset="0"/>
-              </a:rPr>
-              <a:t> Fourier </a:t>
-            </a:r>
-            <a:r>
-              <a:rPr lang="fr-CA" sz="2400" dirty="0" err="1" smtClean="0">
-                <a:solidFill>
-                  <a:prstClr val="black"/>
-                </a:solidFill>
-                <a:latin typeface="Arial" panose="020B0604020202020204" pitchFamily="34" charset="0"/>
-                <a:cs typeface="Arial" panose="020B0604020202020204" pitchFamily="34" charset="0"/>
-              </a:rPr>
-              <a:t>Transform</a:t>
-            </a:r>
-            <a:r>
-              <a:rPr lang="fr-CA" sz="2400" dirty="0">
-                <a:solidFill>
-                  <a:prstClr val="black"/>
-                </a:solidFill>
-                <a:latin typeface="Arial" panose="020B0604020202020204" pitchFamily="34" charset="0"/>
-                <a:cs typeface="Arial" panose="020B0604020202020204" pitchFamily="34" charset="0"/>
-              </a:rPr>
-              <a:t> </a:t>
-            </a:r>
-            <a:r>
-              <a:rPr lang="fr-CA" sz="2400" dirty="0" smtClean="0">
-                <a:solidFill>
-                  <a:prstClr val="black"/>
-                </a:solidFill>
-                <a:latin typeface="Arial" panose="020B0604020202020204" pitchFamily="34" charset="0"/>
-                <a:cs typeface="Arial" panose="020B0604020202020204" pitchFamily="34" charset="0"/>
-              </a:rPr>
-              <a:t>Test</a:t>
-            </a:r>
+            <a:endParaRPr lang="fr-CA" sz="2400" dirty="0" smtClean="0">
+              <a:solidFill>
+                <a:prstClr val="black"/>
+              </a:solidFill>
+              <a:latin typeface="Arial" panose="020B0604020202020204" pitchFamily="34" charset="0"/>
+              <a:cs typeface="Arial" panose="020B0604020202020204" pitchFamily="34" charset="0"/>
+            </a:endParaRPr>
           </a:p>
           <a:p>
             <a:pPr lvl="0">
@@ -7778,7 +7796,7 @@
             <a:pPr lvl="0">
               <a:defRPr/>
             </a:pPr>
-            <a:endParaRPr lang="fr-CA" sz="2400" dirty="0" smtClean="0">
+            <a:endParaRPr lang="fr-CA" sz="2400" dirty="0">
               <a:solidFill>
                 <a:prstClr val="black"/>
               </a:solidFill>
@@ -7802,62 +7820,6 @@
             <a:pPr lvl="0">
               <a:defRPr/>
             </a:pPr>
-            <a:r>
-              <a:rPr lang="fr-CA" sz="2400" dirty="0" smtClean="0">
-                <a:solidFill>
-                  <a:prstClr val="black"/>
-                </a:solidFill>
-                <a:latin typeface="Arial" panose="020B0604020202020204" pitchFamily="34" charset="0"/>
-                <a:cs typeface="Arial" panose="020B0604020202020204" pitchFamily="34" charset="0"/>
-              </a:rPr>
-              <a:t>7 - Non-</a:t>
-            </a:r>
-            <a:r>
-              <a:rPr lang="fr-CA" sz="2400" dirty="0" err="1" smtClean="0">
-                <a:solidFill>
-                  <a:prstClr val="black"/>
-                </a:solidFill>
-                <a:latin typeface="Arial" panose="020B0604020202020204" pitchFamily="34" charset="0"/>
-                <a:cs typeface="Arial" panose="020B0604020202020204" pitchFamily="34" charset="0"/>
-              </a:rPr>
-              <a:t>Overlapping</a:t>
-            </a:r>
-            <a:r>
-              <a:rPr lang="fr-CA" sz="2400" dirty="0" smtClean="0">
-                <a:solidFill>
-                  <a:prstClr val="black"/>
-                </a:solidFill>
-                <a:latin typeface="Arial" panose="020B0604020202020204" pitchFamily="34" charset="0"/>
-                <a:cs typeface="Arial" panose="020B0604020202020204" pitchFamily="34" charset="0"/>
-              </a:rPr>
-              <a:t> Template </a:t>
-            </a:r>
-            <a:r>
-              <a:rPr lang="fr-CA" sz="2400" dirty="0" err="1" smtClean="0">
-                <a:solidFill>
-                  <a:prstClr val="black"/>
-                </a:solidFill>
-                <a:latin typeface="Arial" panose="020B0604020202020204" pitchFamily="34" charset="0"/>
-                <a:cs typeface="Arial" panose="020B0604020202020204" pitchFamily="34" charset="0"/>
-              </a:rPr>
-              <a:t>Matching</a:t>
-            </a:r>
-            <a:r>
-              <a:rPr lang="fr-CA" sz="2400" dirty="0" smtClean="0">
-                <a:solidFill>
-                  <a:prstClr val="black"/>
-                </a:solidFill>
-                <a:latin typeface="Arial" panose="020B0604020202020204" pitchFamily="34" charset="0"/>
-                <a:cs typeface="Arial" panose="020B0604020202020204" pitchFamily="34" charset="0"/>
-              </a:rPr>
-              <a:t> Test</a:t>
-            </a:r>
-          </a:p>
-          <a:p>
-            <a:pPr marL="742950" lvl="0" indent="-742950">
-              <a:buAutoNum type="arabicPlain" startAt="7"/>
-              <a:defRPr/>
-            </a:pPr>
             <a:endParaRPr lang="fr-CA" sz="2400" dirty="0">
               <a:solidFill>
                 <a:prstClr val="black"/>
@@ -7894,6 +7856,18 @@
             <a:pPr lvl="0">
               <a:defRPr/>
             </a:pPr>
+            <a:endParaRPr lang="fr-CA" sz="2400" dirty="0">
+              <a:solidFill>
+                <a:prstClr val="black"/>
+              </a:solidFill>
+              <a:latin typeface="Arial" panose="020B0604020202020204" pitchFamily="34" charset="0"/>
+              <a:cs typeface="Arial" panose="020B0604020202020204" pitchFamily="34" charset="0"/>
+            </a:endParaRPr>
+          </a:p>
+          <a:p>
+            <a:pPr lvl="0">
+              <a:defRPr/>
+            </a:pPr>
             <a:endParaRPr lang="fr-CA" sz="2400" dirty="0" smtClean="0">
               <a:solidFill>
                 <a:prstClr val="black"/>
@@ -7918,56 +7892,25 @@
             <a:pPr lvl="0">
               <a:defRPr/>
             </a:pPr>
-            <a:r>
-              <a:rPr lang="fr-CA" sz="2400" dirty="0" smtClean="0">
-                <a:solidFill>
-                  <a:prstClr val="black"/>
-                </a:solidFill>
-                <a:latin typeface="Arial" panose="020B0604020202020204" pitchFamily="34" charset="0"/>
-                <a:cs typeface="Arial" panose="020B0604020202020204" pitchFamily="34" charset="0"/>
-              </a:rPr>
-              <a:t>8 - </a:t>
-            </a:r>
-            <a:r>
-              <a:rPr lang="fr-CA" sz="2400" dirty="0" err="1" smtClean="0">
-                <a:solidFill>
-                  <a:prstClr val="black"/>
-                </a:solidFill>
-                <a:latin typeface="Arial" panose="020B0604020202020204" pitchFamily="34" charset="0"/>
-                <a:cs typeface="Arial" panose="020B0604020202020204" pitchFamily="34" charset="0"/>
-              </a:rPr>
-              <a:t>Overlapping</a:t>
-            </a:r>
-            <a:r>
-              <a:rPr lang="fr-CA" sz="2400" dirty="0" smtClean="0">
-                <a:solidFill>
-                  <a:prstClr val="black"/>
-                </a:solidFill>
-                <a:latin typeface="Arial" panose="020B0604020202020204" pitchFamily="34" charset="0"/>
-                <a:cs typeface="Arial" panose="020B0604020202020204" pitchFamily="34" charset="0"/>
-              </a:rPr>
-              <a:t> Template </a:t>
-            </a:r>
-            <a:r>
-              <a:rPr lang="fr-CA" sz="2400" dirty="0" err="1" smtClean="0">
-                <a:solidFill>
-                  <a:prstClr val="black"/>
-                </a:solidFill>
-                <a:latin typeface="Arial" panose="020B0604020202020204" pitchFamily="34" charset="0"/>
-                <a:cs typeface="Arial" panose="020B0604020202020204" pitchFamily="34" charset="0"/>
-              </a:rPr>
-              <a:t>Matching</a:t>
-            </a:r>
-            <a:r>
-              <a:rPr lang="fr-CA" sz="2400" dirty="0" smtClean="0">
-                <a:solidFill>
-                  <a:prstClr val="black"/>
-                </a:solidFill>
-                <a:latin typeface="Arial" panose="020B0604020202020204" pitchFamily="34" charset="0"/>
-                <a:cs typeface="Arial" panose="020B0604020202020204" pitchFamily="34" charset="0"/>
-              </a:rPr>
-              <a:t> Test</a:t>
-            </a:r>
+            <a:endParaRPr lang="fr-CA" sz="2400" dirty="0" smtClean="0">
+              <a:solidFill>
+                <a:prstClr val="black"/>
+              </a:solidFill>
+              <a:latin typeface="Arial" panose="020B0604020202020204" pitchFamily="34" charset="0"/>
+              <a:cs typeface="Arial" panose="020B0604020202020204" pitchFamily="34" charset="0"/>
+            </a:endParaRPr>
+          </a:p>
+          <a:p>
+            <a:pPr lvl="0">
+              <a:defRPr/>
+            </a:pPr>
+            <a:endParaRPr lang="fr-CA" sz="2400" dirty="0">
+              <a:solidFill>
+                <a:prstClr val="black"/>
+              </a:solidFill>
+              <a:latin typeface="Arial" panose="020B0604020202020204" pitchFamily="34" charset="0"/>
+              <a:cs typeface="Arial" panose="020B0604020202020204" pitchFamily="34" charset="0"/>
+            </a:endParaRPr>
           </a:p>
           <a:p>
             <a:pPr lvl="0">
@@ -7985,18 +7928,6 @@
             <a:pPr lvl="0">
               <a:defRPr/>
             </a:pPr>
-            <a:endParaRPr lang="fr-CA" sz="2400" dirty="0">
-              <a:solidFill>
-                <a:prstClr val="black"/>
-              </a:solidFill>
-              <a:latin typeface="Arial" panose="020B0604020202020204" pitchFamily="34" charset="0"/>
-              <a:cs typeface="Arial" panose="020B0604020202020204" pitchFamily="34" charset="0"/>
-            </a:endParaRPr>
-          </a:p>
-          <a:p>
-            <a:pPr lvl="0">
-              <a:defRPr/>
-            </a:pPr>
             <a:endParaRPr lang="fr-CA" sz="2400" dirty="0" smtClean="0">
               <a:solidFill>
                 <a:prstClr val="black"/>
@@ -8004,121 +7935,6 @@
               <a:latin typeface="Arial" panose="020B0604020202020204" pitchFamily="34" charset="0"/>
               <a:cs typeface="Arial" panose="020B0604020202020204" pitchFamily="34" charset="0"/>
             </a:endParaRPr>
-          </a:p>
-          <a:p>
-            <a:pPr lvl="0">
-              <a:defRPr/>
-            </a:pPr>
-            <a:endParaRPr lang="fr-CA" sz="2400" dirty="0">
-              <a:solidFill>
-                <a:prstClr val="black"/>
-              </a:solidFill>
-              <a:latin typeface="Arial" panose="020B0604020202020204" pitchFamily="34" charset="0"/>
-              <a:cs typeface="Arial" panose="020B0604020202020204" pitchFamily="34" charset="0"/>
-            </a:endParaRPr>
-          </a:p>
-          <a:p>
-            <a:pPr lvl="0">
-              <a:defRPr/>
-            </a:pPr>
-            <a:endParaRPr lang="fr-CA" sz="2400" dirty="0" smtClean="0">
-              <a:solidFill>
-                <a:prstClr val="black"/>
-              </a:solidFill>
-              <a:latin typeface="Arial" panose="020B0604020202020204" pitchFamily="34" charset="0"/>
-              <a:cs typeface="Arial" panose="020B0604020202020204" pitchFamily="34" charset="0"/>
-            </a:endParaRPr>
-          </a:p>
-          <a:p>
-            <a:pPr lvl="0">
-              <a:defRPr/>
-            </a:pPr>
-            <a:endParaRPr lang="fr-CA" sz="2400" dirty="0" smtClean="0">
-              <a:solidFill>
-                <a:prstClr val="black"/>
-              </a:solidFill>
-              <a:latin typeface="Arial" panose="020B0604020202020204" pitchFamily="34" charset="0"/>
-              <a:cs typeface="Arial" panose="020B0604020202020204" pitchFamily="34" charset="0"/>
-            </a:endParaRPr>
-          </a:p>
-          <a:p>
-            <a:pPr lvl="0">
-              <a:defRPr/>
-            </a:pPr>
-            <a:endParaRPr lang="fr-CA" sz="2400" dirty="0" smtClean="0">
-              <a:solidFill>
-                <a:prstClr val="black"/>
-              </a:solidFill>
-              <a:latin typeface="Arial" panose="020B0604020202020204" pitchFamily="34" charset="0"/>
-              <a:cs typeface="Arial" panose="020B0604020202020204" pitchFamily="34" charset="0"/>
-            </a:endParaRPr>
-          </a:p>
-          <a:p>
-            <a:pPr lvl="0">
-              <a:defRPr/>
-            </a:pPr>
-            <a:endParaRPr lang="fr-CA" sz="2400" dirty="0" smtClean="0">
-              <a:solidFill>
-                <a:prstClr val="black"/>
-              </a:solidFill>
-              <a:latin typeface="Arial" panose="020B0604020202020204" pitchFamily="34" charset="0"/>
-              <a:cs typeface="Arial" panose="020B0604020202020204" pitchFamily="34" charset="0"/>
-            </a:endParaRPr>
-          </a:p>
-          <a:p>
-            <a:pPr lvl="0">
-              <a:defRPr/>
-            </a:pPr>
-            <a:r>
-              <a:rPr lang="fr-CA" sz="2400" dirty="0" smtClean="0">
-                <a:solidFill>
-                  <a:prstClr val="black"/>
-                </a:solidFill>
-                <a:latin typeface="Arial" panose="020B0604020202020204" pitchFamily="34" charset="0"/>
-                <a:cs typeface="Arial" panose="020B0604020202020204" pitchFamily="34" charset="0"/>
-              </a:rPr>
-              <a:t>10 - </a:t>
-            </a:r>
-            <a:r>
-              <a:rPr lang="fr-CA" sz="2400" dirty="0" err="1" smtClean="0">
-                <a:solidFill>
-                  <a:prstClr val="black"/>
-                </a:solidFill>
-                <a:latin typeface="Arial" panose="020B0604020202020204" pitchFamily="34" charset="0"/>
-                <a:cs typeface="Arial" panose="020B0604020202020204" pitchFamily="34" charset="0"/>
-              </a:rPr>
-              <a:t>Linear</a:t>
-            </a:r>
-            <a:r>
-              <a:rPr lang="fr-CA" sz="2400" dirty="0" smtClean="0">
-                <a:solidFill>
-                  <a:prstClr val="black"/>
-                </a:solidFill>
-                <a:latin typeface="Arial" panose="020B0604020202020204" pitchFamily="34" charset="0"/>
-                <a:cs typeface="Arial" panose="020B0604020202020204" pitchFamily="34" charset="0"/>
-              </a:rPr>
-              <a:t> </a:t>
-            </a:r>
-            <a:r>
-              <a:rPr lang="fr-CA" sz="2400" dirty="0" err="1" smtClean="0">
-                <a:solidFill>
-                  <a:prstClr val="black"/>
-                </a:solidFill>
-                <a:latin typeface="Arial" panose="020B0604020202020204" pitchFamily="34" charset="0"/>
-                <a:cs typeface="Arial" panose="020B0604020202020204" pitchFamily="34" charset="0"/>
-              </a:rPr>
-              <a:t>Complexity</a:t>
-            </a:r>
-            <a:r>
-              <a:rPr lang="fr-CA" sz="2400" dirty="0" smtClean="0">
-                <a:solidFill>
-                  <a:prstClr val="black"/>
-                </a:solidFill>
-                <a:latin typeface="Arial" panose="020B0604020202020204" pitchFamily="34" charset="0"/>
-                <a:cs typeface="Arial" panose="020B0604020202020204" pitchFamily="34" charset="0"/>
-              </a:rPr>
-              <a:t> Test</a:t>
-            </a:r>
           </a:p>
           <a:p>
             <a:pPr lvl="0">
@@ -8148,7 +7964,7 @@
             <a:pPr lvl="0">
               <a:defRPr/>
             </a:pPr>
-            <a:endParaRPr lang="fr-CA" sz="2400" b="1" dirty="0" smtClean="0">
+            <a:endParaRPr lang="fr-CA" sz="900" b="1" dirty="0" smtClean="0">
               <a:solidFill>
                 <a:prstClr val="black"/>
               </a:solidFill>
@@ -8160,7 +7976,31 @@
             <a:pPr lvl="0">
               <a:defRPr/>
             </a:pPr>
-            <a:endParaRPr lang="fr-CA" sz="2400" b="1" dirty="0">
+            <a:endParaRPr lang="fr-CA" sz="900" b="1" dirty="0">
+              <a:solidFill>
+                <a:prstClr val="black"/>
+              </a:solidFill>
+              <a:latin typeface="Arial" panose="020B0604020202020204" pitchFamily="34" charset="0"/>
+              <a:cs typeface="Arial" panose="020B0604020202020204" pitchFamily="34" charset="0"/>
+            </a:endParaRPr>
+          </a:p>
+          <a:p>
+            <a:pPr lvl="0">
+              <a:defRPr/>
+            </a:pPr>
+            <a:endParaRPr lang="fr-CA" sz="900" b="1" dirty="0" smtClean="0">
+              <a:solidFill>
+                <a:prstClr val="black"/>
+              </a:solidFill>
+              <a:latin typeface="Arial" panose="020B0604020202020204" pitchFamily="34" charset="0"/>
+              <a:cs typeface="Arial" panose="020B0604020202020204" pitchFamily="34" charset="0"/>
+            </a:endParaRPr>
+          </a:p>
+          <a:p>
+            <a:pPr lvl="0">
+              <a:defRPr/>
+            </a:pPr>
+            <a:endParaRPr lang="fr-CA" sz="900" b="1" dirty="0">
               <a:solidFill>
                 <a:prstClr val="black"/>
               </a:solidFill>
@@ -8390,6 +8230,60 @@
       </p:sp>
       <p:sp>
         <p:nvSpPr>
+          <p:cNvPr id="99" name="Rectangle à coins arrondis 98"/>
+          <p:cNvSpPr/>
+          <p:nvPr/>
+        </p:nvSpPr>
+        <p:spPr>
+          <a:xfrm>
+            <a:off x="644030" y="21530617"/>
+            <a:ext cx="10297144" cy="2160240"/>
+          </a:xfrm>
+          <a:prstGeom prst="roundRect">
+            <a:avLst>
+              <a:gd name="adj" fmla="val 12588"/>
+            </a:avLst>
+          </a:prstGeom>
+          <a:solidFill>
+            <a:schemeClr val="accent6">
+              <a:lumMod val="20000"/>
+              <a:lumOff val="80000"/>
+              <a:alpha val="88000"/>
+            </a:schemeClr>
+          </a:solidFill>
+          <a:ln>
+            <a:solidFill>
+              <a:schemeClr val="bg1"/>
+            </a:solidFill>
+          </a:ln>
+        </p:spPr>
+        <p:style>
+          <a:lnRef idx="2">
+            <a:schemeClr val="accent6"/>
+          </a:lnRef>
+          <a:fillRef idx="1">
+            <a:schemeClr val="lt1"/>
+          </a:fillRef>
+          <a:effectRef idx="0">
+            <a:schemeClr val="accent6"/>
+          </a:effectRef>
+          <a:fontRef idx="minor">
+            <a:schemeClr val="dk1"/>
+          </a:fontRef>
+        </p:style>
+        <p:txBody>
+          <a:bodyPr rtlCol="0" anchor="ctr"/>
+          <a:lstStyle/>
+          <a:p>
+            <a:pPr algn="ctr"/>
+            <a:endParaRPr lang="fr-FR">
+              <a:noFill/>
+            </a:endParaRPr>
+          </a:p>
+        </p:txBody>
+      </p:sp>
+      <p:sp>
+        <p:nvSpPr>
           <p:cNvPr id="3" name="ZoneTexte 2"/>
           <p:cNvSpPr txBox="1"/>
           <p:nvPr/>
@@ -8425,7 +8319,7 @@
                 <a:latin typeface="Arial" panose="020B0604020202020204" pitchFamily="34" charset="0"/>
                 <a:cs typeface="Arial" panose="020B0604020202020204" pitchFamily="34" charset="0"/>
               </a:rPr>
-              <a:t>4</a:t>
+              <a:t>5</a:t>
             </a:r>
             <a:r>
               <a:rPr lang="fr-CA" sz="4100" b="1" dirty="0" smtClean="0">
@@ -8435,7 +8329,17 @@
                 <a:latin typeface="Arial" panose="020B0604020202020204" pitchFamily="34" charset="0"/>
                 <a:cs typeface="Arial" panose="020B0604020202020204" pitchFamily="34" charset="0"/>
               </a:rPr>
-              <a:t>- Interface graphique (</a:t>
+              <a:t>- </a:t>
+            </a:r>
+            <a:r>
+              <a:rPr lang="fr-CA" sz="4100" b="1" dirty="0" smtClean="0">
+                <a:solidFill>
+                  <a:prstClr val="black"/>
+                </a:solidFill>
+                <a:latin typeface="Arial" panose="020B0604020202020204" pitchFamily="34" charset="0"/>
+                <a:cs typeface="Arial" panose="020B0604020202020204" pitchFamily="34" charset="0"/>
+              </a:rPr>
+              <a:t>Interface graphique (</a:t>
             </a:r>
             <a:r>
               <a:rPr lang="fr-CA" sz="4100" b="1" dirty="0" err="1" smtClean="0">
@@ -8990,7 +8894,7 @@
                 <a:latin typeface="Arial" panose="020B0604020202020204" pitchFamily="34" charset="0"/>
                 <a:cs typeface="Arial" panose="020B0604020202020204" pitchFamily="34" charset="0"/>
               </a:rPr>
-              <a:t>8</a:t>
+              <a:t>7</a:t>
             </a:r>
             <a:r>
               <a:rPr lang="fr-CA" sz="4200" b="1" dirty="0" smtClean="0">
@@ -9011,9 +8915,105 @@
             </a:endParaRPr>
           </a:p>
           <a:p>
-            <a:pPr lvl="0">
+            <a:pPr marL="457200" lvl="0" indent="-457200">
+              <a:buFont typeface="Wingdings" charset="2"/>
+              <a:buChar char="§"/>
               <a:defRPr/>
             </a:pPr>
+            <a:r>
+              <a:rPr lang="fr-FR" sz="2800" b="1" i="1" dirty="0" smtClean="0">
+                <a:solidFill>
+                  <a:prstClr val="black"/>
+                </a:solidFill>
+                <a:latin typeface="Arial" panose="020B0604020202020204" pitchFamily="34" charset="0"/>
+                <a:cs typeface="Arial" panose="020B0604020202020204" pitchFamily="34" charset="0"/>
+              </a:rPr>
+              <a:t>R</a:t>
+            </a:r>
+            <a:r>
+              <a:rPr lang="fr-CA" sz="2800" b="1" i="1" dirty="0" err="1" smtClean="0">
+                <a:solidFill>
+                  <a:prstClr val="black"/>
+                </a:solidFill>
+                <a:latin typeface="Arial" panose="020B0604020202020204" pitchFamily="34" charset="0"/>
+                <a:cs typeface="Arial" panose="020B0604020202020204" pitchFamily="34" charset="0"/>
+              </a:rPr>
+              <a:t>éalisation</a:t>
+            </a:r>
+            <a:r>
+              <a:rPr lang="fr-CA" sz="2800" b="1" i="1" dirty="0" smtClean="0">
+                <a:solidFill>
+                  <a:prstClr val="black"/>
+                </a:solidFill>
+                <a:latin typeface="Arial" panose="020B0604020202020204" pitchFamily="34" charset="0"/>
+                <a:cs typeface="Arial" panose="020B0604020202020204" pitchFamily="34" charset="0"/>
+              </a:rPr>
+              <a:t>: </a:t>
+            </a:r>
+            <a:r>
+              <a:rPr lang="fr-CA" sz="2800" dirty="0" smtClean="0">
+                <a:solidFill>
+                  <a:prstClr val="black"/>
+                </a:solidFill>
+                <a:latin typeface="Arial" panose="020B0604020202020204" pitchFamily="34" charset="0"/>
+                <a:cs typeface="Arial" panose="020B0604020202020204" pitchFamily="34" charset="0"/>
+              </a:rPr>
+              <a:t>implémentation des algorithmes, GUI, codage RC4</a:t>
+            </a:r>
+          </a:p>
+          <a:p>
+            <a:pPr marL="457200" lvl="0" indent="-457200">
+              <a:buFont typeface="Wingdings" charset="2"/>
+              <a:buChar char="§"/>
+              <a:defRPr/>
+            </a:pPr>
+            <a:r>
+              <a:rPr lang="fr-CA" sz="2800" b="1" i="1" dirty="0" smtClean="0">
+                <a:solidFill>
+                  <a:prstClr val="black"/>
+                </a:solidFill>
+                <a:latin typeface="Arial" panose="020B0604020202020204" pitchFamily="34" charset="0"/>
+                <a:cs typeface="Arial" panose="020B0604020202020204" pitchFamily="34" charset="0"/>
+              </a:rPr>
+              <a:t>Qualité: </a:t>
+            </a:r>
+            <a:r>
+              <a:rPr lang="fr-CA" sz="2800" dirty="0" smtClean="0">
+                <a:solidFill>
+                  <a:prstClr val="black"/>
+                </a:solidFill>
+                <a:latin typeface="Arial" panose="020B0604020202020204" pitchFamily="34" charset="0"/>
+                <a:cs typeface="Arial" panose="020B0604020202020204" pitchFamily="34" charset="0"/>
+              </a:rPr>
+              <a:t>fonctionnels </a:t>
+            </a:r>
+          </a:p>
+          <a:p>
+            <a:pPr marL="457200" lvl="0" indent="-457200">
+              <a:buFont typeface="Wingdings" charset="2"/>
+              <a:buChar char="§"/>
+              <a:defRPr/>
+            </a:pPr>
+            <a:r>
+              <a:rPr lang="fr-CA" sz="2800" b="1" i="1" dirty="0" smtClean="0">
+                <a:solidFill>
+                  <a:prstClr val="black"/>
+                </a:solidFill>
+                <a:latin typeface="Arial" panose="020B0604020202020204" pitchFamily="34" charset="0"/>
+                <a:cs typeface="Arial" panose="020B0604020202020204" pitchFamily="34" charset="0"/>
+              </a:rPr>
+              <a:t>Pour aller plus loin:</a:t>
+            </a:r>
+            <a:r>
+              <a:rPr lang="fr-CA" sz="2800" dirty="0" smtClean="0">
+                <a:solidFill>
+                  <a:prstClr val="black"/>
+                </a:solidFill>
+                <a:latin typeface="Arial" panose="020B0604020202020204" pitchFamily="34" charset="0"/>
+                <a:cs typeface="Arial" panose="020B0604020202020204" pitchFamily="34" charset="0"/>
+              </a:rPr>
+              <a:t> génération de nombres</a:t>
+            </a:r>
             <a:endParaRPr lang="fr-CA" sz="2800" dirty="0">
               <a:solidFill>
                 <a:prstClr val="black"/>
@@ -9023,56 +9023,12 @@
             </a:endParaRPr>
           </a:p>
           <a:p>
-            <a:pPr lvl="0">
-              <a:defRPr/>
-            </a:pPr>
-            <a:endParaRPr lang="fr-CA" sz="2800" dirty="0" smtClean="0">
-              <a:solidFill>
-                <a:prstClr val="black"/>
-              </a:solidFill>
-              <a:latin typeface="Arial" panose="020B0604020202020204" pitchFamily="34" charset="0"/>
-              <a:cs typeface="Arial" panose="020B0604020202020204" pitchFamily="34" charset="0"/>
-            </a:endParaRPr>
-          </a:p>
-          <a:p>
-            <a:pPr lvl="0">
-              <a:defRPr/>
-            </a:pPr>
-            <a:endParaRPr lang="fr-CA" sz="2800" dirty="0" smtClean="0">
-              <a:solidFill>
-                <a:prstClr val="black"/>
-              </a:solidFill>
-              <a:latin typeface="Arial" panose="020B0604020202020204" pitchFamily="34" charset="0"/>
-              <a:cs typeface="Arial" panose="020B0604020202020204" pitchFamily="34" charset="0"/>
-            </a:endParaRPr>
-          </a:p>
-          <a:p>
-            <a:pPr lvl="0">
+            <a:pPr marL="457200" lvl="0" indent="-457200">
+              <a:buFont typeface="Wingdings" charset="2"/>
+              <a:buChar char="§"/>
               <a:defRPr/>
             </a:pPr>
             <a:endParaRPr lang="fr-CA" sz="2800" dirty="0">
-              <a:solidFill>
-                <a:prstClr val="black"/>
-              </a:solidFill>
-              <a:latin typeface="Arial" panose="020B0604020202020204" pitchFamily="34" charset="0"/>
-              <a:cs typeface="Arial" panose="020B0604020202020204" pitchFamily="34" charset="0"/>
-            </a:endParaRPr>
-          </a:p>
-          <a:p>
-            <a:pPr lvl="0">
-              <a:defRPr/>
-            </a:pPr>
-            <a:r>
-              <a:rPr lang="fr-CA" sz="2800" dirty="0" smtClean="0">
-                <a:solidFill>
-                  <a:prstClr val="black"/>
-                </a:solidFill>
-                <a:latin typeface="Arial" panose="020B0604020202020204" pitchFamily="34" charset="0"/>
-                <a:cs typeface="Arial" panose="020B0604020202020204" pitchFamily="34" charset="0"/>
-              </a:rPr>
-              <a:t> </a:t>
-            </a:r>
-            <a:endParaRPr lang="fr-FR" sz="2800" dirty="0">
               <a:solidFill>
                 <a:prstClr val="black"/>
               </a:solidFill>
@@ -9282,7 +9238,7 @@
         <p:spPr>
           <a:xfrm>
             <a:off x="11809462" y="24701578"/>
-            <a:ext cx="9073008" cy="2877711"/>
+            <a:ext cx="9073008" cy="3354765"/>
           </a:xfrm>
           <a:prstGeom prst="rect">
             <a:avLst/>
@@ -9310,7 +9266,7 @@
                 <a:latin typeface="Arial" panose="020B0604020202020204" pitchFamily="34" charset="0"/>
                 <a:cs typeface="Arial" panose="020B0604020202020204" pitchFamily="34" charset="0"/>
               </a:rPr>
-              <a:t>4</a:t>
+              <a:t>6</a:t>
             </a:r>
             <a:r>
               <a:rPr lang="fr-CA" sz="4100" b="1" dirty="0" smtClean="0">
@@ -9320,9 +9276,14 @@
                 <a:latin typeface="Arial" panose="020B0604020202020204" pitchFamily="34" charset="0"/>
                 <a:cs typeface="Arial" panose="020B0604020202020204" pitchFamily="34" charset="0"/>
               </a:rPr>
-              <a:t>- Résultats </a:t>
-            </a:r>
-            <a:endParaRPr lang="fr-CA" sz="2800" dirty="0" smtClean="0">
+              <a:t>- Résultats</a:t>
+            </a:r>
+          </a:p>
+          <a:p>
+            <a:pPr lvl="0">
+              <a:defRPr/>
+            </a:pPr>
+            <a:endParaRPr lang="fr-CA" sz="4100" b="1" dirty="0">
               <a:solidFill>
                 <a:prstClr val="black"/>
               </a:solidFill>
@@ -9334,7 +9295,7 @@
             <a:pPr lvl="0">
               <a:defRPr/>
             </a:pPr>
-            <a:endParaRPr lang="fr-CA" sz="2800" dirty="0">
+            <a:endParaRPr lang="fr-CA" sz="4100" b="1" dirty="0" smtClean="0">
               <a:solidFill>
                 <a:prstClr val="black"/>
               </a:solidFill>
@@ -9346,7 +9307,7 @@
             <a:pPr lvl="0">
               <a:defRPr/>
             </a:pPr>
-            <a:endParaRPr lang="fr-CA" sz="2800" dirty="0" smtClean="0">
+            <a:endParaRPr lang="fr-CA" sz="4100" b="1" dirty="0">
               <a:solidFill>
                 <a:prstClr val="black"/>
               </a:solidFill>
@@ -9358,7 +9319,7 @@
             <a:pPr lvl="0">
               <a:defRPr/>
             </a:pPr>
-            <a:endParaRPr lang="fr-CA" sz="2800" dirty="0">
+            <a:endParaRPr lang="fr-CA" sz="2400" b="1" dirty="0">
               <a:solidFill>
                 <a:prstClr val="black"/>
               </a:solidFill>
@@ -9370,19 +9331,37 @@
             <a:pPr lvl="0">
               <a:defRPr/>
             </a:pPr>
-            <a:endParaRPr lang="fr-CA" sz="2800" dirty="0" smtClean="0">
-              <a:solidFill>
-                <a:prstClr val="black"/>
-              </a:solidFill>
-              <a:latin typeface="Arial" panose="020B0604020202020204" pitchFamily="34" charset="0"/>
-              <a:cs typeface="Arial" panose="020B0604020202020204" pitchFamily="34" charset="0"/>
-            </a:endParaRPr>
-          </a:p>
-          <a:p>
-            <a:pPr lvl="0">
-              <a:defRPr/>
-            </a:pPr>
-            <a:endParaRPr lang="fr-CA" sz="2800" dirty="0">
+            <a:r>
+              <a:rPr lang="fr-CA" sz="2400" b="1" dirty="0" smtClean="0">
+                <a:solidFill>
+                  <a:prstClr val="black"/>
+                </a:solidFill>
+                <a:latin typeface="Arial" panose="020B0604020202020204" pitchFamily="34" charset="0"/>
+                <a:cs typeface="Arial" panose="020B0604020202020204" pitchFamily="34" charset="0"/>
+              </a:rPr>
+              <a:t>Distribution uniforme des </a:t>
+            </a:r>
+            <a:r>
+              <a:rPr lang="fr-CA" sz="2400" b="1" dirty="0" err="1" smtClean="0">
+                <a:solidFill>
+                  <a:prstClr val="black"/>
+                </a:solidFill>
+                <a:latin typeface="Arial" panose="020B0604020202020204" pitchFamily="34" charset="0"/>
+                <a:cs typeface="Arial" panose="020B0604020202020204" pitchFamily="34" charset="0"/>
+              </a:rPr>
+              <a:t>P_value</a:t>
+            </a:r>
+            <a:r>
+              <a:rPr lang="fr-CA" sz="2400" b="1" dirty="0" smtClean="0">
+                <a:solidFill>
+                  <a:prstClr val="black"/>
+                </a:solidFill>
+                <a:latin typeface="Arial" panose="020B0604020202020204" pitchFamily="34" charset="0"/>
+                <a:cs typeface="Arial" panose="020B0604020202020204" pitchFamily="34" charset="0"/>
+              </a:rPr>
+              <a:t> sur [0,1] avec 100 tests </a:t>
+            </a:r>
+            <a:endParaRPr lang="fr-CA" sz="2400" dirty="0">
               <a:solidFill>
                 <a:prstClr val="black"/>
               </a:solidFill>
@@ -9699,8 +9678,8 @@
         </p:blipFill>
         <p:spPr>
           <a:xfrm>
-            <a:off x="9145166" y="16706081"/>
-            <a:ext cx="2000275" cy="2000275"/>
+            <a:off x="9505206" y="16706081"/>
+            <a:ext cx="1136179" cy="1136179"/>
           </a:xfrm>
           <a:prstGeom prst="rect">
             <a:avLst/>
@@ -10126,6 +10105,114 @@
           </a:p>
         </p:txBody>
       </p:sp>
+      <p:sp>
+        <p:nvSpPr>
+          <p:cNvPr id="97" name="Rectangle à coins arrondis 96"/>
+          <p:cNvSpPr/>
+          <p:nvPr/>
+        </p:nvSpPr>
+        <p:spPr>
+          <a:xfrm>
+            <a:off x="648222" y="19442385"/>
+            <a:ext cx="10297144" cy="1872208"/>
+          </a:xfrm>
+          <a:prstGeom prst="roundRect">
+            <a:avLst>
+              <a:gd name="adj" fmla="val 12588"/>
+            </a:avLst>
+          </a:prstGeom>
+          <a:solidFill>
+            <a:schemeClr val="accent6">
+              <a:lumMod val="20000"/>
+              <a:lumOff val="80000"/>
+              <a:alpha val="88000"/>
+            </a:schemeClr>
+          </a:solidFill>
+          <a:ln>
+            <a:solidFill>
+              <a:schemeClr val="bg1"/>
+            </a:solidFill>
+          </a:ln>
+        </p:spPr>
+        <p:style>
+          <a:lnRef idx="2">
+            <a:schemeClr val="accent6"/>
+          </a:lnRef>
+          <a:fillRef idx="1">
+            <a:schemeClr val="lt1"/>
+          </a:fillRef>
+          <a:effectRef idx="0">
+            <a:schemeClr val="accent6"/>
+          </a:effectRef>
+          <a:fontRef idx="minor">
+            <a:schemeClr val="dk1"/>
+          </a:fontRef>
+        </p:style>
+        <p:txBody>
+          <a:bodyPr rtlCol="0" anchor="ctr"/>
+          <a:lstStyle/>
+          <a:p>
+            <a:pPr algn="ctr"/>
+            <a:endParaRPr lang="fr-FR">
+              <a:noFill/>
+            </a:endParaRPr>
+          </a:p>
+        </p:txBody>
+      </p:sp>
+      <p:sp>
+        <p:nvSpPr>
+          <p:cNvPr id="101" name="Rectangle à coins arrondis 100"/>
+          <p:cNvSpPr/>
+          <p:nvPr/>
+        </p:nvSpPr>
+        <p:spPr>
+          <a:xfrm>
+            <a:off x="720230" y="27795313"/>
+            <a:ext cx="10225136" cy="2880320"/>
+          </a:xfrm>
+          <a:prstGeom prst="roundRect">
+            <a:avLst>
+              <a:gd name="adj" fmla="val 12588"/>
+            </a:avLst>
+          </a:prstGeom>
+          <a:solidFill>
+            <a:schemeClr val="accent6">
+              <a:lumMod val="20000"/>
+              <a:lumOff val="80000"/>
+              <a:alpha val="88000"/>
+            </a:schemeClr>
+          </a:solidFill>
+          <a:ln>
+            <a:solidFill>
+              <a:schemeClr val="bg1"/>
+            </a:solidFill>
+          </a:ln>
+        </p:spPr>
+        <p:style>
+          <a:lnRef idx="2">
+            <a:schemeClr val="accent6"/>
+          </a:lnRef>
+          <a:fillRef idx="1">
+            <a:schemeClr val="lt1"/>
+          </a:fillRef>
+          <a:effectRef idx="0">
+            <a:schemeClr val="accent6"/>
+          </a:effectRef>
+          <a:fontRef idx="minor">
+            <a:schemeClr val="dk1"/>
+          </a:fontRef>
+        </p:style>
+        <p:txBody>
+          <a:bodyPr rtlCol="0" anchor="ctr"/>
+          <a:lstStyle/>
+          <a:p>
+            <a:pPr algn="ctr"/>
+            <a:endParaRPr lang="fr-FR">
+              <a:noFill/>
+            </a:endParaRPr>
+          </a:p>
+        </p:txBody>
+      </p:sp>
       <p:pic>
         <p:nvPicPr>
           <p:cNvPr id="27" name="Image 26"/>
@@ -10152,6 +10239,114 @@
       </p:pic>
       <p:sp>
         <p:nvSpPr>
+          <p:cNvPr id="100" name="Rectangle à coins arrondis 99"/>
+          <p:cNvSpPr/>
+          <p:nvPr/>
+        </p:nvSpPr>
+        <p:spPr>
+          <a:xfrm>
+            <a:off x="648222" y="23906881"/>
+            <a:ext cx="10297144" cy="2592288"/>
+          </a:xfrm>
+          <a:prstGeom prst="roundRect">
+            <a:avLst>
+              <a:gd name="adj" fmla="val 12588"/>
+            </a:avLst>
+          </a:prstGeom>
+          <a:solidFill>
+            <a:schemeClr val="accent6">
+              <a:lumMod val="20000"/>
+              <a:lumOff val="80000"/>
+              <a:alpha val="88000"/>
+            </a:schemeClr>
+          </a:solidFill>
+          <a:ln>
+            <a:solidFill>
+              <a:schemeClr val="bg1"/>
+            </a:solidFill>
+          </a:ln>
+        </p:spPr>
+        <p:style>
+          <a:lnRef idx="2">
+            <a:schemeClr val="accent6"/>
+          </a:lnRef>
+          <a:fillRef idx="1">
+            <a:schemeClr val="lt1"/>
+          </a:fillRef>
+          <a:effectRef idx="0">
+            <a:schemeClr val="accent6"/>
+          </a:effectRef>
+          <a:fontRef idx="minor">
+            <a:schemeClr val="dk1"/>
+          </a:fontRef>
+        </p:style>
+        <p:txBody>
+          <a:bodyPr rtlCol="0" anchor="ctr"/>
+          <a:lstStyle/>
+          <a:p>
+            <a:pPr algn="ctr"/>
+            <a:endParaRPr lang="fr-FR">
+              <a:noFill/>
+            </a:endParaRPr>
+          </a:p>
+        </p:txBody>
+      </p:sp>
+      <p:sp>
+        <p:nvSpPr>
+          <p:cNvPr id="98" name="Rectangle à coins arrondis 97"/>
+          <p:cNvSpPr/>
+          <p:nvPr/>
+        </p:nvSpPr>
+        <p:spPr>
+          <a:xfrm>
+            <a:off x="648222" y="17714193"/>
+            <a:ext cx="10297144" cy="1512168"/>
+          </a:xfrm>
+          <a:prstGeom prst="roundRect">
+            <a:avLst>
+              <a:gd name="adj" fmla="val 12588"/>
+            </a:avLst>
+          </a:prstGeom>
+          <a:solidFill>
+            <a:schemeClr val="accent6">
+              <a:lumMod val="20000"/>
+              <a:lumOff val="80000"/>
+              <a:alpha val="88000"/>
+            </a:schemeClr>
+          </a:solidFill>
+          <a:ln>
+            <a:solidFill>
+              <a:schemeClr val="bg1"/>
+            </a:solidFill>
+          </a:ln>
+        </p:spPr>
+        <p:style>
+          <a:lnRef idx="2">
+            <a:schemeClr val="accent6"/>
+          </a:lnRef>
+          <a:fillRef idx="1">
+            <a:schemeClr val="lt1"/>
+          </a:fillRef>
+          <a:effectRef idx="0">
+            <a:schemeClr val="accent6"/>
+          </a:effectRef>
+          <a:fontRef idx="minor">
+            <a:schemeClr val="dk1"/>
+          </a:fontRef>
+        </p:style>
+        <p:txBody>
+          <a:bodyPr rtlCol="0" anchor="ctr"/>
+          <a:lstStyle/>
+          <a:p>
+            <a:pPr algn="ctr"/>
+            <a:endParaRPr lang="fr-FR">
+              <a:noFill/>
+            </a:endParaRPr>
+          </a:p>
+        </p:txBody>
+      </p:sp>
+      <p:sp>
+        <p:nvSpPr>
           <p:cNvPr id="38" name="ZoneTexte 37"/>
           <p:cNvSpPr txBox="1"/>
           <p:nvPr/>
@@ -10261,6 +10456,3775 @@
               <a:t> </a:t>
             </a:r>
             <a:endParaRPr lang="fr-FR" sz="3600" dirty="0"/>
+          </a:p>
+        </p:txBody>
+      </p:sp>
+      <p:sp>
+        <p:nvSpPr>
+          <p:cNvPr id="44" name="Rectangle à coins arrondis 43"/>
+          <p:cNvSpPr/>
+          <p:nvPr/>
+        </p:nvSpPr>
+        <p:spPr>
+          <a:xfrm>
+            <a:off x="792238" y="18290257"/>
+            <a:ext cx="2232248" cy="504056"/>
+          </a:xfrm>
+          <a:prstGeom prst="roundRect">
+            <a:avLst/>
+          </a:prstGeom>
+          <a:solidFill>
+            <a:schemeClr val="accent4">
+              <a:lumMod val="20000"/>
+              <a:lumOff val="80000"/>
+              <a:alpha val="88000"/>
+            </a:schemeClr>
+          </a:solidFill>
+          <a:ln>
+            <a:solidFill>
+              <a:schemeClr val="bg1"/>
+            </a:solidFill>
+          </a:ln>
+        </p:spPr>
+        <p:style>
+          <a:lnRef idx="2">
+            <a:schemeClr val="accent6"/>
+          </a:lnRef>
+          <a:fillRef idx="1">
+            <a:schemeClr val="lt1"/>
+          </a:fillRef>
+          <a:effectRef idx="0">
+            <a:schemeClr val="accent6"/>
+          </a:effectRef>
+          <a:fontRef idx="minor">
+            <a:schemeClr val="dk1"/>
+          </a:fontRef>
+        </p:style>
+        <p:txBody>
+          <a:bodyPr rtlCol="0" anchor="ctr"/>
+          <a:lstStyle/>
+          <a:p>
+            <a:pPr algn="ctr"/>
+            <a:endParaRPr lang="fr-FR">
+              <a:noFill/>
+            </a:endParaRPr>
+          </a:p>
+        </p:txBody>
+      </p:sp>
+      <p:sp>
+        <p:nvSpPr>
+          <p:cNvPr id="45" name="Rectangle à coins arrondis 44"/>
+          <p:cNvSpPr/>
+          <p:nvPr/>
+        </p:nvSpPr>
+        <p:spPr>
+          <a:xfrm>
+            <a:off x="3312518" y="18290257"/>
+            <a:ext cx="2592288" cy="504056"/>
+          </a:xfrm>
+          <a:prstGeom prst="roundRect">
+            <a:avLst/>
+          </a:prstGeom>
+          <a:solidFill>
+            <a:schemeClr val="accent4">
+              <a:lumMod val="20000"/>
+              <a:lumOff val="80000"/>
+              <a:alpha val="88000"/>
+            </a:schemeClr>
+          </a:solidFill>
+          <a:ln>
+            <a:solidFill>
+              <a:schemeClr val="bg1"/>
+            </a:solidFill>
+          </a:ln>
+        </p:spPr>
+        <p:style>
+          <a:lnRef idx="2">
+            <a:schemeClr val="accent6"/>
+          </a:lnRef>
+          <a:fillRef idx="1">
+            <a:schemeClr val="lt1"/>
+          </a:fillRef>
+          <a:effectRef idx="0">
+            <a:schemeClr val="accent6"/>
+          </a:effectRef>
+          <a:fontRef idx="minor">
+            <a:schemeClr val="dk1"/>
+          </a:fontRef>
+        </p:style>
+        <p:txBody>
+          <a:bodyPr rtlCol="0" anchor="ctr"/>
+          <a:lstStyle/>
+          <a:p>
+            <a:pPr algn="ctr"/>
+            <a:endParaRPr lang="fr-FR">
+              <a:noFill/>
+            </a:endParaRPr>
+          </a:p>
+        </p:txBody>
+      </p:sp>
+      <p:sp>
+        <p:nvSpPr>
+          <p:cNvPr id="46" name="ZoneTexte 45"/>
+          <p:cNvSpPr txBox="1"/>
+          <p:nvPr/>
+        </p:nvSpPr>
+        <p:spPr>
+          <a:xfrm>
+            <a:off x="792238" y="18147982"/>
+            <a:ext cx="2376264" cy="646331"/>
+          </a:xfrm>
+          <a:prstGeom prst="rect">
+            <a:avLst/>
+          </a:prstGeom>
+          <a:noFill/>
+        </p:spPr>
+        <p:txBody>
+          <a:bodyPr wrap="square" rtlCol="0">
+            <a:spAutoFit/>
+          </a:bodyPr>
+          <a:lstStyle/>
+          <a:p>
+            <a:r>
+              <a:rPr lang="fr-FR" sz="3600" b="1" dirty="0" smtClean="0">
+                <a:solidFill>
+                  <a:srgbClr val="0000FF"/>
+                </a:solidFill>
+              </a:rPr>
+              <a:t>1</a:t>
+            </a:r>
+            <a:r>
+              <a:rPr lang="fr-FR" sz="3600" dirty="0" smtClean="0"/>
+              <a:t>00</a:t>
+            </a:r>
+            <a:r>
+              <a:rPr lang="fr-FR" sz="3600" b="1" dirty="0" smtClean="0">
+                <a:solidFill>
+                  <a:srgbClr val="0000FF"/>
+                </a:solidFill>
+              </a:rPr>
+              <a:t>1</a:t>
+            </a:r>
+            <a:r>
+              <a:rPr lang="fr-FR" sz="3600" dirty="0" smtClean="0"/>
+              <a:t>0</a:t>
+            </a:r>
+            <a:r>
+              <a:rPr lang="fr-FR" sz="3600" b="1" dirty="0" smtClean="0">
+                <a:solidFill>
+                  <a:srgbClr val="0000FF"/>
+                </a:solidFill>
+              </a:rPr>
+              <a:t>1</a:t>
+            </a:r>
+            <a:r>
+              <a:rPr lang="fr-FR" sz="3600" dirty="0" smtClean="0"/>
+              <a:t>0</a:t>
+            </a:r>
+            <a:r>
+              <a:rPr lang="fr-FR" sz="3600" b="1" dirty="0" smtClean="0">
+                <a:solidFill>
+                  <a:srgbClr val="0000FF"/>
+                </a:solidFill>
+              </a:rPr>
+              <a:t>1</a:t>
+            </a:r>
+            <a:r>
+              <a:rPr lang="fr-FR" sz="3600" dirty="0" smtClean="0"/>
+              <a:t>0</a:t>
+            </a:r>
+            <a:endParaRPr lang="fr-FR" sz="3600" dirty="0"/>
+          </a:p>
+        </p:txBody>
+      </p:sp>
+      <p:sp>
+        <p:nvSpPr>
+          <p:cNvPr id="47" name="ZoneTexte 46"/>
+          <p:cNvSpPr txBox="1"/>
+          <p:nvPr/>
+        </p:nvSpPr>
+        <p:spPr>
+          <a:xfrm>
+            <a:off x="3456534" y="18218249"/>
+            <a:ext cx="2448272" cy="524961"/>
+          </a:xfrm>
+          <a:prstGeom prst="rect">
+            <a:avLst/>
+          </a:prstGeom>
+          <a:noFill/>
+        </p:spPr>
+        <p:txBody>
+          <a:bodyPr wrap="square" rtlCol="0">
+            <a:spAutoFit/>
+          </a:bodyPr>
+          <a:lstStyle/>
+          <a:p>
+            <a:r>
+              <a:rPr lang="fr-FR" sz="2800" dirty="0" smtClean="0"/>
+              <a:t>Combien de </a:t>
+            </a:r>
+            <a:r>
+              <a:rPr lang="fr-FR" sz="2800" b="1" dirty="0" smtClean="0">
+                <a:solidFill>
+                  <a:srgbClr val="0000FF"/>
+                </a:solidFill>
+              </a:rPr>
+              <a:t>1 </a:t>
+            </a:r>
+            <a:r>
+              <a:rPr lang="fr-FR" sz="2800" dirty="0" smtClean="0"/>
+              <a:t>? </a:t>
+            </a:r>
+            <a:endParaRPr lang="fr-FR" sz="2800" dirty="0"/>
+          </a:p>
+        </p:txBody>
+      </p:sp>
+      <p:pic>
+        <p:nvPicPr>
+          <p:cNvPr id="48" name="Image 47"/>
+          <p:cNvPicPr>
+            <a:picLocks noChangeAspect="1"/>
+          </p:cNvPicPr>
+          <p:nvPr/>
+        </p:nvPicPr>
+        <p:blipFill>
+          <a:blip r:embed="rId21">
+            <a:extLst>
+              <a:ext uri="{BEBA8EAE-BF5A-486C-A8C5-ECC9F3942E4B}">
+                <a14:imgProps xmlns:a14="http://schemas.microsoft.com/office/drawing/2010/main">
+                  <a14:imgLayer r:embed="rId22">
+                    <a14:imgEffect>
+                      <a14:backgroundRemoval t="0" b="98281" l="1105" r="100000"/>
+                    </a14:imgEffect>
+                  </a14:imgLayer>
+                </a14:imgProps>
+              </a:ext>
+            </a:extLst>
+          </a:blip>
+          <a:stretch>
+            <a:fillRect/>
+          </a:stretch>
+        </p:blipFill>
+        <p:spPr>
+          <a:xfrm>
+            <a:off x="8137054" y="17858209"/>
+            <a:ext cx="672212" cy="648072"/>
+          </a:xfrm>
+          <a:prstGeom prst="rect">
+            <a:avLst/>
+          </a:prstGeom>
+        </p:spPr>
+      </p:pic>
+      <p:pic>
+        <p:nvPicPr>
+          <p:cNvPr id="49" name="Image 48"/>
+          <p:cNvPicPr>
+            <a:picLocks noChangeAspect="1"/>
+          </p:cNvPicPr>
+          <p:nvPr/>
+        </p:nvPicPr>
+        <p:blipFill>
+          <a:blip r:embed="rId23">
+            <a:extLst>
+              <a:ext uri="{BEBA8EAE-BF5A-486C-A8C5-ECC9F3942E4B}">
+                <a14:imgProps xmlns:a14="http://schemas.microsoft.com/office/drawing/2010/main">
+                  <a14:imgLayer r:embed="rId24">
+                    <a14:imgEffect>
+                      <a14:backgroundRemoval t="0" b="100000" l="0" r="100000"/>
+                    </a14:imgEffect>
+                  </a14:imgLayer>
+                </a14:imgProps>
+              </a:ext>
+            </a:extLst>
+          </a:blip>
+          <a:stretch>
+            <a:fillRect/>
+          </a:stretch>
+        </p:blipFill>
+        <p:spPr>
+          <a:xfrm>
+            <a:off x="8144724" y="18506281"/>
+            <a:ext cx="640402" cy="648072"/>
+          </a:xfrm>
+          <a:prstGeom prst="rect">
+            <a:avLst/>
+          </a:prstGeom>
+        </p:spPr>
+      </p:pic>
+      <p:sp>
+        <p:nvSpPr>
+          <p:cNvPr id="50" name="Rectangle à coins arrondis 49"/>
+          <p:cNvSpPr/>
+          <p:nvPr/>
+        </p:nvSpPr>
+        <p:spPr>
+          <a:xfrm>
+            <a:off x="6480870" y="18074233"/>
+            <a:ext cx="1440160" cy="432048"/>
+          </a:xfrm>
+          <a:prstGeom prst="roundRect">
+            <a:avLst>
+              <a:gd name="adj" fmla="val 50000"/>
+            </a:avLst>
+          </a:prstGeom>
+          <a:solidFill>
+            <a:schemeClr val="accent4">
+              <a:lumMod val="20000"/>
+              <a:lumOff val="80000"/>
+              <a:alpha val="88000"/>
+            </a:schemeClr>
+          </a:solidFill>
+          <a:ln>
+            <a:solidFill>
+              <a:schemeClr val="bg1"/>
+            </a:solidFill>
+          </a:ln>
+        </p:spPr>
+        <p:style>
+          <a:lnRef idx="2">
+            <a:schemeClr val="accent6"/>
+          </a:lnRef>
+          <a:fillRef idx="1">
+            <a:schemeClr val="lt1"/>
+          </a:fillRef>
+          <a:effectRef idx="0">
+            <a:schemeClr val="accent6"/>
+          </a:effectRef>
+          <a:fontRef idx="minor">
+            <a:schemeClr val="dk1"/>
+          </a:fontRef>
+        </p:style>
+        <p:txBody>
+          <a:bodyPr rtlCol="0" anchor="ctr"/>
+          <a:lstStyle/>
+          <a:p>
+            <a:pPr algn="ctr"/>
+            <a:endParaRPr lang="fr-FR">
+              <a:noFill/>
+            </a:endParaRPr>
+          </a:p>
+        </p:txBody>
+      </p:sp>
+      <p:sp>
+        <p:nvSpPr>
+          <p:cNvPr id="51" name="ZoneTexte 50"/>
+          <p:cNvSpPr txBox="1"/>
+          <p:nvPr/>
+        </p:nvSpPr>
+        <p:spPr>
+          <a:xfrm>
+            <a:off x="6552878" y="18002225"/>
+            <a:ext cx="1224136" cy="523220"/>
+          </a:xfrm>
+          <a:prstGeom prst="rect">
+            <a:avLst/>
+          </a:prstGeom>
+          <a:noFill/>
+        </p:spPr>
+        <p:txBody>
+          <a:bodyPr wrap="square" rtlCol="0">
+            <a:spAutoFit/>
+          </a:bodyPr>
+          <a:lstStyle/>
+          <a:p>
+            <a:r>
+              <a:rPr lang="fr-FR" sz="2800" b="1" dirty="0" smtClean="0">
+                <a:solidFill>
+                  <a:srgbClr val="008000"/>
+                </a:solidFill>
+              </a:rPr>
+              <a:t>≈ 50 %</a:t>
+            </a:r>
+            <a:endParaRPr lang="fr-FR" sz="2800" b="1" dirty="0">
+              <a:solidFill>
+                <a:srgbClr val="008000"/>
+              </a:solidFill>
+            </a:endParaRPr>
+          </a:p>
+        </p:txBody>
+      </p:sp>
+      <p:sp>
+        <p:nvSpPr>
+          <p:cNvPr id="52" name="Rectangle à coins arrondis 51"/>
+          <p:cNvSpPr/>
+          <p:nvPr/>
+        </p:nvSpPr>
+        <p:spPr>
+          <a:xfrm>
+            <a:off x="6480870" y="18722305"/>
+            <a:ext cx="1440160" cy="360040"/>
+          </a:xfrm>
+          <a:prstGeom prst="roundRect">
+            <a:avLst>
+              <a:gd name="adj" fmla="val 50000"/>
+            </a:avLst>
+          </a:prstGeom>
+          <a:solidFill>
+            <a:schemeClr val="accent4">
+              <a:lumMod val="20000"/>
+              <a:lumOff val="80000"/>
+              <a:alpha val="88000"/>
+            </a:schemeClr>
+          </a:solidFill>
+          <a:ln>
+            <a:solidFill>
+              <a:schemeClr val="bg1"/>
+            </a:solidFill>
+          </a:ln>
+        </p:spPr>
+        <p:style>
+          <a:lnRef idx="2">
+            <a:schemeClr val="accent6"/>
+          </a:lnRef>
+          <a:fillRef idx="1">
+            <a:schemeClr val="lt1"/>
+          </a:fillRef>
+          <a:effectRef idx="0">
+            <a:schemeClr val="accent6"/>
+          </a:effectRef>
+          <a:fontRef idx="minor">
+            <a:schemeClr val="dk1"/>
+          </a:fontRef>
+        </p:style>
+        <p:txBody>
+          <a:bodyPr rtlCol="0" anchor="ctr"/>
+          <a:lstStyle/>
+          <a:p>
+            <a:pPr algn="ctr"/>
+            <a:endParaRPr lang="fr-FR">
+              <a:noFill/>
+            </a:endParaRPr>
+          </a:p>
+        </p:txBody>
+      </p:sp>
+      <p:sp>
+        <p:nvSpPr>
+          <p:cNvPr id="53" name="ZoneTexte 52"/>
+          <p:cNvSpPr txBox="1"/>
+          <p:nvPr/>
+        </p:nvSpPr>
+        <p:spPr>
+          <a:xfrm>
+            <a:off x="6696894" y="18506281"/>
+            <a:ext cx="1224136" cy="523220"/>
+          </a:xfrm>
+          <a:prstGeom prst="rect">
+            <a:avLst/>
+          </a:prstGeom>
+          <a:noFill/>
+        </p:spPr>
+        <p:txBody>
+          <a:bodyPr wrap="square" rtlCol="0">
+            <a:spAutoFit/>
+          </a:bodyPr>
+          <a:lstStyle/>
+          <a:p>
+            <a:r>
+              <a:rPr lang="fr-FR" sz="2800" b="1" dirty="0" smtClean="0">
+                <a:solidFill>
+                  <a:srgbClr val="FF0000"/>
+                </a:solidFill>
+              </a:rPr>
+              <a:t>sinon</a:t>
+            </a:r>
+            <a:endParaRPr lang="fr-FR" sz="2800" b="1" dirty="0">
+              <a:solidFill>
+                <a:srgbClr val="FF0000"/>
+              </a:solidFill>
+            </a:endParaRPr>
+          </a:p>
+        </p:txBody>
+      </p:sp>
+      <p:sp>
+        <p:nvSpPr>
+          <p:cNvPr id="56" name="Rectangle à coins arrondis 55"/>
+          <p:cNvSpPr/>
+          <p:nvPr/>
+        </p:nvSpPr>
+        <p:spPr>
+          <a:xfrm>
+            <a:off x="1008262" y="20234473"/>
+            <a:ext cx="2664296" cy="648072"/>
+          </a:xfrm>
+          <a:prstGeom prst="roundRect">
+            <a:avLst>
+              <a:gd name="adj" fmla="val 6888"/>
+            </a:avLst>
+          </a:prstGeom>
+          <a:solidFill>
+            <a:schemeClr val="accent4">
+              <a:lumMod val="20000"/>
+              <a:lumOff val="80000"/>
+              <a:alpha val="88000"/>
+            </a:schemeClr>
+          </a:solidFill>
+          <a:ln>
+            <a:solidFill>
+              <a:schemeClr val="bg1"/>
+            </a:solidFill>
+          </a:ln>
+        </p:spPr>
+        <p:style>
+          <a:lnRef idx="2">
+            <a:schemeClr val="accent6"/>
+          </a:lnRef>
+          <a:fillRef idx="1">
+            <a:schemeClr val="lt1"/>
+          </a:fillRef>
+          <a:effectRef idx="0">
+            <a:schemeClr val="accent6"/>
+          </a:effectRef>
+          <a:fontRef idx="minor">
+            <a:schemeClr val="dk1"/>
+          </a:fontRef>
+        </p:style>
+        <p:txBody>
+          <a:bodyPr rtlCol="0" anchor="ctr"/>
+          <a:lstStyle/>
+          <a:p>
+            <a:pPr algn="ctr"/>
+            <a:endParaRPr lang="fr-FR">
+              <a:noFill/>
+            </a:endParaRPr>
+          </a:p>
+        </p:txBody>
+      </p:sp>
+      <p:sp>
+        <p:nvSpPr>
+          <p:cNvPr id="54" name="ZoneTexte 53"/>
+          <p:cNvSpPr txBox="1"/>
+          <p:nvPr/>
+        </p:nvSpPr>
+        <p:spPr>
+          <a:xfrm>
+            <a:off x="1008262" y="20162465"/>
+            <a:ext cx="2808312" cy="646331"/>
+          </a:xfrm>
+          <a:prstGeom prst="rect">
+            <a:avLst/>
+          </a:prstGeom>
+          <a:noFill/>
+        </p:spPr>
+        <p:txBody>
+          <a:bodyPr wrap="square" rtlCol="0">
+            <a:spAutoFit/>
+          </a:bodyPr>
+          <a:lstStyle/>
+          <a:p>
+            <a:r>
+              <a:rPr lang="fr-FR" sz="3600" b="1" dirty="0" smtClean="0">
+                <a:solidFill>
+                  <a:srgbClr val="0000FF"/>
+                </a:solidFill>
+              </a:rPr>
+              <a:t>1</a:t>
+            </a:r>
+            <a:r>
+              <a:rPr lang="fr-FR" sz="3600" dirty="0" smtClean="0"/>
+              <a:t>00</a:t>
+            </a:r>
+            <a:r>
+              <a:rPr lang="fr-FR" sz="3600" dirty="0" smtClean="0">
+                <a:solidFill>
+                  <a:srgbClr val="FF0000"/>
+                </a:solidFill>
+              </a:rPr>
+              <a:t>|</a:t>
+            </a:r>
+            <a:r>
+              <a:rPr lang="fr-FR" sz="3600" b="1" dirty="0" smtClean="0">
+                <a:solidFill>
+                  <a:srgbClr val="0000FF"/>
+                </a:solidFill>
+              </a:rPr>
+              <a:t>1</a:t>
+            </a:r>
+            <a:r>
+              <a:rPr lang="fr-FR" sz="3600" dirty="0" smtClean="0"/>
+              <a:t>0</a:t>
+            </a:r>
+            <a:r>
+              <a:rPr lang="fr-FR" sz="3600" b="1" dirty="0" smtClean="0">
+                <a:solidFill>
+                  <a:srgbClr val="0000FF"/>
+                </a:solidFill>
+              </a:rPr>
+              <a:t>1</a:t>
+            </a:r>
+            <a:r>
+              <a:rPr lang="fr-FR" sz="3600" b="1" dirty="0" smtClean="0">
+                <a:solidFill>
+                  <a:srgbClr val="FF0000"/>
+                </a:solidFill>
+              </a:rPr>
+              <a:t>|</a:t>
+            </a:r>
+            <a:r>
+              <a:rPr lang="fr-FR" sz="3600" dirty="0" smtClean="0"/>
+              <a:t>0</a:t>
+            </a:r>
+            <a:r>
+              <a:rPr lang="fr-FR" sz="3600" b="1" dirty="0" smtClean="0">
+                <a:solidFill>
+                  <a:srgbClr val="0000FF"/>
+                </a:solidFill>
+              </a:rPr>
+              <a:t>1</a:t>
+            </a:r>
+            <a:r>
+              <a:rPr lang="fr-FR" sz="3600" dirty="0" smtClean="0"/>
+              <a:t>0</a:t>
+            </a:r>
+            <a:endParaRPr lang="fr-FR" sz="3600" dirty="0"/>
+          </a:p>
+        </p:txBody>
+      </p:sp>
+      <p:sp>
+        <p:nvSpPr>
+          <p:cNvPr id="59" name="Rectangle à coins arrondis 58"/>
+          <p:cNvSpPr/>
+          <p:nvPr/>
+        </p:nvSpPr>
+        <p:spPr>
+          <a:xfrm>
+            <a:off x="4968702" y="19802425"/>
+            <a:ext cx="1152128" cy="432048"/>
+          </a:xfrm>
+          <a:prstGeom prst="roundRect">
+            <a:avLst>
+              <a:gd name="adj" fmla="val 50000"/>
+            </a:avLst>
+          </a:prstGeom>
+          <a:solidFill>
+            <a:schemeClr val="accent4">
+              <a:lumMod val="20000"/>
+              <a:lumOff val="80000"/>
+              <a:alpha val="88000"/>
+            </a:schemeClr>
+          </a:solidFill>
+          <a:ln>
+            <a:solidFill>
+              <a:schemeClr val="bg1"/>
+            </a:solidFill>
+          </a:ln>
+        </p:spPr>
+        <p:style>
+          <a:lnRef idx="2">
+            <a:schemeClr val="accent6"/>
+          </a:lnRef>
+          <a:fillRef idx="1">
+            <a:schemeClr val="lt1"/>
+          </a:fillRef>
+          <a:effectRef idx="0">
+            <a:schemeClr val="accent6"/>
+          </a:effectRef>
+          <a:fontRef idx="minor">
+            <a:schemeClr val="dk1"/>
+          </a:fontRef>
+        </p:style>
+        <p:txBody>
+          <a:bodyPr rtlCol="0" anchor="ctr"/>
+          <a:lstStyle/>
+          <a:p>
+            <a:pPr algn="ctr"/>
+            <a:endParaRPr lang="fr-FR">
+              <a:noFill/>
+            </a:endParaRPr>
+          </a:p>
+        </p:txBody>
+      </p:sp>
+      <p:sp>
+        <p:nvSpPr>
+          <p:cNvPr id="60" name="Rectangle à coins arrondis 59"/>
+          <p:cNvSpPr/>
+          <p:nvPr/>
+        </p:nvSpPr>
+        <p:spPr>
+          <a:xfrm>
+            <a:off x="4968702" y="20306481"/>
+            <a:ext cx="1152128" cy="432048"/>
+          </a:xfrm>
+          <a:prstGeom prst="roundRect">
+            <a:avLst>
+              <a:gd name="adj" fmla="val 50000"/>
+            </a:avLst>
+          </a:prstGeom>
+          <a:solidFill>
+            <a:schemeClr val="accent4">
+              <a:lumMod val="20000"/>
+              <a:lumOff val="80000"/>
+              <a:alpha val="88000"/>
+            </a:schemeClr>
+          </a:solidFill>
+          <a:ln>
+            <a:solidFill>
+              <a:schemeClr val="bg1"/>
+            </a:solidFill>
+          </a:ln>
+        </p:spPr>
+        <p:style>
+          <a:lnRef idx="2">
+            <a:schemeClr val="accent6"/>
+          </a:lnRef>
+          <a:fillRef idx="1">
+            <a:schemeClr val="lt1"/>
+          </a:fillRef>
+          <a:effectRef idx="0">
+            <a:schemeClr val="accent6"/>
+          </a:effectRef>
+          <a:fontRef idx="minor">
+            <a:schemeClr val="dk1"/>
+          </a:fontRef>
+        </p:style>
+        <p:txBody>
+          <a:bodyPr rtlCol="0" anchor="ctr"/>
+          <a:lstStyle/>
+          <a:p>
+            <a:pPr algn="ctr"/>
+            <a:endParaRPr lang="fr-FR">
+              <a:noFill/>
+            </a:endParaRPr>
+          </a:p>
+        </p:txBody>
+      </p:sp>
+      <p:sp>
+        <p:nvSpPr>
+          <p:cNvPr id="61" name="Rectangle à coins arrondis 60"/>
+          <p:cNvSpPr/>
+          <p:nvPr/>
+        </p:nvSpPr>
+        <p:spPr>
+          <a:xfrm>
+            <a:off x="4968702" y="20810537"/>
+            <a:ext cx="1152128" cy="432048"/>
+          </a:xfrm>
+          <a:prstGeom prst="roundRect">
+            <a:avLst>
+              <a:gd name="adj" fmla="val 50000"/>
+            </a:avLst>
+          </a:prstGeom>
+          <a:solidFill>
+            <a:schemeClr val="accent4">
+              <a:lumMod val="20000"/>
+              <a:lumOff val="80000"/>
+              <a:alpha val="88000"/>
+            </a:schemeClr>
+          </a:solidFill>
+          <a:ln>
+            <a:solidFill>
+              <a:schemeClr val="bg1"/>
+            </a:solidFill>
+          </a:ln>
+        </p:spPr>
+        <p:style>
+          <a:lnRef idx="2">
+            <a:schemeClr val="accent6"/>
+          </a:lnRef>
+          <a:fillRef idx="1">
+            <a:schemeClr val="lt1"/>
+          </a:fillRef>
+          <a:effectRef idx="0">
+            <a:schemeClr val="accent6"/>
+          </a:effectRef>
+          <a:fontRef idx="minor">
+            <a:schemeClr val="dk1"/>
+          </a:fontRef>
+        </p:style>
+        <p:txBody>
+          <a:bodyPr rtlCol="0" anchor="ctr"/>
+          <a:lstStyle/>
+          <a:p>
+            <a:pPr algn="ctr"/>
+            <a:endParaRPr lang="fr-FR">
+              <a:noFill/>
+            </a:endParaRPr>
+          </a:p>
+        </p:txBody>
+      </p:sp>
+      <p:sp>
+        <p:nvSpPr>
+          <p:cNvPr id="62" name="ZoneTexte 61"/>
+          <p:cNvSpPr txBox="1"/>
+          <p:nvPr/>
+        </p:nvSpPr>
+        <p:spPr>
+          <a:xfrm>
+            <a:off x="5040710" y="19660150"/>
+            <a:ext cx="936104" cy="646331"/>
+          </a:xfrm>
+          <a:prstGeom prst="rect">
+            <a:avLst/>
+          </a:prstGeom>
+          <a:noFill/>
+        </p:spPr>
+        <p:txBody>
+          <a:bodyPr wrap="square" rtlCol="0">
+            <a:spAutoFit/>
+          </a:bodyPr>
+          <a:lstStyle/>
+          <a:p>
+            <a:r>
+              <a:rPr lang="fr-FR" sz="3600" b="1" dirty="0" smtClean="0">
+                <a:solidFill>
+                  <a:srgbClr val="0000FF"/>
+                </a:solidFill>
+              </a:rPr>
+              <a:t>1</a:t>
+            </a:r>
+            <a:r>
+              <a:rPr lang="fr-FR" sz="3600" dirty="0" smtClean="0"/>
+              <a:t>00</a:t>
+            </a:r>
+            <a:endParaRPr lang="fr-FR" sz="3600" dirty="0"/>
+          </a:p>
+        </p:txBody>
+      </p:sp>
+      <p:sp>
+        <p:nvSpPr>
+          <p:cNvPr id="63" name="ZoneTexte 62"/>
+          <p:cNvSpPr txBox="1"/>
+          <p:nvPr/>
+        </p:nvSpPr>
+        <p:spPr>
+          <a:xfrm>
+            <a:off x="5040710" y="20164206"/>
+            <a:ext cx="936104" cy="646331"/>
+          </a:xfrm>
+          <a:prstGeom prst="rect">
+            <a:avLst/>
+          </a:prstGeom>
+          <a:noFill/>
+        </p:spPr>
+        <p:txBody>
+          <a:bodyPr wrap="square" rtlCol="0">
+            <a:spAutoFit/>
+          </a:bodyPr>
+          <a:lstStyle/>
+          <a:p>
+            <a:r>
+              <a:rPr lang="fr-FR" sz="3600" b="1" dirty="0" smtClean="0">
+                <a:solidFill>
+                  <a:srgbClr val="0000FF"/>
+                </a:solidFill>
+              </a:rPr>
+              <a:t>1</a:t>
+            </a:r>
+            <a:r>
+              <a:rPr lang="fr-FR" sz="3600" dirty="0" smtClean="0"/>
+              <a:t>0</a:t>
+            </a:r>
+            <a:r>
+              <a:rPr lang="fr-FR" sz="3600" b="1" dirty="0">
+                <a:solidFill>
+                  <a:srgbClr val="0000FF"/>
+                </a:solidFill>
+              </a:rPr>
+              <a:t>1</a:t>
+            </a:r>
+            <a:endParaRPr lang="fr-FR" sz="3600" dirty="0"/>
+          </a:p>
+        </p:txBody>
+      </p:sp>
+      <p:sp>
+        <p:nvSpPr>
+          <p:cNvPr id="64" name="ZoneTexte 63"/>
+          <p:cNvSpPr txBox="1"/>
+          <p:nvPr/>
+        </p:nvSpPr>
+        <p:spPr>
+          <a:xfrm>
+            <a:off x="5040710" y="20668262"/>
+            <a:ext cx="936104" cy="646331"/>
+          </a:xfrm>
+          <a:prstGeom prst="rect">
+            <a:avLst/>
+          </a:prstGeom>
+          <a:noFill/>
+        </p:spPr>
+        <p:txBody>
+          <a:bodyPr wrap="square" rtlCol="0">
+            <a:spAutoFit/>
+          </a:bodyPr>
+          <a:lstStyle/>
+          <a:p>
+            <a:r>
+              <a:rPr lang="fr-FR" sz="3600" b="1" dirty="0" smtClean="0">
+                <a:solidFill>
+                  <a:srgbClr val="0000FF"/>
+                </a:solidFill>
+              </a:rPr>
+              <a:t>01</a:t>
+            </a:r>
+            <a:r>
+              <a:rPr lang="fr-FR" sz="3600" dirty="0" smtClean="0"/>
+              <a:t>0</a:t>
+            </a:r>
+            <a:endParaRPr lang="fr-FR" sz="3600" dirty="0"/>
+          </a:p>
+        </p:txBody>
+      </p:sp>
+      <p:grpSp>
+        <p:nvGrpSpPr>
+          <p:cNvPr id="65" name="Grouper 64"/>
+          <p:cNvGrpSpPr/>
+          <p:nvPr/>
+        </p:nvGrpSpPr>
+        <p:grpSpPr>
+          <a:xfrm>
+            <a:off x="4248622" y="20234473"/>
+            <a:ext cx="651524" cy="546136"/>
+            <a:chOff x="3399348" y="807051"/>
+            <a:chExt cx="651524" cy="762160"/>
+          </a:xfrm>
+        </p:grpSpPr>
+        <p:sp>
+          <p:nvSpPr>
+            <p:cNvPr id="66" name="Flèche vers la droite 65"/>
+            <p:cNvSpPr/>
+            <p:nvPr/>
+          </p:nvSpPr>
+          <p:spPr>
+            <a:xfrm>
+              <a:off x="3399348" y="807051"/>
+              <a:ext cx="651524" cy="762160"/>
+            </a:xfrm>
+            <a:prstGeom prst="rightArrow">
+              <a:avLst>
+                <a:gd name="adj1" fmla="val 60000"/>
+                <a:gd name="adj2" fmla="val 50000"/>
+              </a:avLst>
+            </a:prstGeom>
+            <a:solidFill>
+              <a:schemeClr val="tx1"/>
+            </a:solidFill>
+          </p:spPr>
+          <p:style>
+            <a:lnRef idx="0">
+              <a:schemeClr val="accent1">
+                <a:tint val="60000"/>
+                <a:hueOff val="0"/>
+                <a:satOff val="0"/>
+                <a:lumOff val="0"/>
+                <a:alphaOff val="0"/>
+              </a:schemeClr>
+            </a:lnRef>
+            <a:fillRef idx="1">
+              <a:scrgbClr r="0" g="0" b="0"/>
+            </a:fillRef>
+            <a:effectRef idx="0">
+              <a:schemeClr val="accent1">
+                <a:tint val="60000"/>
+                <a:hueOff val="0"/>
+                <a:satOff val="0"/>
+                <a:lumOff val="0"/>
+                <a:alphaOff val="0"/>
+              </a:schemeClr>
+            </a:effectRef>
+            <a:fontRef idx="minor">
+              <a:schemeClr val="lt1"/>
+            </a:fontRef>
+          </p:style>
+        </p:sp>
+        <p:sp>
+          <p:nvSpPr>
+            <p:cNvPr id="67" name="Flèche vers la droite 4"/>
+            <p:cNvSpPr/>
+            <p:nvPr/>
+          </p:nvSpPr>
+          <p:spPr>
+            <a:xfrm>
+              <a:off x="3399348" y="959483"/>
+              <a:ext cx="456067" cy="457296"/>
+            </a:xfrm>
+            <a:prstGeom prst="rect">
+              <a:avLst/>
+            </a:prstGeom>
+          </p:spPr>
+          <p:style>
+            <a:lnRef idx="0">
+              <a:scrgbClr r="0" g="0" b="0"/>
+            </a:lnRef>
+            <a:fillRef idx="0">
+              <a:scrgbClr r="0" g="0" b="0"/>
+            </a:fillRef>
+            <a:effectRef idx="0">
+              <a:scrgbClr r="0" g="0" b="0"/>
+            </a:effectRef>
+            <a:fontRef idx="minor">
+              <a:schemeClr val="lt1"/>
+            </a:fontRef>
+          </p:style>
+          <p:txBody>
+            <a:bodyPr spcFirstLastPara="0" vert="horz" wrap="square" lIns="0" tIns="0" rIns="0" bIns="0" numCol="1" spcCol="1270" anchor="ctr" anchorCtr="0">
+              <a:noAutofit/>
+            </a:bodyPr>
+            <a:lstStyle/>
+            <a:p>
+              <a:pPr lvl="0" algn="ctr" defTabSz="1422400">
+                <a:lnSpc>
+                  <a:spcPct val="90000"/>
+                </a:lnSpc>
+                <a:spcBef>
+                  <a:spcPct val="0"/>
+                </a:spcBef>
+                <a:spcAft>
+                  <a:spcPct val="35000"/>
+                </a:spcAft>
+              </a:pPr>
+              <a:endParaRPr lang="fr-FR" sz="3200" kern="1200"/>
+            </a:p>
+          </p:txBody>
+        </p:sp>
+      </p:grpSp>
+      <p:grpSp>
+        <p:nvGrpSpPr>
+          <p:cNvPr id="68" name="Grouper 67"/>
+          <p:cNvGrpSpPr/>
+          <p:nvPr/>
+        </p:nvGrpSpPr>
+        <p:grpSpPr>
+          <a:xfrm>
+            <a:off x="6624886" y="19874433"/>
+            <a:ext cx="651524" cy="330112"/>
+            <a:chOff x="3399348" y="807051"/>
+            <a:chExt cx="651524" cy="762160"/>
+          </a:xfrm>
+        </p:grpSpPr>
+        <p:sp>
+          <p:nvSpPr>
+            <p:cNvPr id="69" name="Flèche vers la droite 68"/>
+            <p:cNvSpPr/>
+            <p:nvPr/>
+          </p:nvSpPr>
+          <p:spPr>
+            <a:xfrm>
+              <a:off x="3399348" y="807051"/>
+              <a:ext cx="651524" cy="762160"/>
+            </a:xfrm>
+            <a:prstGeom prst="rightArrow">
+              <a:avLst>
+                <a:gd name="adj1" fmla="val 60000"/>
+                <a:gd name="adj2" fmla="val 50000"/>
+              </a:avLst>
+            </a:prstGeom>
+            <a:solidFill>
+              <a:schemeClr val="tx1"/>
+            </a:solidFill>
+          </p:spPr>
+          <p:style>
+            <a:lnRef idx="0">
+              <a:schemeClr val="accent1">
+                <a:tint val="60000"/>
+                <a:hueOff val="0"/>
+                <a:satOff val="0"/>
+                <a:lumOff val="0"/>
+                <a:alphaOff val="0"/>
+              </a:schemeClr>
+            </a:lnRef>
+            <a:fillRef idx="1">
+              <a:scrgbClr r="0" g="0" b="0"/>
+            </a:fillRef>
+            <a:effectRef idx="0">
+              <a:schemeClr val="accent1">
+                <a:tint val="60000"/>
+                <a:hueOff val="0"/>
+                <a:satOff val="0"/>
+                <a:lumOff val="0"/>
+                <a:alphaOff val="0"/>
+              </a:schemeClr>
+            </a:effectRef>
+            <a:fontRef idx="minor">
+              <a:schemeClr val="lt1"/>
+            </a:fontRef>
+          </p:style>
+        </p:sp>
+        <p:sp>
+          <p:nvSpPr>
+            <p:cNvPr id="70" name="Flèche vers la droite 4"/>
+            <p:cNvSpPr/>
+            <p:nvPr/>
+          </p:nvSpPr>
+          <p:spPr>
+            <a:xfrm>
+              <a:off x="3399348" y="959483"/>
+              <a:ext cx="456067" cy="457296"/>
+            </a:xfrm>
+            <a:prstGeom prst="rect">
+              <a:avLst/>
+            </a:prstGeom>
+          </p:spPr>
+          <p:style>
+            <a:lnRef idx="0">
+              <a:scrgbClr r="0" g="0" b="0"/>
+            </a:lnRef>
+            <a:fillRef idx="0">
+              <a:scrgbClr r="0" g="0" b="0"/>
+            </a:fillRef>
+            <a:effectRef idx="0">
+              <a:scrgbClr r="0" g="0" b="0"/>
+            </a:effectRef>
+            <a:fontRef idx="minor">
+              <a:schemeClr val="lt1"/>
+            </a:fontRef>
+          </p:style>
+          <p:txBody>
+            <a:bodyPr spcFirstLastPara="0" vert="horz" wrap="square" lIns="0" tIns="0" rIns="0" bIns="0" numCol="1" spcCol="1270" anchor="ctr" anchorCtr="0">
+              <a:noAutofit/>
+            </a:bodyPr>
+            <a:lstStyle/>
+            <a:p>
+              <a:pPr lvl="0" algn="ctr" defTabSz="1422400">
+                <a:lnSpc>
+                  <a:spcPct val="90000"/>
+                </a:lnSpc>
+                <a:spcBef>
+                  <a:spcPct val="0"/>
+                </a:spcBef>
+                <a:spcAft>
+                  <a:spcPct val="35000"/>
+                </a:spcAft>
+              </a:pPr>
+              <a:endParaRPr lang="fr-FR" sz="3200" kern="1200"/>
+            </a:p>
+          </p:txBody>
+        </p:sp>
+      </p:grpSp>
+      <p:grpSp>
+        <p:nvGrpSpPr>
+          <p:cNvPr id="71" name="Grouper 70"/>
+          <p:cNvGrpSpPr/>
+          <p:nvPr/>
+        </p:nvGrpSpPr>
+        <p:grpSpPr>
+          <a:xfrm>
+            <a:off x="6624886" y="20378489"/>
+            <a:ext cx="651524" cy="330112"/>
+            <a:chOff x="3399348" y="807051"/>
+            <a:chExt cx="651524" cy="762160"/>
+          </a:xfrm>
+        </p:grpSpPr>
+        <p:sp>
+          <p:nvSpPr>
+            <p:cNvPr id="72" name="Flèche vers la droite 71"/>
+            <p:cNvSpPr/>
+            <p:nvPr/>
+          </p:nvSpPr>
+          <p:spPr>
+            <a:xfrm>
+              <a:off x="3399348" y="807051"/>
+              <a:ext cx="651524" cy="762160"/>
+            </a:xfrm>
+            <a:prstGeom prst="rightArrow">
+              <a:avLst>
+                <a:gd name="adj1" fmla="val 60000"/>
+                <a:gd name="adj2" fmla="val 50000"/>
+              </a:avLst>
+            </a:prstGeom>
+            <a:solidFill>
+              <a:schemeClr val="tx1"/>
+            </a:solidFill>
+          </p:spPr>
+          <p:style>
+            <a:lnRef idx="0">
+              <a:schemeClr val="accent1">
+                <a:tint val="60000"/>
+                <a:hueOff val="0"/>
+                <a:satOff val="0"/>
+                <a:lumOff val="0"/>
+                <a:alphaOff val="0"/>
+              </a:schemeClr>
+            </a:lnRef>
+            <a:fillRef idx="1">
+              <a:scrgbClr r="0" g="0" b="0"/>
+            </a:fillRef>
+            <a:effectRef idx="0">
+              <a:schemeClr val="accent1">
+                <a:tint val="60000"/>
+                <a:hueOff val="0"/>
+                <a:satOff val="0"/>
+                <a:lumOff val="0"/>
+                <a:alphaOff val="0"/>
+              </a:schemeClr>
+            </a:effectRef>
+            <a:fontRef idx="minor">
+              <a:schemeClr val="lt1"/>
+            </a:fontRef>
+          </p:style>
+        </p:sp>
+        <p:sp>
+          <p:nvSpPr>
+            <p:cNvPr id="73" name="Flèche vers la droite 4"/>
+            <p:cNvSpPr/>
+            <p:nvPr/>
+          </p:nvSpPr>
+          <p:spPr>
+            <a:xfrm>
+              <a:off x="3399348" y="959483"/>
+              <a:ext cx="456067" cy="457296"/>
+            </a:xfrm>
+            <a:prstGeom prst="rect">
+              <a:avLst/>
+            </a:prstGeom>
+          </p:spPr>
+          <p:style>
+            <a:lnRef idx="0">
+              <a:scrgbClr r="0" g="0" b="0"/>
+            </a:lnRef>
+            <a:fillRef idx="0">
+              <a:scrgbClr r="0" g="0" b="0"/>
+            </a:fillRef>
+            <a:effectRef idx="0">
+              <a:scrgbClr r="0" g="0" b="0"/>
+            </a:effectRef>
+            <a:fontRef idx="minor">
+              <a:schemeClr val="lt1"/>
+            </a:fontRef>
+          </p:style>
+          <p:txBody>
+            <a:bodyPr spcFirstLastPara="0" vert="horz" wrap="square" lIns="0" tIns="0" rIns="0" bIns="0" numCol="1" spcCol="1270" anchor="ctr" anchorCtr="0">
+              <a:noAutofit/>
+            </a:bodyPr>
+            <a:lstStyle/>
+            <a:p>
+              <a:pPr lvl="0" algn="ctr" defTabSz="1422400">
+                <a:lnSpc>
+                  <a:spcPct val="90000"/>
+                </a:lnSpc>
+                <a:spcBef>
+                  <a:spcPct val="0"/>
+                </a:spcBef>
+                <a:spcAft>
+                  <a:spcPct val="35000"/>
+                </a:spcAft>
+              </a:pPr>
+              <a:endParaRPr lang="fr-FR" sz="3200" kern="1200"/>
+            </a:p>
+          </p:txBody>
+        </p:sp>
+      </p:grpSp>
+      <p:grpSp>
+        <p:nvGrpSpPr>
+          <p:cNvPr id="74" name="Grouper 73"/>
+          <p:cNvGrpSpPr/>
+          <p:nvPr/>
+        </p:nvGrpSpPr>
+        <p:grpSpPr>
+          <a:xfrm>
+            <a:off x="6624886" y="20810537"/>
+            <a:ext cx="651524" cy="330112"/>
+            <a:chOff x="3399348" y="807051"/>
+            <a:chExt cx="651524" cy="762160"/>
+          </a:xfrm>
+        </p:grpSpPr>
+        <p:sp>
+          <p:nvSpPr>
+            <p:cNvPr id="75" name="Flèche vers la droite 74"/>
+            <p:cNvSpPr/>
+            <p:nvPr/>
+          </p:nvSpPr>
+          <p:spPr>
+            <a:xfrm>
+              <a:off x="3399348" y="807051"/>
+              <a:ext cx="651524" cy="762160"/>
+            </a:xfrm>
+            <a:prstGeom prst="rightArrow">
+              <a:avLst>
+                <a:gd name="adj1" fmla="val 60000"/>
+                <a:gd name="adj2" fmla="val 50000"/>
+              </a:avLst>
+            </a:prstGeom>
+            <a:solidFill>
+              <a:schemeClr val="tx1"/>
+            </a:solidFill>
+          </p:spPr>
+          <p:style>
+            <a:lnRef idx="0">
+              <a:schemeClr val="accent1">
+                <a:tint val="60000"/>
+                <a:hueOff val="0"/>
+                <a:satOff val="0"/>
+                <a:lumOff val="0"/>
+                <a:alphaOff val="0"/>
+              </a:schemeClr>
+            </a:lnRef>
+            <a:fillRef idx="1">
+              <a:scrgbClr r="0" g="0" b="0"/>
+            </a:fillRef>
+            <a:effectRef idx="0">
+              <a:schemeClr val="accent1">
+                <a:tint val="60000"/>
+                <a:hueOff val="0"/>
+                <a:satOff val="0"/>
+                <a:lumOff val="0"/>
+                <a:alphaOff val="0"/>
+              </a:schemeClr>
+            </a:effectRef>
+            <a:fontRef idx="minor">
+              <a:schemeClr val="lt1"/>
+            </a:fontRef>
+          </p:style>
+        </p:sp>
+        <p:sp>
+          <p:nvSpPr>
+            <p:cNvPr id="76" name="Flèche vers la droite 4"/>
+            <p:cNvSpPr/>
+            <p:nvPr/>
+          </p:nvSpPr>
+          <p:spPr>
+            <a:xfrm>
+              <a:off x="3399348" y="959483"/>
+              <a:ext cx="456067" cy="457296"/>
+            </a:xfrm>
+            <a:prstGeom prst="rect">
+              <a:avLst/>
+            </a:prstGeom>
+          </p:spPr>
+          <p:style>
+            <a:lnRef idx="0">
+              <a:scrgbClr r="0" g="0" b="0"/>
+            </a:lnRef>
+            <a:fillRef idx="0">
+              <a:scrgbClr r="0" g="0" b="0"/>
+            </a:fillRef>
+            <a:effectRef idx="0">
+              <a:scrgbClr r="0" g="0" b="0"/>
+            </a:effectRef>
+            <a:fontRef idx="minor">
+              <a:schemeClr val="lt1"/>
+            </a:fontRef>
+          </p:style>
+          <p:txBody>
+            <a:bodyPr spcFirstLastPara="0" vert="horz" wrap="square" lIns="0" tIns="0" rIns="0" bIns="0" numCol="1" spcCol="1270" anchor="ctr" anchorCtr="0">
+              <a:noAutofit/>
+            </a:bodyPr>
+            <a:lstStyle/>
+            <a:p>
+              <a:pPr lvl="0" algn="ctr" defTabSz="1422400">
+                <a:lnSpc>
+                  <a:spcPct val="90000"/>
+                </a:lnSpc>
+                <a:spcBef>
+                  <a:spcPct val="0"/>
+                </a:spcBef>
+                <a:spcAft>
+                  <a:spcPct val="35000"/>
+                </a:spcAft>
+              </a:pPr>
+              <a:endParaRPr lang="fr-FR" sz="3200" kern="1200"/>
+            </a:p>
+          </p:txBody>
+        </p:sp>
+      </p:grpSp>
+      <p:sp>
+        <p:nvSpPr>
+          <p:cNvPr id="79" name="Rectangle à coins arrondis 78"/>
+          <p:cNvSpPr/>
+          <p:nvPr/>
+        </p:nvSpPr>
+        <p:spPr>
+          <a:xfrm>
+            <a:off x="7705006" y="19874433"/>
+            <a:ext cx="2880320" cy="360040"/>
+          </a:xfrm>
+          <a:prstGeom prst="roundRect">
+            <a:avLst/>
+          </a:prstGeom>
+          <a:solidFill>
+            <a:schemeClr val="accent4">
+              <a:lumMod val="20000"/>
+              <a:lumOff val="80000"/>
+              <a:alpha val="88000"/>
+            </a:schemeClr>
+          </a:solidFill>
+          <a:ln>
+            <a:solidFill>
+              <a:schemeClr val="bg1"/>
+            </a:solidFill>
+          </a:ln>
+        </p:spPr>
+        <p:style>
+          <a:lnRef idx="2">
+            <a:schemeClr val="accent6"/>
+          </a:lnRef>
+          <a:fillRef idx="1">
+            <a:schemeClr val="lt1"/>
+          </a:fillRef>
+          <a:effectRef idx="0">
+            <a:schemeClr val="accent6"/>
+          </a:effectRef>
+          <a:fontRef idx="minor">
+            <a:schemeClr val="dk1"/>
+          </a:fontRef>
+        </p:style>
+        <p:txBody>
+          <a:bodyPr rtlCol="0" anchor="ctr"/>
+          <a:lstStyle/>
+          <a:p>
+            <a:pPr algn="ctr"/>
+            <a:endParaRPr lang="fr-FR">
+              <a:noFill/>
+            </a:endParaRPr>
+          </a:p>
+        </p:txBody>
+      </p:sp>
+      <p:sp>
+        <p:nvSpPr>
+          <p:cNvPr id="77" name="ZoneTexte 76"/>
+          <p:cNvSpPr txBox="1"/>
+          <p:nvPr/>
+        </p:nvSpPr>
+        <p:spPr>
+          <a:xfrm>
+            <a:off x="7705006" y="19730417"/>
+            <a:ext cx="2880320" cy="523220"/>
+          </a:xfrm>
+          <a:prstGeom prst="rect">
+            <a:avLst/>
+          </a:prstGeom>
+          <a:noFill/>
+        </p:spPr>
+        <p:txBody>
+          <a:bodyPr wrap="square" rtlCol="0">
+            <a:spAutoFit/>
+          </a:bodyPr>
+          <a:lstStyle/>
+          <a:p>
+            <a:r>
+              <a:rPr lang="fr-FR" sz="2800" dirty="0" smtClean="0"/>
+              <a:t>Test de Fréquence </a:t>
+            </a:r>
+            <a:endParaRPr lang="fr-FR" sz="2800" dirty="0"/>
+          </a:p>
+        </p:txBody>
+      </p:sp>
+      <p:sp>
+        <p:nvSpPr>
+          <p:cNvPr id="81" name="Rectangle à coins arrondis 80"/>
+          <p:cNvSpPr/>
+          <p:nvPr/>
+        </p:nvSpPr>
+        <p:spPr>
+          <a:xfrm>
+            <a:off x="7705006" y="20306481"/>
+            <a:ext cx="2880320" cy="360040"/>
+          </a:xfrm>
+          <a:prstGeom prst="roundRect">
+            <a:avLst/>
+          </a:prstGeom>
+          <a:solidFill>
+            <a:schemeClr val="accent4">
+              <a:lumMod val="20000"/>
+              <a:lumOff val="80000"/>
+              <a:alpha val="88000"/>
+            </a:schemeClr>
+          </a:solidFill>
+          <a:ln>
+            <a:solidFill>
+              <a:schemeClr val="bg1"/>
+            </a:solidFill>
+          </a:ln>
+        </p:spPr>
+        <p:style>
+          <a:lnRef idx="2">
+            <a:schemeClr val="accent6"/>
+          </a:lnRef>
+          <a:fillRef idx="1">
+            <a:schemeClr val="lt1"/>
+          </a:fillRef>
+          <a:effectRef idx="0">
+            <a:schemeClr val="accent6"/>
+          </a:effectRef>
+          <a:fontRef idx="minor">
+            <a:schemeClr val="dk1"/>
+          </a:fontRef>
+        </p:style>
+        <p:txBody>
+          <a:bodyPr rtlCol="0" anchor="ctr"/>
+          <a:lstStyle/>
+          <a:p>
+            <a:pPr algn="ctr"/>
+            <a:endParaRPr lang="fr-FR">
+              <a:noFill/>
+            </a:endParaRPr>
+          </a:p>
+        </p:txBody>
+      </p:sp>
+      <p:sp>
+        <p:nvSpPr>
+          <p:cNvPr id="82" name="ZoneTexte 81"/>
+          <p:cNvSpPr txBox="1"/>
+          <p:nvPr/>
+        </p:nvSpPr>
+        <p:spPr>
+          <a:xfrm>
+            <a:off x="7705006" y="20162465"/>
+            <a:ext cx="2952328" cy="523220"/>
+          </a:xfrm>
+          <a:prstGeom prst="rect">
+            <a:avLst/>
+          </a:prstGeom>
+          <a:noFill/>
+        </p:spPr>
+        <p:txBody>
+          <a:bodyPr wrap="square" rtlCol="0">
+            <a:spAutoFit/>
+          </a:bodyPr>
+          <a:lstStyle/>
+          <a:p>
+            <a:r>
+              <a:rPr lang="fr-FR" sz="2800" dirty="0" smtClean="0"/>
+              <a:t>Test de Fréquence </a:t>
+            </a:r>
+            <a:endParaRPr lang="fr-FR" sz="2800" dirty="0"/>
+          </a:p>
+        </p:txBody>
+      </p:sp>
+      <p:sp>
+        <p:nvSpPr>
+          <p:cNvPr id="83" name="Rectangle à coins arrondis 82"/>
+          <p:cNvSpPr/>
+          <p:nvPr/>
+        </p:nvSpPr>
+        <p:spPr>
+          <a:xfrm>
+            <a:off x="7705006" y="20738529"/>
+            <a:ext cx="2880320" cy="432048"/>
+          </a:xfrm>
+          <a:prstGeom prst="roundRect">
+            <a:avLst/>
+          </a:prstGeom>
+          <a:solidFill>
+            <a:schemeClr val="accent4">
+              <a:lumMod val="20000"/>
+              <a:lumOff val="80000"/>
+              <a:alpha val="88000"/>
+            </a:schemeClr>
+          </a:solidFill>
+          <a:ln>
+            <a:solidFill>
+              <a:schemeClr val="bg1"/>
+            </a:solidFill>
+          </a:ln>
+        </p:spPr>
+        <p:style>
+          <a:lnRef idx="2">
+            <a:schemeClr val="accent6"/>
+          </a:lnRef>
+          <a:fillRef idx="1">
+            <a:schemeClr val="lt1"/>
+          </a:fillRef>
+          <a:effectRef idx="0">
+            <a:schemeClr val="accent6"/>
+          </a:effectRef>
+          <a:fontRef idx="minor">
+            <a:schemeClr val="dk1"/>
+          </a:fontRef>
+        </p:style>
+        <p:txBody>
+          <a:bodyPr rtlCol="0" anchor="ctr"/>
+          <a:lstStyle/>
+          <a:p>
+            <a:pPr algn="ctr"/>
+            <a:endParaRPr lang="fr-FR">
+              <a:noFill/>
+            </a:endParaRPr>
+          </a:p>
+        </p:txBody>
+      </p:sp>
+      <p:sp>
+        <p:nvSpPr>
+          <p:cNvPr id="84" name="ZoneTexte 83"/>
+          <p:cNvSpPr txBox="1"/>
+          <p:nvPr/>
+        </p:nvSpPr>
+        <p:spPr>
+          <a:xfrm>
+            <a:off x="7705006" y="20647357"/>
+            <a:ext cx="2880320" cy="523220"/>
+          </a:xfrm>
+          <a:prstGeom prst="rect">
+            <a:avLst/>
+          </a:prstGeom>
+          <a:noFill/>
+        </p:spPr>
+        <p:txBody>
+          <a:bodyPr wrap="square" rtlCol="0">
+            <a:spAutoFit/>
+          </a:bodyPr>
+          <a:lstStyle/>
+          <a:p>
+            <a:r>
+              <a:rPr lang="fr-FR" sz="2800" dirty="0" smtClean="0"/>
+              <a:t>Test de Fréquence </a:t>
+            </a:r>
+            <a:endParaRPr lang="fr-FR" sz="2800" dirty="0"/>
+          </a:p>
+        </p:txBody>
+      </p:sp>
+      <p:sp>
+        <p:nvSpPr>
+          <p:cNvPr id="86" name="Rectangle à coins arrondis 85"/>
+          <p:cNvSpPr/>
+          <p:nvPr/>
+        </p:nvSpPr>
+        <p:spPr>
+          <a:xfrm>
+            <a:off x="864246" y="22970777"/>
+            <a:ext cx="2304256" cy="360040"/>
+          </a:xfrm>
+          <a:prstGeom prst="roundRect">
+            <a:avLst/>
+          </a:prstGeom>
+          <a:solidFill>
+            <a:schemeClr val="accent4">
+              <a:lumMod val="20000"/>
+              <a:lumOff val="80000"/>
+              <a:alpha val="88000"/>
+            </a:schemeClr>
+          </a:solidFill>
+          <a:ln>
+            <a:solidFill>
+              <a:schemeClr val="bg1"/>
+            </a:solidFill>
+          </a:ln>
+        </p:spPr>
+        <p:style>
+          <a:lnRef idx="2">
+            <a:schemeClr val="accent6"/>
+          </a:lnRef>
+          <a:fillRef idx="1">
+            <a:schemeClr val="lt1"/>
+          </a:fillRef>
+          <a:effectRef idx="0">
+            <a:schemeClr val="accent6"/>
+          </a:effectRef>
+          <a:fontRef idx="minor">
+            <a:schemeClr val="dk1"/>
+          </a:fontRef>
+        </p:style>
+        <p:txBody>
+          <a:bodyPr rtlCol="0" anchor="ctr"/>
+          <a:lstStyle/>
+          <a:p>
+            <a:pPr algn="ctr"/>
+            <a:endParaRPr lang="fr-FR">
+              <a:noFill/>
+            </a:endParaRPr>
+          </a:p>
+        </p:txBody>
+      </p:sp>
+      <p:sp>
+        <p:nvSpPr>
+          <p:cNvPr id="85" name="ZoneTexte 84"/>
+          <p:cNvSpPr txBox="1"/>
+          <p:nvPr/>
+        </p:nvSpPr>
+        <p:spPr>
+          <a:xfrm>
+            <a:off x="864246" y="22754753"/>
+            <a:ext cx="2376264" cy="646331"/>
+          </a:xfrm>
+          <a:prstGeom prst="rect">
+            <a:avLst/>
+          </a:prstGeom>
+          <a:noFill/>
+        </p:spPr>
+        <p:txBody>
+          <a:bodyPr wrap="square" rtlCol="0">
+            <a:spAutoFit/>
+          </a:bodyPr>
+          <a:lstStyle/>
+          <a:p>
+            <a:r>
+              <a:rPr lang="fr-FR" sz="3600" b="1" dirty="0" smtClean="0">
+                <a:solidFill>
+                  <a:srgbClr val="0000FF"/>
+                </a:solidFill>
+              </a:rPr>
+              <a:t>1</a:t>
+            </a:r>
+            <a:r>
+              <a:rPr lang="fr-FR" sz="3600" dirty="0" smtClean="0"/>
+              <a:t>00</a:t>
+            </a:r>
+            <a:r>
+              <a:rPr lang="fr-FR" sz="3600" b="1" dirty="0" smtClean="0">
+                <a:solidFill>
+                  <a:srgbClr val="0000FF"/>
+                </a:solidFill>
+              </a:rPr>
+              <a:t>1</a:t>
+            </a:r>
+            <a:r>
+              <a:rPr lang="fr-FR" sz="3600" dirty="0" smtClean="0"/>
+              <a:t>0</a:t>
+            </a:r>
+            <a:r>
+              <a:rPr lang="fr-FR" sz="3600" b="1" dirty="0" smtClean="0">
+                <a:solidFill>
+                  <a:srgbClr val="0000FF"/>
+                </a:solidFill>
+              </a:rPr>
+              <a:t>1</a:t>
+            </a:r>
+            <a:r>
+              <a:rPr lang="fr-FR" sz="3600" dirty="0" smtClean="0"/>
+              <a:t>0</a:t>
+            </a:r>
+            <a:r>
+              <a:rPr lang="fr-FR" sz="3600" b="1" dirty="0" smtClean="0">
+                <a:solidFill>
+                  <a:srgbClr val="0000FF"/>
+                </a:solidFill>
+              </a:rPr>
+              <a:t>1</a:t>
+            </a:r>
+            <a:r>
+              <a:rPr lang="fr-FR" sz="3600" dirty="0" smtClean="0"/>
+              <a:t>0</a:t>
+            </a:r>
+            <a:endParaRPr lang="fr-FR" sz="3600" dirty="0"/>
+          </a:p>
+        </p:txBody>
+      </p:sp>
+      <p:grpSp>
+        <p:nvGrpSpPr>
+          <p:cNvPr id="87" name="Grouper 86"/>
+          <p:cNvGrpSpPr/>
+          <p:nvPr/>
+        </p:nvGrpSpPr>
+        <p:grpSpPr>
+          <a:xfrm>
+            <a:off x="3744566" y="22928697"/>
+            <a:ext cx="651524" cy="546136"/>
+            <a:chOff x="3399348" y="807051"/>
+            <a:chExt cx="651524" cy="762160"/>
+          </a:xfrm>
+        </p:grpSpPr>
+        <p:sp>
+          <p:nvSpPr>
+            <p:cNvPr id="88" name="Flèche vers la droite 87"/>
+            <p:cNvSpPr/>
+            <p:nvPr/>
+          </p:nvSpPr>
+          <p:spPr>
+            <a:xfrm>
+              <a:off x="3399348" y="807051"/>
+              <a:ext cx="651524" cy="762160"/>
+            </a:xfrm>
+            <a:prstGeom prst="rightArrow">
+              <a:avLst>
+                <a:gd name="adj1" fmla="val 60000"/>
+                <a:gd name="adj2" fmla="val 50000"/>
+              </a:avLst>
+            </a:prstGeom>
+            <a:solidFill>
+              <a:schemeClr val="tx1"/>
+            </a:solidFill>
+          </p:spPr>
+          <p:style>
+            <a:lnRef idx="0">
+              <a:schemeClr val="accent1">
+                <a:tint val="60000"/>
+                <a:hueOff val="0"/>
+                <a:satOff val="0"/>
+                <a:lumOff val="0"/>
+                <a:alphaOff val="0"/>
+              </a:schemeClr>
+            </a:lnRef>
+            <a:fillRef idx="1">
+              <a:scrgbClr r="0" g="0" b="0"/>
+            </a:fillRef>
+            <a:effectRef idx="0">
+              <a:schemeClr val="accent1">
+                <a:tint val="60000"/>
+                <a:hueOff val="0"/>
+                <a:satOff val="0"/>
+                <a:lumOff val="0"/>
+                <a:alphaOff val="0"/>
+              </a:schemeClr>
+            </a:effectRef>
+            <a:fontRef idx="minor">
+              <a:schemeClr val="lt1"/>
+            </a:fontRef>
+          </p:style>
+        </p:sp>
+        <p:sp>
+          <p:nvSpPr>
+            <p:cNvPr id="89" name="Flèche vers la droite 4"/>
+            <p:cNvSpPr/>
+            <p:nvPr/>
+          </p:nvSpPr>
+          <p:spPr>
+            <a:xfrm>
+              <a:off x="3399348" y="959483"/>
+              <a:ext cx="456067" cy="457296"/>
+            </a:xfrm>
+            <a:prstGeom prst="rect">
+              <a:avLst/>
+            </a:prstGeom>
+          </p:spPr>
+          <p:style>
+            <a:lnRef idx="0">
+              <a:scrgbClr r="0" g="0" b="0"/>
+            </a:lnRef>
+            <a:fillRef idx="0">
+              <a:scrgbClr r="0" g="0" b="0"/>
+            </a:fillRef>
+            <a:effectRef idx="0">
+              <a:scrgbClr r="0" g="0" b="0"/>
+            </a:effectRef>
+            <a:fontRef idx="minor">
+              <a:schemeClr val="lt1"/>
+            </a:fontRef>
+          </p:style>
+          <p:txBody>
+            <a:bodyPr spcFirstLastPara="0" vert="horz" wrap="square" lIns="0" tIns="0" rIns="0" bIns="0" numCol="1" spcCol="1270" anchor="ctr" anchorCtr="0">
+              <a:noAutofit/>
+            </a:bodyPr>
+            <a:lstStyle/>
+            <a:p>
+              <a:pPr lvl="0" algn="ctr" defTabSz="1422400">
+                <a:lnSpc>
+                  <a:spcPct val="90000"/>
+                </a:lnSpc>
+                <a:spcBef>
+                  <a:spcPct val="0"/>
+                </a:spcBef>
+                <a:spcAft>
+                  <a:spcPct val="35000"/>
+                </a:spcAft>
+              </a:pPr>
+              <a:endParaRPr lang="fr-FR" sz="3200" kern="1200"/>
+            </a:p>
+          </p:txBody>
+        </p:sp>
+      </p:grpSp>
+      <p:pic>
+        <p:nvPicPr>
+          <p:cNvPr id="91" name="Image 90"/>
+          <p:cNvPicPr>
+            <a:picLocks noChangeAspect="1"/>
+          </p:cNvPicPr>
+          <p:nvPr/>
+        </p:nvPicPr>
+        <p:blipFill rotWithShape="1">
+          <a:blip r:embed="rId25"/>
+          <a:srcRect t="5238"/>
+          <a:stretch/>
+        </p:blipFill>
+        <p:spPr>
+          <a:xfrm>
+            <a:off x="4752678" y="22394713"/>
+            <a:ext cx="1514289" cy="1213298"/>
+          </a:xfrm>
+          <a:prstGeom prst="rect">
+            <a:avLst/>
+          </a:prstGeom>
+        </p:spPr>
+      </p:pic>
+      <p:grpSp>
+        <p:nvGrpSpPr>
+          <p:cNvPr id="92" name="Grouper 91"/>
+          <p:cNvGrpSpPr/>
+          <p:nvPr/>
+        </p:nvGrpSpPr>
+        <p:grpSpPr>
+          <a:xfrm>
+            <a:off x="6552878" y="22898769"/>
+            <a:ext cx="651524" cy="546136"/>
+            <a:chOff x="3399348" y="807051"/>
+            <a:chExt cx="651524" cy="762160"/>
+          </a:xfrm>
+        </p:grpSpPr>
+        <p:sp>
+          <p:nvSpPr>
+            <p:cNvPr id="93" name="Flèche vers la droite 92"/>
+            <p:cNvSpPr/>
+            <p:nvPr/>
+          </p:nvSpPr>
+          <p:spPr>
+            <a:xfrm>
+              <a:off x="3399348" y="807051"/>
+              <a:ext cx="651524" cy="762160"/>
+            </a:xfrm>
+            <a:prstGeom prst="rightArrow">
+              <a:avLst>
+                <a:gd name="adj1" fmla="val 60000"/>
+                <a:gd name="adj2" fmla="val 50000"/>
+              </a:avLst>
+            </a:prstGeom>
+            <a:solidFill>
+              <a:schemeClr val="tx1"/>
+            </a:solidFill>
+          </p:spPr>
+          <p:style>
+            <a:lnRef idx="0">
+              <a:schemeClr val="accent1">
+                <a:tint val="60000"/>
+                <a:hueOff val="0"/>
+                <a:satOff val="0"/>
+                <a:lumOff val="0"/>
+                <a:alphaOff val="0"/>
+              </a:schemeClr>
+            </a:lnRef>
+            <a:fillRef idx="1">
+              <a:scrgbClr r="0" g="0" b="0"/>
+            </a:fillRef>
+            <a:effectRef idx="0">
+              <a:schemeClr val="accent1">
+                <a:tint val="60000"/>
+                <a:hueOff val="0"/>
+                <a:satOff val="0"/>
+                <a:lumOff val="0"/>
+                <a:alphaOff val="0"/>
+              </a:schemeClr>
+            </a:effectRef>
+            <a:fontRef idx="minor">
+              <a:schemeClr val="lt1"/>
+            </a:fontRef>
+          </p:style>
+        </p:sp>
+        <p:sp>
+          <p:nvSpPr>
+            <p:cNvPr id="94" name="Flèche vers la droite 4"/>
+            <p:cNvSpPr/>
+            <p:nvPr/>
+          </p:nvSpPr>
+          <p:spPr>
+            <a:xfrm>
+              <a:off x="3399348" y="959483"/>
+              <a:ext cx="456067" cy="457296"/>
+            </a:xfrm>
+            <a:prstGeom prst="rect">
+              <a:avLst/>
+            </a:prstGeom>
+          </p:spPr>
+          <p:style>
+            <a:lnRef idx="0">
+              <a:scrgbClr r="0" g="0" b="0"/>
+            </a:lnRef>
+            <a:fillRef idx="0">
+              <a:scrgbClr r="0" g="0" b="0"/>
+            </a:fillRef>
+            <a:effectRef idx="0">
+              <a:scrgbClr r="0" g="0" b="0"/>
+            </a:effectRef>
+            <a:fontRef idx="minor">
+              <a:schemeClr val="lt1"/>
+            </a:fontRef>
+          </p:style>
+          <p:txBody>
+            <a:bodyPr spcFirstLastPara="0" vert="horz" wrap="square" lIns="0" tIns="0" rIns="0" bIns="0" numCol="1" spcCol="1270" anchor="ctr" anchorCtr="0">
+              <a:noAutofit/>
+            </a:bodyPr>
+            <a:lstStyle/>
+            <a:p>
+              <a:pPr lvl="0" algn="ctr" defTabSz="1422400">
+                <a:lnSpc>
+                  <a:spcPct val="90000"/>
+                </a:lnSpc>
+                <a:spcBef>
+                  <a:spcPct val="0"/>
+                </a:spcBef>
+                <a:spcAft>
+                  <a:spcPct val="35000"/>
+                </a:spcAft>
+              </a:pPr>
+              <a:endParaRPr lang="fr-FR" sz="3200" kern="1200"/>
+            </a:p>
+          </p:txBody>
+        </p:sp>
+      </p:grpSp>
+      <p:sp>
+        <p:nvSpPr>
+          <p:cNvPr id="96" name="Rectangle à coins arrondis 95"/>
+          <p:cNvSpPr/>
+          <p:nvPr/>
+        </p:nvSpPr>
+        <p:spPr>
+          <a:xfrm>
+            <a:off x="7416974" y="22538729"/>
+            <a:ext cx="3456384" cy="1008112"/>
+          </a:xfrm>
+          <a:prstGeom prst="roundRect">
+            <a:avLst/>
+          </a:prstGeom>
+          <a:solidFill>
+            <a:schemeClr val="accent4">
+              <a:lumMod val="20000"/>
+              <a:lumOff val="80000"/>
+              <a:alpha val="88000"/>
+            </a:schemeClr>
+          </a:solidFill>
+          <a:ln>
+            <a:solidFill>
+              <a:schemeClr val="bg1"/>
+            </a:solidFill>
+          </a:ln>
+        </p:spPr>
+        <p:style>
+          <a:lnRef idx="2">
+            <a:schemeClr val="accent6"/>
+          </a:lnRef>
+          <a:fillRef idx="1">
+            <a:schemeClr val="lt1"/>
+          </a:fillRef>
+          <a:effectRef idx="0">
+            <a:schemeClr val="accent6"/>
+          </a:effectRef>
+          <a:fontRef idx="minor">
+            <a:schemeClr val="dk1"/>
+          </a:fontRef>
+        </p:style>
+        <p:txBody>
+          <a:bodyPr rtlCol="0" anchor="ctr"/>
+          <a:lstStyle/>
+          <a:p>
+            <a:pPr algn="ctr"/>
+            <a:endParaRPr lang="fr-FR">
+              <a:noFill/>
+            </a:endParaRPr>
+          </a:p>
+        </p:txBody>
+      </p:sp>
+      <p:sp>
+        <p:nvSpPr>
+          <p:cNvPr id="95" name="ZoneTexte 94"/>
+          <p:cNvSpPr txBox="1"/>
+          <p:nvPr/>
+        </p:nvSpPr>
+        <p:spPr>
+          <a:xfrm>
+            <a:off x="7560990" y="22538729"/>
+            <a:ext cx="3240360" cy="954107"/>
+          </a:xfrm>
+          <a:prstGeom prst="rect">
+            <a:avLst/>
+          </a:prstGeom>
+          <a:noFill/>
+        </p:spPr>
+        <p:txBody>
+          <a:bodyPr wrap="square" rtlCol="0">
+            <a:spAutoFit/>
+          </a:bodyPr>
+          <a:lstStyle/>
+          <a:p>
+            <a:pPr algn="ctr"/>
+            <a:r>
+              <a:rPr lang="fr-FR" sz="2800" dirty="0" smtClean="0"/>
+              <a:t>Détection de motifs périodiques  </a:t>
+            </a:r>
+            <a:endParaRPr lang="fr-FR" sz="2800" dirty="0"/>
+          </a:p>
+        </p:txBody>
+      </p:sp>
+      <p:sp>
+        <p:nvSpPr>
+          <p:cNvPr id="102" name="ZoneTexte 101"/>
+          <p:cNvSpPr txBox="1"/>
+          <p:nvPr/>
+        </p:nvSpPr>
+        <p:spPr>
+          <a:xfrm>
+            <a:off x="720230" y="21458609"/>
+            <a:ext cx="6696744" cy="461665"/>
+          </a:xfrm>
+          <a:prstGeom prst="rect">
+            <a:avLst/>
+          </a:prstGeom>
+          <a:noFill/>
+        </p:spPr>
+        <p:txBody>
+          <a:bodyPr wrap="square" rtlCol="0">
+            <a:spAutoFit/>
+          </a:bodyPr>
+          <a:lstStyle/>
+          <a:p>
+            <a:pPr lvl="0"/>
+            <a:r>
+              <a:rPr lang="fr-CA" sz="2400" b="1" dirty="0">
+                <a:solidFill>
+                  <a:prstClr val="black"/>
+                </a:solidFill>
+                <a:latin typeface="Arial" panose="020B0604020202020204" pitchFamily="34" charset="0"/>
+                <a:cs typeface="Arial" panose="020B0604020202020204" pitchFamily="34" charset="0"/>
+              </a:rPr>
+              <a:t>5  - Test à Transformée de Fourier Discrète </a:t>
+            </a:r>
+          </a:p>
+        </p:txBody>
+      </p:sp>
+      <p:sp>
+        <p:nvSpPr>
+          <p:cNvPr id="103" name="ZoneTexte 102"/>
+          <p:cNvSpPr txBox="1"/>
+          <p:nvPr/>
+        </p:nvSpPr>
+        <p:spPr>
+          <a:xfrm>
+            <a:off x="792238" y="24266921"/>
+            <a:ext cx="9793088" cy="461665"/>
+          </a:xfrm>
+          <a:prstGeom prst="rect">
+            <a:avLst/>
+          </a:prstGeom>
+          <a:noFill/>
+        </p:spPr>
+        <p:txBody>
+          <a:bodyPr wrap="square" rtlCol="0">
+            <a:spAutoFit/>
+          </a:bodyPr>
+          <a:lstStyle/>
+          <a:p>
+            <a:pPr lvl="0"/>
+            <a:r>
+              <a:rPr lang="fr-CA" sz="2400" b="1" dirty="0">
+                <a:solidFill>
+                  <a:prstClr val="black"/>
+                </a:solidFill>
+                <a:latin typeface="Arial" panose="020B0604020202020204" pitchFamily="34" charset="0"/>
+                <a:cs typeface="Arial" panose="020B0604020202020204" pitchFamily="34" charset="0"/>
+              </a:rPr>
+              <a:t>7 </a:t>
+            </a:r>
+            <a:r>
+              <a:rPr lang="fr-FR" sz="2400" b="1" dirty="0">
+                <a:solidFill>
+                  <a:prstClr val="black"/>
+                </a:solidFill>
+                <a:latin typeface="Arial" panose="020B0604020202020204" pitchFamily="34" charset="0"/>
+                <a:cs typeface="Arial" panose="020B0604020202020204" pitchFamily="34" charset="0"/>
+              </a:rPr>
+              <a:t>–</a:t>
+            </a:r>
+            <a:r>
+              <a:rPr lang="fr-CA" sz="2400" b="1" dirty="0">
+                <a:solidFill>
+                  <a:prstClr val="black"/>
+                </a:solidFill>
+                <a:latin typeface="Arial" panose="020B0604020202020204" pitchFamily="34" charset="0"/>
+                <a:cs typeface="Arial" panose="020B0604020202020204" pitchFamily="34" charset="0"/>
+              </a:rPr>
+              <a:t>Test de détection de motifs redondants sans </a:t>
+            </a:r>
+            <a:r>
+              <a:rPr lang="fr-CA" sz="2400" b="1" dirty="0" smtClean="0">
+                <a:solidFill>
+                  <a:prstClr val="black"/>
+                </a:solidFill>
+                <a:latin typeface="Arial" panose="020B0604020202020204" pitchFamily="34" charset="0"/>
+                <a:cs typeface="Arial" panose="020B0604020202020204" pitchFamily="34" charset="0"/>
+              </a:rPr>
+              <a:t>chevauchement</a:t>
+            </a:r>
+            <a:endParaRPr lang="fr-CA" sz="2400" b="1" dirty="0">
+              <a:solidFill>
+                <a:prstClr val="black"/>
+              </a:solidFill>
+              <a:latin typeface="Arial" panose="020B0604020202020204" pitchFamily="34" charset="0"/>
+              <a:cs typeface="Arial" panose="020B0604020202020204" pitchFamily="34" charset="0"/>
+            </a:endParaRPr>
+          </a:p>
+        </p:txBody>
+      </p:sp>
+      <p:sp>
+        <p:nvSpPr>
+          <p:cNvPr id="104" name="ZoneTexte 103"/>
+          <p:cNvSpPr txBox="1"/>
+          <p:nvPr/>
+        </p:nvSpPr>
+        <p:spPr>
+          <a:xfrm>
+            <a:off x="720230" y="19370377"/>
+            <a:ext cx="5256584" cy="461665"/>
+          </a:xfrm>
+          <a:prstGeom prst="rect">
+            <a:avLst/>
+          </a:prstGeom>
+          <a:noFill/>
+        </p:spPr>
+        <p:txBody>
+          <a:bodyPr wrap="square" rtlCol="0">
+            <a:spAutoFit/>
+          </a:bodyPr>
+          <a:lstStyle/>
+          <a:p>
+            <a:pPr lvl="0">
+              <a:defRPr/>
+            </a:pPr>
+            <a:r>
+              <a:rPr lang="fr-CA" sz="2400" b="1" dirty="0" smtClean="0">
+                <a:solidFill>
+                  <a:prstClr val="black"/>
+                </a:solidFill>
+                <a:latin typeface="Arial" panose="020B0604020202020204" pitchFamily="34" charset="0"/>
+                <a:cs typeface="Arial" panose="020B0604020202020204" pitchFamily="34" charset="0"/>
+              </a:rPr>
+              <a:t>2 </a:t>
+            </a:r>
+            <a:r>
+              <a:rPr lang="fr-FR" sz="2400" b="1" dirty="0">
+                <a:solidFill>
+                  <a:prstClr val="black"/>
+                </a:solidFill>
+                <a:latin typeface="Arial" panose="020B0604020202020204" pitchFamily="34" charset="0"/>
+                <a:cs typeface="Arial" panose="020B0604020202020204" pitchFamily="34" charset="0"/>
+              </a:rPr>
+              <a:t>–</a:t>
+            </a:r>
+            <a:r>
+              <a:rPr lang="fr-CA" sz="2400" b="1" dirty="0">
+                <a:solidFill>
+                  <a:prstClr val="black"/>
+                </a:solidFill>
+                <a:latin typeface="Arial" panose="020B0604020202020204" pitchFamily="34" charset="0"/>
+                <a:cs typeface="Arial" panose="020B0604020202020204" pitchFamily="34" charset="0"/>
+              </a:rPr>
+              <a:t> Test de Fréquence par </a:t>
+            </a:r>
+            <a:r>
+              <a:rPr lang="fr-CA" sz="2400" b="1" dirty="0" smtClean="0">
+                <a:solidFill>
+                  <a:prstClr val="black"/>
+                </a:solidFill>
+                <a:latin typeface="Arial" panose="020B0604020202020204" pitchFamily="34" charset="0"/>
+                <a:cs typeface="Arial" panose="020B0604020202020204" pitchFamily="34" charset="0"/>
+              </a:rPr>
+              <a:t>bloc</a:t>
+            </a:r>
+            <a:endParaRPr lang="fr-CA" sz="2400" b="1" dirty="0">
+              <a:solidFill>
+                <a:prstClr val="black"/>
+              </a:solidFill>
+              <a:latin typeface="Arial" panose="020B0604020202020204" pitchFamily="34" charset="0"/>
+              <a:cs typeface="Arial" panose="020B0604020202020204" pitchFamily="34" charset="0"/>
+            </a:endParaRPr>
+          </a:p>
+        </p:txBody>
+      </p:sp>
+      <p:sp>
+        <p:nvSpPr>
+          <p:cNvPr id="105" name="ZoneTexte 104"/>
+          <p:cNvSpPr txBox="1"/>
+          <p:nvPr/>
+        </p:nvSpPr>
+        <p:spPr>
+          <a:xfrm>
+            <a:off x="864246" y="17684576"/>
+            <a:ext cx="3528392" cy="461665"/>
+          </a:xfrm>
+          <a:prstGeom prst="rect">
+            <a:avLst/>
+          </a:prstGeom>
+          <a:noFill/>
+        </p:spPr>
+        <p:txBody>
+          <a:bodyPr wrap="square" rtlCol="0">
+            <a:spAutoFit/>
+          </a:bodyPr>
+          <a:lstStyle/>
+          <a:p>
+            <a:pPr lvl="0">
+              <a:defRPr/>
+            </a:pPr>
+            <a:r>
+              <a:rPr lang="fr-CA" sz="2400" b="1" dirty="0">
+                <a:solidFill>
+                  <a:prstClr val="black"/>
+                </a:solidFill>
+                <a:latin typeface="Arial" panose="020B0604020202020204" pitchFamily="34" charset="0"/>
+                <a:cs typeface="Arial" panose="020B0604020202020204" pitchFamily="34" charset="0"/>
+              </a:rPr>
+              <a:t>1</a:t>
+            </a:r>
+            <a:r>
+              <a:rPr lang="fr-CA" sz="2400" b="1" dirty="0" smtClean="0">
+                <a:solidFill>
+                  <a:prstClr val="black"/>
+                </a:solidFill>
+                <a:latin typeface="Arial" panose="020B0604020202020204" pitchFamily="34" charset="0"/>
+                <a:cs typeface="Arial" panose="020B0604020202020204" pitchFamily="34" charset="0"/>
+              </a:rPr>
+              <a:t> </a:t>
+            </a:r>
+            <a:r>
+              <a:rPr lang="fr-FR" sz="2400" b="1" dirty="0">
+                <a:solidFill>
+                  <a:prstClr val="black"/>
+                </a:solidFill>
+                <a:latin typeface="Arial" panose="020B0604020202020204" pitchFamily="34" charset="0"/>
+                <a:cs typeface="Arial" panose="020B0604020202020204" pitchFamily="34" charset="0"/>
+              </a:rPr>
+              <a:t>–</a:t>
+            </a:r>
+            <a:r>
+              <a:rPr lang="fr-CA" sz="2400" b="1" dirty="0">
+                <a:solidFill>
+                  <a:prstClr val="black"/>
+                </a:solidFill>
+                <a:latin typeface="Arial" panose="020B0604020202020204" pitchFamily="34" charset="0"/>
+                <a:cs typeface="Arial" panose="020B0604020202020204" pitchFamily="34" charset="0"/>
+              </a:rPr>
+              <a:t> Test de </a:t>
+            </a:r>
+            <a:r>
+              <a:rPr lang="fr-CA" sz="2400" b="1" dirty="0" smtClean="0">
+                <a:solidFill>
+                  <a:prstClr val="black"/>
+                </a:solidFill>
+                <a:latin typeface="Arial" panose="020B0604020202020204" pitchFamily="34" charset="0"/>
+                <a:cs typeface="Arial" panose="020B0604020202020204" pitchFamily="34" charset="0"/>
+              </a:rPr>
+              <a:t>Fréquence</a:t>
+            </a:r>
+            <a:endParaRPr lang="fr-CA" sz="2400" b="1" dirty="0">
+              <a:solidFill>
+                <a:prstClr val="black"/>
+              </a:solidFill>
+              <a:latin typeface="Arial" panose="020B0604020202020204" pitchFamily="34" charset="0"/>
+              <a:cs typeface="Arial" panose="020B0604020202020204" pitchFamily="34" charset="0"/>
+            </a:endParaRPr>
+          </a:p>
+        </p:txBody>
+      </p:sp>
+      <p:sp>
+        <p:nvSpPr>
+          <p:cNvPr id="107" name="ZoneTexte 106"/>
+          <p:cNvSpPr txBox="1"/>
+          <p:nvPr/>
+        </p:nvSpPr>
+        <p:spPr>
+          <a:xfrm>
+            <a:off x="864246" y="27909712"/>
+            <a:ext cx="5472608" cy="461665"/>
+          </a:xfrm>
+          <a:prstGeom prst="rect">
+            <a:avLst/>
+          </a:prstGeom>
+          <a:noFill/>
+        </p:spPr>
+        <p:txBody>
+          <a:bodyPr wrap="square" rtlCol="0">
+            <a:spAutoFit/>
+          </a:bodyPr>
+          <a:lstStyle/>
+          <a:p>
+            <a:pPr lvl="0"/>
+            <a:r>
+              <a:rPr lang="fr-CA" sz="2400" b="1" dirty="0">
+                <a:solidFill>
+                  <a:prstClr val="black"/>
+                </a:solidFill>
+                <a:latin typeface="Arial" panose="020B0604020202020204" pitchFamily="34" charset="0"/>
+                <a:cs typeface="Arial" panose="020B0604020202020204" pitchFamily="34" charset="0"/>
+              </a:rPr>
+              <a:t>10 </a:t>
+            </a:r>
+            <a:r>
+              <a:rPr lang="fr-FR" sz="2400" b="1" dirty="0">
+                <a:solidFill>
+                  <a:prstClr val="black"/>
+                </a:solidFill>
+                <a:latin typeface="Arial" panose="020B0604020202020204" pitchFamily="34" charset="0"/>
+                <a:cs typeface="Arial" panose="020B0604020202020204" pitchFamily="34" charset="0"/>
+              </a:rPr>
+              <a:t>–</a:t>
+            </a:r>
+            <a:r>
+              <a:rPr lang="fr-CA" sz="2400" b="1" dirty="0">
+                <a:solidFill>
+                  <a:prstClr val="black"/>
+                </a:solidFill>
+                <a:latin typeface="Arial" panose="020B0604020202020204" pitchFamily="34" charset="0"/>
+                <a:cs typeface="Arial" panose="020B0604020202020204" pitchFamily="34" charset="0"/>
+              </a:rPr>
+              <a:t> Test de Complexité Linéaire </a:t>
+            </a:r>
+          </a:p>
+        </p:txBody>
+      </p:sp>
+      <p:sp>
+        <p:nvSpPr>
+          <p:cNvPr id="110" name="Rectangle à coins arrondis 109"/>
+          <p:cNvSpPr/>
+          <p:nvPr/>
+        </p:nvSpPr>
+        <p:spPr>
+          <a:xfrm>
+            <a:off x="1008262" y="24842985"/>
+            <a:ext cx="2664296" cy="648072"/>
+          </a:xfrm>
+          <a:prstGeom prst="roundRect">
+            <a:avLst>
+              <a:gd name="adj" fmla="val 6888"/>
+            </a:avLst>
+          </a:prstGeom>
+          <a:solidFill>
+            <a:schemeClr val="accent4">
+              <a:lumMod val="20000"/>
+              <a:lumOff val="80000"/>
+              <a:alpha val="88000"/>
+            </a:schemeClr>
+          </a:solidFill>
+          <a:ln>
+            <a:solidFill>
+              <a:schemeClr val="bg1"/>
+            </a:solidFill>
+          </a:ln>
+        </p:spPr>
+        <p:style>
+          <a:lnRef idx="2">
+            <a:schemeClr val="accent6"/>
+          </a:lnRef>
+          <a:fillRef idx="1">
+            <a:schemeClr val="lt1"/>
+          </a:fillRef>
+          <a:effectRef idx="0">
+            <a:schemeClr val="accent6"/>
+          </a:effectRef>
+          <a:fontRef idx="minor">
+            <a:schemeClr val="dk1"/>
+          </a:fontRef>
+        </p:style>
+        <p:txBody>
+          <a:bodyPr rtlCol="0" anchor="ctr"/>
+          <a:lstStyle/>
+          <a:p>
+            <a:pPr algn="ctr"/>
+            <a:endParaRPr lang="fr-FR">
+              <a:noFill/>
+            </a:endParaRPr>
+          </a:p>
+        </p:txBody>
+      </p:sp>
+      <p:sp>
+        <p:nvSpPr>
+          <p:cNvPr id="108" name="ZoneTexte 107"/>
+          <p:cNvSpPr txBox="1"/>
+          <p:nvPr/>
+        </p:nvSpPr>
+        <p:spPr>
+          <a:xfrm>
+            <a:off x="1152278" y="24842985"/>
+            <a:ext cx="2376264" cy="646331"/>
+          </a:xfrm>
+          <a:prstGeom prst="rect">
+            <a:avLst/>
+          </a:prstGeom>
+          <a:noFill/>
+        </p:spPr>
+        <p:txBody>
+          <a:bodyPr wrap="square" rtlCol="0">
+            <a:spAutoFit/>
+          </a:bodyPr>
+          <a:lstStyle/>
+          <a:p>
+            <a:r>
+              <a:rPr lang="fr-FR" sz="3600" b="1" dirty="0" smtClean="0">
+                <a:solidFill>
+                  <a:srgbClr val="0000FF"/>
+                </a:solidFill>
+              </a:rPr>
+              <a:t>1</a:t>
+            </a:r>
+            <a:r>
+              <a:rPr lang="fr-FR" sz="3600" dirty="0" smtClean="0"/>
+              <a:t>00</a:t>
+            </a:r>
+            <a:r>
+              <a:rPr lang="fr-FR" sz="3600" b="1" dirty="0" smtClean="0">
+                <a:solidFill>
+                  <a:srgbClr val="0000FF"/>
+                </a:solidFill>
+              </a:rPr>
+              <a:t>1</a:t>
+            </a:r>
+            <a:r>
+              <a:rPr lang="fr-FR" sz="3600" dirty="0" smtClean="0"/>
+              <a:t>0</a:t>
+            </a:r>
+            <a:r>
+              <a:rPr lang="fr-FR" sz="3600" b="1" dirty="0" smtClean="0">
+                <a:solidFill>
+                  <a:srgbClr val="0000FF"/>
+                </a:solidFill>
+              </a:rPr>
+              <a:t>1</a:t>
+            </a:r>
+            <a:r>
+              <a:rPr lang="fr-FR" sz="3600" dirty="0" smtClean="0"/>
+              <a:t>0</a:t>
+            </a:r>
+            <a:r>
+              <a:rPr lang="fr-FR" sz="3600" b="1" dirty="0" smtClean="0">
+                <a:solidFill>
+                  <a:srgbClr val="0000FF"/>
+                </a:solidFill>
+              </a:rPr>
+              <a:t>1</a:t>
+            </a:r>
+            <a:r>
+              <a:rPr lang="fr-FR" sz="3600" dirty="0" smtClean="0"/>
+              <a:t>0</a:t>
+            </a:r>
+            <a:endParaRPr lang="fr-FR" sz="3600" dirty="0"/>
+          </a:p>
+        </p:txBody>
+      </p:sp>
+      <p:sp>
+        <p:nvSpPr>
+          <p:cNvPr id="111" name="Rectangle 110"/>
+          <p:cNvSpPr/>
+          <p:nvPr/>
+        </p:nvSpPr>
+        <p:spPr>
+          <a:xfrm>
+            <a:off x="1440310" y="24987001"/>
+            <a:ext cx="720080" cy="432048"/>
+          </a:xfrm>
+          <a:prstGeom prst="rect">
+            <a:avLst/>
+          </a:prstGeom>
+          <a:noFill/>
+          <a:ln>
+            <a:solidFill>
+              <a:srgbClr val="FF0000"/>
+            </a:solidFill>
+          </a:ln>
+        </p:spPr>
+        <p:style>
+          <a:lnRef idx="1">
+            <a:schemeClr val="accent1"/>
+          </a:lnRef>
+          <a:fillRef idx="3">
+            <a:schemeClr val="accent1"/>
+          </a:fillRef>
+          <a:effectRef idx="2">
+            <a:schemeClr val="accent1"/>
+          </a:effectRef>
+          <a:fontRef idx="minor">
+            <a:schemeClr val="lt1"/>
+          </a:fontRef>
+        </p:style>
+        <p:txBody>
+          <a:bodyPr/>
+          <a:lstStyle/>
+          <a:p>
+            <a:endParaRPr lang="fr-FR">
+              <a:ln>
+                <a:solidFill>
+                  <a:srgbClr val="FF0000"/>
+                </a:solidFill>
+              </a:ln>
+              <a:solidFill>
+                <a:srgbClr val="FF0000"/>
+              </a:solidFill>
+            </a:endParaRPr>
+          </a:p>
+        </p:txBody>
+      </p:sp>
+      <p:sp>
+        <p:nvSpPr>
+          <p:cNvPr id="113" name="ZoneTexte 112"/>
+          <p:cNvSpPr txBox="1"/>
+          <p:nvPr/>
+        </p:nvSpPr>
+        <p:spPr>
+          <a:xfrm>
+            <a:off x="1152278" y="25419049"/>
+            <a:ext cx="2232248" cy="646331"/>
+          </a:xfrm>
+          <a:prstGeom prst="rect">
+            <a:avLst/>
+          </a:prstGeom>
+          <a:noFill/>
+        </p:spPr>
+        <p:txBody>
+          <a:bodyPr wrap="square" rtlCol="0">
+            <a:spAutoFit/>
+          </a:bodyPr>
+          <a:lstStyle/>
+          <a:p>
+            <a:r>
+              <a:rPr lang="fr-FR" sz="3600" dirty="0"/>
+              <a:t>m</a:t>
+            </a:r>
+            <a:r>
+              <a:rPr lang="fr-FR" sz="3600" dirty="0" smtClean="0"/>
+              <a:t>otif</a:t>
+            </a:r>
+            <a:r>
+              <a:rPr lang="fr-FR" sz="3600" b="1" dirty="0" smtClean="0">
+                <a:solidFill>
+                  <a:srgbClr val="0000FF"/>
+                </a:solidFill>
+              </a:rPr>
+              <a:t>: 11</a:t>
+            </a:r>
+            <a:r>
+              <a:rPr lang="fr-FR" sz="3600" dirty="0" smtClean="0"/>
+              <a:t>0</a:t>
+            </a:r>
+            <a:endParaRPr lang="fr-FR" sz="3600" dirty="0"/>
+          </a:p>
+        </p:txBody>
+      </p:sp>
+      <p:grpSp>
+        <p:nvGrpSpPr>
+          <p:cNvPr id="114" name="Grouper 113"/>
+          <p:cNvGrpSpPr/>
+          <p:nvPr/>
+        </p:nvGrpSpPr>
+        <p:grpSpPr>
+          <a:xfrm>
+            <a:off x="3957138" y="25203025"/>
+            <a:ext cx="651524" cy="546136"/>
+            <a:chOff x="3399348" y="807051"/>
+            <a:chExt cx="651524" cy="762160"/>
+          </a:xfrm>
+        </p:grpSpPr>
+        <p:sp>
+          <p:nvSpPr>
+            <p:cNvPr id="115" name="Flèche vers la droite 114"/>
+            <p:cNvSpPr/>
+            <p:nvPr/>
+          </p:nvSpPr>
+          <p:spPr>
+            <a:xfrm>
+              <a:off x="3399348" y="807051"/>
+              <a:ext cx="651524" cy="762160"/>
+            </a:xfrm>
+            <a:prstGeom prst="rightArrow">
+              <a:avLst>
+                <a:gd name="adj1" fmla="val 60000"/>
+                <a:gd name="adj2" fmla="val 50000"/>
+              </a:avLst>
+            </a:prstGeom>
+            <a:solidFill>
+              <a:schemeClr val="tx1"/>
+            </a:solidFill>
+          </p:spPr>
+          <p:style>
+            <a:lnRef idx="0">
+              <a:schemeClr val="accent1">
+                <a:tint val="60000"/>
+                <a:hueOff val="0"/>
+                <a:satOff val="0"/>
+                <a:lumOff val="0"/>
+                <a:alphaOff val="0"/>
+              </a:schemeClr>
+            </a:lnRef>
+            <a:fillRef idx="1">
+              <a:scrgbClr r="0" g="0" b="0"/>
+            </a:fillRef>
+            <a:effectRef idx="0">
+              <a:schemeClr val="accent1">
+                <a:tint val="60000"/>
+                <a:hueOff val="0"/>
+                <a:satOff val="0"/>
+                <a:lumOff val="0"/>
+                <a:alphaOff val="0"/>
+              </a:schemeClr>
+            </a:effectRef>
+            <a:fontRef idx="minor">
+              <a:schemeClr val="lt1"/>
+            </a:fontRef>
+          </p:style>
+        </p:sp>
+        <p:sp>
+          <p:nvSpPr>
+            <p:cNvPr id="116" name="Flèche vers la droite 4"/>
+            <p:cNvSpPr/>
+            <p:nvPr/>
+          </p:nvSpPr>
+          <p:spPr>
+            <a:xfrm>
+              <a:off x="3399348" y="959483"/>
+              <a:ext cx="456067" cy="457296"/>
+            </a:xfrm>
+            <a:prstGeom prst="rect">
+              <a:avLst/>
+            </a:prstGeom>
+          </p:spPr>
+          <p:style>
+            <a:lnRef idx="0">
+              <a:scrgbClr r="0" g="0" b="0"/>
+            </a:lnRef>
+            <a:fillRef idx="0">
+              <a:scrgbClr r="0" g="0" b="0"/>
+            </a:fillRef>
+            <a:effectRef idx="0">
+              <a:scrgbClr r="0" g="0" b="0"/>
+            </a:effectRef>
+            <a:fontRef idx="minor">
+              <a:schemeClr val="lt1"/>
+            </a:fontRef>
+          </p:style>
+          <p:txBody>
+            <a:bodyPr spcFirstLastPara="0" vert="horz" wrap="square" lIns="0" tIns="0" rIns="0" bIns="0" numCol="1" spcCol="1270" anchor="ctr" anchorCtr="0">
+              <a:noAutofit/>
+            </a:bodyPr>
+            <a:lstStyle/>
+            <a:p>
+              <a:pPr lvl="0" algn="ctr" defTabSz="1422400">
+                <a:lnSpc>
+                  <a:spcPct val="90000"/>
+                </a:lnSpc>
+                <a:spcBef>
+                  <a:spcPct val="0"/>
+                </a:spcBef>
+                <a:spcAft>
+                  <a:spcPct val="35000"/>
+                </a:spcAft>
+              </a:pPr>
+              <a:endParaRPr lang="fr-FR" sz="3200" kern="1200"/>
+            </a:p>
+          </p:txBody>
+        </p:sp>
+      </p:grpSp>
+      <p:sp>
+        <p:nvSpPr>
+          <p:cNvPr id="117" name="Rectangle à coins arrondis 116"/>
+          <p:cNvSpPr/>
+          <p:nvPr/>
+        </p:nvSpPr>
+        <p:spPr>
+          <a:xfrm>
+            <a:off x="4752678" y="24914993"/>
+            <a:ext cx="2304256" cy="1008112"/>
+          </a:xfrm>
+          <a:prstGeom prst="roundRect">
+            <a:avLst/>
+          </a:prstGeom>
+          <a:solidFill>
+            <a:schemeClr val="accent4">
+              <a:lumMod val="20000"/>
+              <a:lumOff val="80000"/>
+              <a:alpha val="88000"/>
+            </a:schemeClr>
+          </a:solidFill>
+          <a:ln>
+            <a:solidFill>
+              <a:schemeClr val="bg1"/>
+            </a:solidFill>
+          </a:ln>
+        </p:spPr>
+        <p:style>
+          <a:lnRef idx="2">
+            <a:schemeClr val="accent6"/>
+          </a:lnRef>
+          <a:fillRef idx="1">
+            <a:schemeClr val="lt1"/>
+          </a:fillRef>
+          <a:effectRef idx="0">
+            <a:schemeClr val="accent6"/>
+          </a:effectRef>
+          <a:fontRef idx="minor">
+            <a:schemeClr val="dk1"/>
+          </a:fontRef>
+        </p:style>
+        <p:txBody>
+          <a:bodyPr rtlCol="0" anchor="ctr"/>
+          <a:lstStyle/>
+          <a:p>
+            <a:pPr algn="ctr"/>
+            <a:r>
+              <a:rPr lang="fr-FR" sz="2400" dirty="0" smtClean="0"/>
+              <a:t>Comptage de la redondance</a:t>
+            </a:r>
+            <a:endParaRPr lang="fr-FR" sz="2400" dirty="0"/>
+          </a:p>
+        </p:txBody>
+      </p:sp>
+      <p:sp>
+        <p:nvSpPr>
+          <p:cNvPr id="119" name="ZoneTexte 118"/>
+          <p:cNvSpPr txBox="1"/>
+          <p:nvPr/>
+        </p:nvSpPr>
+        <p:spPr>
+          <a:xfrm>
+            <a:off x="7056934" y="24554953"/>
+            <a:ext cx="4248472" cy="1384995"/>
+          </a:xfrm>
+          <a:prstGeom prst="rect">
+            <a:avLst/>
+          </a:prstGeom>
+          <a:noFill/>
+        </p:spPr>
+        <p:txBody>
+          <a:bodyPr wrap="square" rtlCol="0">
+            <a:spAutoFit/>
+          </a:bodyPr>
+          <a:lstStyle/>
+          <a:p>
+            <a:r>
+              <a:rPr lang="fr-FR" sz="2400" dirty="0" smtClean="0">
+                <a:solidFill>
+                  <a:srgbClr val="008000"/>
+                </a:solidFill>
+              </a:rPr>
+              <a:t>Si correspondance</a:t>
+            </a:r>
+          </a:p>
+          <a:p>
+            <a:endParaRPr lang="fr-FR" sz="2400" dirty="0" smtClean="0">
+              <a:solidFill>
+                <a:srgbClr val="008000"/>
+              </a:solidFill>
+            </a:endParaRPr>
+          </a:p>
+          <a:p>
+            <a:endParaRPr lang="fr-FR" sz="1200" dirty="0">
+              <a:solidFill>
+                <a:srgbClr val="008000"/>
+              </a:solidFill>
+            </a:endParaRPr>
+          </a:p>
+          <a:p>
+            <a:r>
+              <a:rPr lang="fr-FR" sz="2400" dirty="0" smtClean="0">
+                <a:solidFill>
+                  <a:srgbClr val="FF0000"/>
+                </a:solidFill>
+              </a:rPr>
+              <a:t>Sinon</a:t>
+            </a:r>
+          </a:p>
+        </p:txBody>
+      </p:sp>
+      <p:sp>
+        <p:nvSpPr>
+          <p:cNvPr id="120" name="Rectangle à coins arrondis 119"/>
+          <p:cNvSpPr/>
+          <p:nvPr/>
+        </p:nvSpPr>
+        <p:spPr>
+          <a:xfrm>
+            <a:off x="7560990" y="25059009"/>
+            <a:ext cx="2664296" cy="576064"/>
+          </a:xfrm>
+          <a:prstGeom prst="roundRect">
+            <a:avLst>
+              <a:gd name="adj" fmla="val 6888"/>
+            </a:avLst>
+          </a:prstGeom>
+          <a:solidFill>
+            <a:schemeClr val="accent4">
+              <a:lumMod val="20000"/>
+              <a:lumOff val="80000"/>
+              <a:alpha val="88000"/>
+            </a:schemeClr>
+          </a:solidFill>
+          <a:ln>
+            <a:solidFill>
+              <a:schemeClr val="bg1"/>
+            </a:solidFill>
+          </a:ln>
+        </p:spPr>
+        <p:style>
+          <a:lnRef idx="2">
+            <a:schemeClr val="accent6"/>
+          </a:lnRef>
+          <a:fillRef idx="1">
+            <a:schemeClr val="lt1"/>
+          </a:fillRef>
+          <a:effectRef idx="0">
+            <a:schemeClr val="accent6"/>
+          </a:effectRef>
+          <a:fontRef idx="minor">
+            <a:schemeClr val="dk1"/>
+          </a:fontRef>
+        </p:style>
+        <p:txBody>
+          <a:bodyPr rtlCol="0" anchor="ctr"/>
+          <a:lstStyle/>
+          <a:p>
+            <a:pPr algn="ctr"/>
+            <a:endParaRPr lang="fr-FR">
+              <a:noFill/>
+            </a:endParaRPr>
+          </a:p>
+        </p:txBody>
+      </p:sp>
+      <p:sp>
+        <p:nvSpPr>
+          <p:cNvPr id="121" name="ZoneTexte 120"/>
+          <p:cNvSpPr txBox="1"/>
+          <p:nvPr/>
+        </p:nvSpPr>
+        <p:spPr>
+          <a:xfrm>
+            <a:off x="7632998" y="24987001"/>
+            <a:ext cx="2376264" cy="646331"/>
+          </a:xfrm>
+          <a:prstGeom prst="rect">
+            <a:avLst/>
+          </a:prstGeom>
+          <a:noFill/>
+        </p:spPr>
+        <p:txBody>
+          <a:bodyPr wrap="square" rtlCol="0">
+            <a:spAutoFit/>
+          </a:bodyPr>
+          <a:lstStyle/>
+          <a:p>
+            <a:r>
+              <a:rPr lang="fr-FR" sz="3600" b="1" dirty="0" smtClean="0">
+                <a:solidFill>
+                  <a:srgbClr val="0000FF"/>
+                </a:solidFill>
+              </a:rPr>
+              <a:t>1</a:t>
+            </a:r>
+            <a:r>
+              <a:rPr lang="fr-FR" sz="3600" dirty="0" smtClean="0"/>
+              <a:t>00</a:t>
+            </a:r>
+            <a:r>
+              <a:rPr lang="fr-FR" sz="3600" b="1" dirty="0" smtClean="0">
+                <a:solidFill>
+                  <a:srgbClr val="0000FF"/>
+                </a:solidFill>
+              </a:rPr>
+              <a:t>1</a:t>
+            </a:r>
+            <a:r>
+              <a:rPr lang="fr-FR" sz="3600" dirty="0" smtClean="0"/>
+              <a:t>0</a:t>
+            </a:r>
+            <a:r>
+              <a:rPr lang="fr-FR" sz="3600" b="1" dirty="0" smtClean="0">
+                <a:solidFill>
+                  <a:srgbClr val="0000FF"/>
+                </a:solidFill>
+              </a:rPr>
+              <a:t>1</a:t>
+            </a:r>
+            <a:r>
+              <a:rPr lang="fr-FR" sz="3600" dirty="0" smtClean="0"/>
+              <a:t>0</a:t>
+            </a:r>
+            <a:r>
+              <a:rPr lang="fr-FR" sz="3600" b="1" dirty="0" smtClean="0">
+                <a:solidFill>
+                  <a:srgbClr val="0000FF"/>
+                </a:solidFill>
+              </a:rPr>
+              <a:t>1</a:t>
+            </a:r>
+            <a:r>
+              <a:rPr lang="fr-FR" sz="3600" dirty="0" smtClean="0"/>
+              <a:t>0</a:t>
+            </a:r>
+            <a:endParaRPr lang="fr-FR" sz="3600" dirty="0"/>
+          </a:p>
+        </p:txBody>
+      </p:sp>
+      <p:sp>
+        <p:nvSpPr>
+          <p:cNvPr id="122" name="Rectangle 121"/>
+          <p:cNvSpPr/>
+          <p:nvPr/>
+        </p:nvSpPr>
+        <p:spPr>
+          <a:xfrm>
+            <a:off x="8641110" y="25131017"/>
+            <a:ext cx="720080" cy="360040"/>
+          </a:xfrm>
+          <a:prstGeom prst="rect">
+            <a:avLst/>
+          </a:prstGeom>
+          <a:noFill/>
+          <a:ln>
+            <a:solidFill>
+              <a:srgbClr val="FF0000"/>
+            </a:solidFill>
+          </a:ln>
+        </p:spPr>
+        <p:style>
+          <a:lnRef idx="1">
+            <a:schemeClr val="accent1"/>
+          </a:lnRef>
+          <a:fillRef idx="3">
+            <a:schemeClr val="accent1"/>
+          </a:fillRef>
+          <a:effectRef idx="2">
+            <a:schemeClr val="accent1"/>
+          </a:effectRef>
+          <a:fontRef idx="minor">
+            <a:schemeClr val="lt1"/>
+          </a:fontRef>
+        </p:style>
+        <p:txBody>
+          <a:bodyPr/>
+          <a:lstStyle/>
+          <a:p>
+            <a:endParaRPr lang="fr-FR">
+              <a:ln>
+                <a:solidFill>
+                  <a:srgbClr val="FF0000"/>
+                </a:solidFill>
+              </a:ln>
+              <a:solidFill>
+                <a:srgbClr val="FF0000"/>
+              </a:solidFill>
+            </a:endParaRPr>
+          </a:p>
+        </p:txBody>
+      </p:sp>
+      <p:sp>
+        <p:nvSpPr>
+          <p:cNvPr id="123" name="Rectangle à coins arrondis 122"/>
+          <p:cNvSpPr/>
+          <p:nvPr/>
+        </p:nvSpPr>
+        <p:spPr>
+          <a:xfrm>
+            <a:off x="7560990" y="25923105"/>
+            <a:ext cx="2664296" cy="504056"/>
+          </a:xfrm>
+          <a:prstGeom prst="roundRect">
+            <a:avLst>
+              <a:gd name="adj" fmla="val 6888"/>
+            </a:avLst>
+          </a:prstGeom>
+          <a:solidFill>
+            <a:schemeClr val="accent4">
+              <a:lumMod val="20000"/>
+              <a:lumOff val="80000"/>
+              <a:alpha val="88000"/>
+            </a:schemeClr>
+          </a:solidFill>
+          <a:ln>
+            <a:solidFill>
+              <a:schemeClr val="bg1"/>
+            </a:solidFill>
+          </a:ln>
+        </p:spPr>
+        <p:style>
+          <a:lnRef idx="2">
+            <a:schemeClr val="accent6"/>
+          </a:lnRef>
+          <a:fillRef idx="1">
+            <a:schemeClr val="lt1"/>
+          </a:fillRef>
+          <a:effectRef idx="0">
+            <a:schemeClr val="accent6"/>
+          </a:effectRef>
+          <a:fontRef idx="minor">
+            <a:schemeClr val="dk1"/>
+          </a:fontRef>
+        </p:style>
+        <p:txBody>
+          <a:bodyPr rtlCol="0" anchor="ctr"/>
+          <a:lstStyle/>
+          <a:p>
+            <a:pPr algn="ctr"/>
+            <a:endParaRPr lang="fr-FR">
+              <a:noFill/>
+            </a:endParaRPr>
+          </a:p>
+        </p:txBody>
+      </p:sp>
+      <p:sp>
+        <p:nvSpPr>
+          <p:cNvPr id="124" name="ZoneTexte 123"/>
+          <p:cNvSpPr txBox="1"/>
+          <p:nvPr/>
+        </p:nvSpPr>
+        <p:spPr>
+          <a:xfrm>
+            <a:off x="7705006" y="25851097"/>
+            <a:ext cx="2376264" cy="646331"/>
+          </a:xfrm>
+          <a:prstGeom prst="rect">
+            <a:avLst/>
+          </a:prstGeom>
+          <a:noFill/>
+        </p:spPr>
+        <p:txBody>
+          <a:bodyPr wrap="square" rtlCol="0">
+            <a:spAutoFit/>
+          </a:bodyPr>
+          <a:lstStyle/>
+          <a:p>
+            <a:r>
+              <a:rPr lang="fr-FR" sz="3600" b="1" dirty="0" smtClean="0">
+                <a:solidFill>
+                  <a:srgbClr val="0000FF"/>
+                </a:solidFill>
+              </a:rPr>
+              <a:t>1</a:t>
+            </a:r>
+            <a:r>
+              <a:rPr lang="fr-FR" sz="3600" dirty="0" smtClean="0"/>
+              <a:t>00</a:t>
+            </a:r>
+            <a:r>
+              <a:rPr lang="fr-FR" sz="3600" b="1" dirty="0" smtClean="0">
+                <a:solidFill>
+                  <a:srgbClr val="0000FF"/>
+                </a:solidFill>
+              </a:rPr>
+              <a:t>1</a:t>
+            </a:r>
+            <a:r>
+              <a:rPr lang="fr-FR" sz="3600" dirty="0" smtClean="0"/>
+              <a:t>0</a:t>
+            </a:r>
+            <a:r>
+              <a:rPr lang="fr-FR" sz="3600" b="1" dirty="0" smtClean="0">
+                <a:solidFill>
+                  <a:srgbClr val="0000FF"/>
+                </a:solidFill>
+              </a:rPr>
+              <a:t>1</a:t>
+            </a:r>
+            <a:r>
+              <a:rPr lang="fr-FR" sz="3600" dirty="0" smtClean="0"/>
+              <a:t>0</a:t>
+            </a:r>
+            <a:r>
+              <a:rPr lang="fr-FR" sz="3600" b="1" dirty="0" smtClean="0">
+                <a:solidFill>
+                  <a:srgbClr val="0000FF"/>
+                </a:solidFill>
+              </a:rPr>
+              <a:t>1</a:t>
+            </a:r>
+            <a:r>
+              <a:rPr lang="fr-FR" sz="3600" dirty="0" smtClean="0"/>
+              <a:t>0</a:t>
+            </a:r>
+            <a:endParaRPr lang="fr-FR" sz="3600" dirty="0"/>
+          </a:p>
+        </p:txBody>
+      </p:sp>
+      <p:sp>
+        <p:nvSpPr>
+          <p:cNvPr id="125" name="Rectangle 124"/>
+          <p:cNvSpPr/>
+          <p:nvPr/>
+        </p:nvSpPr>
+        <p:spPr>
+          <a:xfrm>
+            <a:off x="8281070" y="25995113"/>
+            <a:ext cx="720080" cy="360040"/>
+          </a:xfrm>
+          <a:prstGeom prst="rect">
+            <a:avLst/>
+          </a:prstGeom>
+          <a:noFill/>
+          <a:ln>
+            <a:solidFill>
+              <a:srgbClr val="FF0000"/>
+            </a:solidFill>
+          </a:ln>
+        </p:spPr>
+        <p:style>
+          <a:lnRef idx="1">
+            <a:schemeClr val="accent1"/>
+          </a:lnRef>
+          <a:fillRef idx="3">
+            <a:schemeClr val="accent1"/>
+          </a:fillRef>
+          <a:effectRef idx="2">
+            <a:schemeClr val="accent1"/>
+          </a:effectRef>
+          <a:fontRef idx="minor">
+            <a:schemeClr val="lt1"/>
+          </a:fontRef>
+        </p:style>
+        <p:txBody>
+          <a:bodyPr/>
+          <a:lstStyle/>
+          <a:p>
+            <a:endParaRPr lang="fr-FR">
+              <a:ln>
+                <a:solidFill>
+                  <a:srgbClr val="FF0000"/>
+                </a:solidFill>
+              </a:ln>
+              <a:solidFill>
+                <a:srgbClr val="FF0000"/>
+              </a:solidFill>
+            </a:endParaRPr>
+          </a:p>
+        </p:txBody>
+      </p:sp>
+      <p:sp>
+        <p:nvSpPr>
+          <p:cNvPr id="126" name="Rectangle à coins arrondis 125"/>
+          <p:cNvSpPr/>
+          <p:nvPr/>
+        </p:nvSpPr>
+        <p:spPr>
+          <a:xfrm>
+            <a:off x="720230" y="26715193"/>
+            <a:ext cx="10297144" cy="720080"/>
+          </a:xfrm>
+          <a:prstGeom prst="roundRect">
+            <a:avLst>
+              <a:gd name="adj" fmla="val 12588"/>
+            </a:avLst>
+          </a:prstGeom>
+          <a:solidFill>
+            <a:schemeClr val="accent6">
+              <a:lumMod val="20000"/>
+              <a:lumOff val="80000"/>
+              <a:alpha val="88000"/>
+            </a:schemeClr>
+          </a:solidFill>
+          <a:ln>
+            <a:solidFill>
+              <a:schemeClr val="bg1"/>
+            </a:solidFill>
+          </a:ln>
+        </p:spPr>
+        <p:style>
+          <a:lnRef idx="2">
+            <a:schemeClr val="accent6"/>
+          </a:lnRef>
+          <a:fillRef idx="1">
+            <a:schemeClr val="lt1"/>
+          </a:fillRef>
+          <a:effectRef idx="0">
+            <a:schemeClr val="accent6"/>
+          </a:effectRef>
+          <a:fontRef idx="minor">
+            <a:schemeClr val="dk1"/>
+          </a:fontRef>
+        </p:style>
+        <p:txBody>
+          <a:bodyPr rtlCol="0" anchor="ctr"/>
+          <a:lstStyle/>
+          <a:p>
+            <a:pPr algn="ctr"/>
+            <a:endParaRPr lang="fr-FR">
+              <a:noFill/>
+            </a:endParaRPr>
+          </a:p>
+        </p:txBody>
+      </p:sp>
+      <p:sp>
+        <p:nvSpPr>
+          <p:cNvPr id="106" name="ZoneTexte 105"/>
+          <p:cNvSpPr txBox="1"/>
+          <p:nvPr/>
+        </p:nvSpPr>
+        <p:spPr>
+          <a:xfrm>
+            <a:off x="864246" y="26737840"/>
+            <a:ext cx="9793088" cy="769441"/>
+          </a:xfrm>
+          <a:prstGeom prst="rect">
+            <a:avLst/>
+          </a:prstGeom>
+          <a:noFill/>
+        </p:spPr>
+        <p:txBody>
+          <a:bodyPr wrap="square" rtlCol="0">
+            <a:spAutoFit/>
+          </a:bodyPr>
+          <a:lstStyle/>
+          <a:p>
+            <a:pPr lvl="0"/>
+            <a:r>
+              <a:rPr lang="fr-CA" sz="2400" b="1" dirty="0">
+                <a:solidFill>
+                  <a:prstClr val="black"/>
+                </a:solidFill>
+                <a:latin typeface="Arial" panose="020B0604020202020204" pitchFamily="34" charset="0"/>
+                <a:cs typeface="Arial" panose="020B0604020202020204" pitchFamily="34" charset="0"/>
+              </a:rPr>
+              <a:t>8 </a:t>
+            </a:r>
+            <a:r>
+              <a:rPr lang="fr-FR" sz="2400" b="1" dirty="0">
+                <a:solidFill>
+                  <a:prstClr val="black"/>
+                </a:solidFill>
+                <a:latin typeface="Arial" panose="020B0604020202020204" pitchFamily="34" charset="0"/>
+                <a:cs typeface="Arial" panose="020B0604020202020204" pitchFamily="34" charset="0"/>
+              </a:rPr>
+              <a:t>–</a:t>
+            </a:r>
+            <a:r>
+              <a:rPr lang="fr-CA" sz="2400" b="1" dirty="0">
+                <a:solidFill>
+                  <a:prstClr val="black"/>
+                </a:solidFill>
+                <a:latin typeface="Arial" panose="020B0604020202020204" pitchFamily="34" charset="0"/>
+                <a:cs typeface="Arial" panose="020B0604020202020204" pitchFamily="34" charset="0"/>
+              </a:rPr>
+              <a:t>Test de détection de motifs redondants avec </a:t>
+            </a:r>
+            <a:r>
+              <a:rPr lang="fr-CA" sz="2400" b="1" dirty="0" smtClean="0">
+                <a:solidFill>
+                  <a:prstClr val="black"/>
+                </a:solidFill>
+                <a:latin typeface="Arial" panose="020B0604020202020204" pitchFamily="34" charset="0"/>
+                <a:cs typeface="Arial" panose="020B0604020202020204" pitchFamily="34" charset="0"/>
+              </a:rPr>
+              <a:t>chevauchement</a:t>
+            </a:r>
+          </a:p>
+          <a:p>
+            <a:pPr lvl="0"/>
+            <a:r>
+              <a:rPr lang="fr-FR" sz="2000" dirty="0" err="1" smtClean="0">
+                <a:solidFill>
+                  <a:prstClr val="black"/>
+                </a:solidFill>
+                <a:latin typeface="Arial" panose="020B0604020202020204" pitchFamily="34" charset="0"/>
+                <a:cs typeface="Arial" panose="020B0604020202020204" pitchFamily="34" charset="0"/>
+              </a:rPr>
+              <a:t>T</a:t>
+            </a:r>
+            <a:r>
+              <a:rPr lang="fr-CA" sz="2000" dirty="0" err="1" smtClean="0">
+                <a:solidFill>
+                  <a:prstClr val="black"/>
+                </a:solidFill>
+                <a:latin typeface="Arial" panose="020B0604020202020204" pitchFamily="34" charset="0"/>
+                <a:cs typeface="Arial" panose="020B0604020202020204" pitchFamily="34" charset="0"/>
+              </a:rPr>
+              <a:t>oujours</a:t>
+            </a:r>
+            <a:r>
+              <a:rPr lang="fr-CA" sz="2000" dirty="0" smtClean="0">
+                <a:solidFill>
+                  <a:prstClr val="black"/>
+                </a:solidFill>
+                <a:latin typeface="Arial" panose="020B0604020202020204" pitchFamily="34" charset="0"/>
+                <a:cs typeface="Arial" panose="020B0604020202020204" pitchFamily="34" charset="0"/>
+              </a:rPr>
+              <a:t> décalage d’un bit  </a:t>
+            </a:r>
+            <a:endParaRPr lang="fr-CA" sz="2000" dirty="0">
+              <a:solidFill>
+                <a:prstClr val="black"/>
+              </a:solidFill>
+              <a:latin typeface="Arial" panose="020B0604020202020204" pitchFamily="34" charset="0"/>
+              <a:cs typeface="Arial" panose="020B0604020202020204" pitchFamily="34" charset="0"/>
+            </a:endParaRPr>
+          </a:p>
+        </p:txBody>
+      </p:sp>
+      <p:pic>
+        <p:nvPicPr>
+          <p:cNvPr id="127" name="Image 126"/>
+          <p:cNvPicPr>
+            <a:picLocks noChangeAspect="1"/>
+          </p:cNvPicPr>
+          <p:nvPr/>
+        </p:nvPicPr>
+        <p:blipFill>
+          <a:blip r:embed="rId26"/>
+          <a:stretch>
+            <a:fillRect/>
+          </a:stretch>
+        </p:blipFill>
+        <p:spPr>
+          <a:xfrm>
+            <a:off x="1656334" y="28443385"/>
+            <a:ext cx="4968552" cy="2216440"/>
+          </a:xfrm>
+          <a:prstGeom prst="rect">
+            <a:avLst/>
+          </a:prstGeom>
+        </p:spPr>
+      </p:pic>
+      <p:sp>
+        <p:nvSpPr>
+          <p:cNvPr id="128" name="ZoneTexte 127"/>
+          <p:cNvSpPr txBox="1"/>
+          <p:nvPr/>
+        </p:nvSpPr>
+        <p:spPr>
+          <a:xfrm>
+            <a:off x="936254" y="28731417"/>
+            <a:ext cx="936104" cy="461665"/>
+          </a:xfrm>
+          <a:prstGeom prst="rect">
+            <a:avLst/>
+          </a:prstGeom>
+          <a:noFill/>
+        </p:spPr>
+        <p:txBody>
+          <a:bodyPr wrap="square" rtlCol="0">
+            <a:spAutoFit/>
+          </a:bodyPr>
+          <a:lstStyle/>
+          <a:p>
+            <a:r>
+              <a:rPr lang="fr-FR" sz="2400" dirty="0" smtClean="0"/>
+              <a:t>LFSR</a:t>
+            </a:r>
+          </a:p>
+        </p:txBody>
+      </p:sp>
+      <p:grpSp>
+        <p:nvGrpSpPr>
+          <p:cNvPr id="129" name="Grouper 128"/>
+          <p:cNvGrpSpPr/>
+          <p:nvPr/>
+        </p:nvGrpSpPr>
+        <p:grpSpPr>
+          <a:xfrm>
+            <a:off x="7056934" y="29091457"/>
+            <a:ext cx="651524" cy="546136"/>
+            <a:chOff x="3399348" y="807051"/>
+            <a:chExt cx="651524" cy="762160"/>
+          </a:xfrm>
+        </p:grpSpPr>
+        <p:sp>
+          <p:nvSpPr>
+            <p:cNvPr id="130" name="Flèche vers la droite 129"/>
+            <p:cNvSpPr/>
+            <p:nvPr/>
+          </p:nvSpPr>
+          <p:spPr>
+            <a:xfrm>
+              <a:off x="3399348" y="807051"/>
+              <a:ext cx="651524" cy="762160"/>
+            </a:xfrm>
+            <a:prstGeom prst="rightArrow">
+              <a:avLst>
+                <a:gd name="adj1" fmla="val 60000"/>
+                <a:gd name="adj2" fmla="val 50000"/>
+              </a:avLst>
+            </a:prstGeom>
+            <a:solidFill>
+              <a:schemeClr val="tx1"/>
+            </a:solidFill>
+          </p:spPr>
+          <p:style>
+            <a:lnRef idx="0">
+              <a:schemeClr val="accent1">
+                <a:tint val="60000"/>
+                <a:hueOff val="0"/>
+                <a:satOff val="0"/>
+                <a:lumOff val="0"/>
+                <a:alphaOff val="0"/>
+              </a:schemeClr>
+            </a:lnRef>
+            <a:fillRef idx="1">
+              <a:scrgbClr r="0" g="0" b="0"/>
+            </a:fillRef>
+            <a:effectRef idx="0">
+              <a:schemeClr val="accent1">
+                <a:tint val="60000"/>
+                <a:hueOff val="0"/>
+                <a:satOff val="0"/>
+                <a:lumOff val="0"/>
+                <a:alphaOff val="0"/>
+              </a:schemeClr>
+            </a:effectRef>
+            <a:fontRef idx="minor">
+              <a:schemeClr val="lt1"/>
+            </a:fontRef>
+          </p:style>
+        </p:sp>
+        <p:sp>
+          <p:nvSpPr>
+            <p:cNvPr id="131" name="Flèche vers la droite 4"/>
+            <p:cNvSpPr/>
+            <p:nvPr/>
+          </p:nvSpPr>
+          <p:spPr>
+            <a:xfrm>
+              <a:off x="3399348" y="959483"/>
+              <a:ext cx="456067" cy="457296"/>
+            </a:xfrm>
+            <a:prstGeom prst="rect">
+              <a:avLst/>
+            </a:prstGeom>
+          </p:spPr>
+          <p:style>
+            <a:lnRef idx="0">
+              <a:scrgbClr r="0" g="0" b="0"/>
+            </a:lnRef>
+            <a:fillRef idx="0">
+              <a:scrgbClr r="0" g="0" b="0"/>
+            </a:fillRef>
+            <a:effectRef idx="0">
+              <a:scrgbClr r="0" g="0" b="0"/>
+            </a:effectRef>
+            <a:fontRef idx="minor">
+              <a:schemeClr val="lt1"/>
+            </a:fontRef>
+          </p:style>
+          <p:txBody>
+            <a:bodyPr spcFirstLastPara="0" vert="horz" wrap="square" lIns="0" tIns="0" rIns="0" bIns="0" numCol="1" spcCol="1270" anchor="ctr" anchorCtr="0">
+              <a:noAutofit/>
+            </a:bodyPr>
+            <a:lstStyle/>
+            <a:p>
+              <a:pPr lvl="0" algn="ctr" defTabSz="1422400">
+                <a:lnSpc>
+                  <a:spcPct val="90000"/>
+                </a:lnSpc>
+                <a:spcBef>
+                  <a:spcPct val="0"/>
+                </a:spcBef>
+                <a:spcAft>
+                  <a:spcPct val="35000"/>
+                </a:spcAft>
+              </a:pPr>
+              <a:endParaRPr lang="fr-FR" sz="3200" kern="1200"/>
+            </a:p>
+          </p:txBody>
+        </p:sp>
+      </p:grpSp>
+      <p:sp>
+        <p:nvSpPr>
+          <p:cNvPr id="132" name="ZoneTexte 131"/>
+          <p:cNvSpPr txBox="1"/>
+          <p:nvPr/>
+        </p:nvSpPr>
+        <p:spPr>
+          <a:xfrm>
+            <a:off x="6696894" y="28587401"/>
+            <a:ext cx="1584176" cy="461665"/>
+          </a:xfrm>
+          <a:prstGeom prst="rect">
+            <a:avLst/>
+          </a:prstGeom>
+          <a:noFill/>
+        </p:spPr>
+        <p:txBody>
+          <a:bodyPr wrap="square" rtlCol="0">
+            <a:spAutoFit/>
+          </a:bodyPr>
+          <a:lstStyle/>
+          <a:p>
+            <a:r>
+              <a:rPr lang="fr-FR" sz="2400" dirty="0" err="1" smtClean="0"/>
+              <a:t>Algo</a:t>
+            </a:r>
+            <a:r>
+              <a:rPr lang="fr-FR" sz="2400" dirty="0" smtClean="0"/>
+              <a:t> de</a:t>
+            </a:r>
+            <a:endParaRPr lang="fr-FR" sz="2400" dirty="0"/>
+          </a:p>
+        </p:txBody>
+      </p:sp>
+      <p:sp>
+        <p:nvSpPr>
+          <p:cNvPr id="133" name="ZoneTexte 132"/>
+          <p:cNvSpPr txBox="1"/>
+          <p:nvPr/>
+        </p:nvSpPr>
+        <p:spPr>
+          <a:xfrm>
+            <a:off x="8425086" y="28515393"/>
+            <a:ext cx="1224136" cy="523220"/>
+          </a:xfrm>
+          <a:prstGeom prst="rect">
+            <a:avLst/>
+          </a:prstGeom>
+          <a:noFill/>
+        </p:spPr>
+        <p:txBody>
+          <a:bodyPr wrap="square" rtlCol="0">
+            <a:spAutoFit/>
+          </a:bodyPr>
+          <a:lstStyle/>
+          <a:p>
+            <a:r>
+              <a:rPr lang="fr-FR" sz="2800" b="1" dirty="0" smtClean="0">
+                <a:solidFill>
+                  <a:srgbClr val="008000"/>
+                </a:solidFill>
+              </a:rPr>
+              <a:t>grande</a:t>
+            </a:r>
+            <a:endParaRPr lang="fr-FR" sz="2800" b="1" dirty="0">
+              <a:solidFill>
+                <a:srgbClr val="008000"/>
+              </a:solidFill>
+            </a:endParaRPr>
+          </a:p>
+        </p:txBody>
+      </p:sp>
+      <p:sp>
+        <p:nvSpPr>
+          <p:cNvPr id="134" name="ZoneTexte 133"/>
+          <p:cNvSpPr txBox="1"/>
+          <p:nvPr/>
+        </p:nvSpPr>
+        <p:spPr>
+          <a:xfrm>
+            <a:off x="8497094" y="29235473"/>
+            <a:ext cx="1152128" cy="523220"/>
+          </a:xfrm>
+          <a:prstGeom prst="rect">
+            <a:avLst/>
+          </a:prstGeom>
+          <a:noFill/>
+          <a:ln>
+            <a:noFill/>
+          </a:ln>
+        </p:spPr>
+        <p:txBody>
+          <a:bodyPr wrap="square" rtlCol="0">
+            <a:spAutoFit/>
+          </a:bodyPr>
+          <a:lstStyle/>
+          <a:p>
+            <a:r>
+              <a:rPr lang="fr-FR" sz="2800" b="1" dirty="0" smtClean="0">
+                <a:solidFill>
+                  <a:srgbClr val="FF0000"/>
+                </a:solidFill>
+              </a:rPr>
+              <a:t>Petite</a:t>
+            </a:r>
+          </a:p>
+        </p:txBody>
+      </p:sp>
+      <p:pic>
+        <p:nvPicPr>
+          <p:cNvPr id="135" name="Image 134"/>
+          <p:cNvPicPr>
+            <a:picLocks noChangeAspect="1"/>
+          </p:cNvPicPr>
+          <p:nvPr/>
+        </p:nvPicPr>
+        <p:blipFill>
+          <a:blip r:embed="rId21">
+            <a:extLst>
+              <a:ext uri="{BEBA8EAE-BF5A-486C-A8C5-ECC9F3942E4B}">
+                <a14:imgProps xmlns:a14="http://schemas.microsoft.com/office/drawing/2010/main">
+                  <a14:imgLayer r:embed="rId22">
+                    <a14:imgEffect>
+                      <a14:backgroundRemoval t="0" b="98281" l="1105" r="100000"/>
+                    </a14:imgEffect>
+                  </a14:imgLayer>
+                </a14:imgProps>
+              </a:ext>
+            </a:extLst>
+          </a:blip>
+          <a:stretch>
+            <a:fillRect/>
+          </a:stretch>
+        </p:blipFill>
+        <p:spPr>
+          <a:xfrm>
+            <a:off x="9769098" y="28515393"/>
+            <a:ext cx="672212" cy="648072"/>
+          </a:xfrm>
+          <a:prstGeom prst="rect">
+            <a:avLst/>
+          </a:prstGeom>
+        </p:spPr>
+      </p:pic>
+      <p:pic>
+        <p:nvPicPr>
+          <p:cNvPr id="136" name="Image 135"/>
+          <p:cNvPicPr>
+            <a:picLocks noChangeAspect="1"/>
+          </p:cNvPicPr>
+          <p:nvPr/>
+        </p:nvPicPr>
+        <p:blipFill>
+          <a:blip r:embed="rId23">
+            <a:extLst>
+              <a:ext uri="{BEBA8EAE-BF5A-486C-A8C5-ECC9F3942E4B}">
+                <a14:imgProps xmlns:a14="http://schemas.microsoft.com/office/drawing/2010/main">
+                  <a14:imgLayer r:embed="rId27">
+                    <a14:imgEffect>
+                      <a14:backgroundRemoval t="0" b="100000" l="0" r="100000"/>
+                    </a14:imgEffect>
+                  </a14:imgLayer>
+                </a14:imgProps>
+              </a:ext>
+            </a:extLst>
+          </a:blip>
+          <a:stretch>
+            <a:fillRect/>
+          </a:stretch>
+        </p:blipFill>
+        <p:spPr>
+          <a:xfrm>
+            <a:off x="9776768" y="29163465"/>
+            <a:ext cx="640402" cy="648072"/>
+          </a:xfrm>
+          <a:prstGeom prst="rect">
+            <a:avLst/>
+          </a:prstGeom>
+        </p:spPr>
+      </p:pic>
+      <p:sp>
+        <p:nvSpPr>
+          <p:cNvPr id="138" name="ZoneTexte 137"/>
+          <p:cNvSpPr txBox="1"/>
+          <p:nvPr/>
+        </p:nvSpPr>
+        <p:spPr>
+          <a:xfrm>
+            <a:off x="6696894" y="29628612"/>
+            <a:ext cx="1728192" cy="830997"/>
+          </a:xfrm>
+          <a:prstGeom prst="rect">
+            <a:avLst/>
+          </a:prstGeom>
+          <a:noFill/>
+        </p:spPr>
+        <p:txBody>
+          <a:bodyPr wrap="square" rtlCol="0">
+            <a:spAutoFit/>
+          </a:bodyPr>
+          <a:lstStyle/>
+          <a:p>
+            <a:r>
+              <a:rPr lang="fr-FR" sz="2400" dirty="0" err="1"/>
+              <a:t>Berkelamp</a:t>
+            </a:r>
+            <a:r>
+              <a:rPr lang="fr-FR" sz="2400" dirty="0"/>
+              <a:t>-</a:t>
+            </a:r>
+            <a:r>
+              <a:rPr lang="fr-FR" sz="2400" dirty="0" smtClean="0"/>
+              <a:t>Massey</a:t>
+            </a:r>
+            <a:endParaRPr lang="fr-FR" sz="2400" dirty="0"/>
+          </a:p>
+        </p:txBody>
+      </p:sp>
+      <p:sp>
+        <p:nvSpPr>
+          <p:cNvPr id="139" name="ZoneTexte 138"/>
+          <p:cNvSpPr txBox="1"/>
+          <p:nvPr/>
+        </p:nvSpPr>
+        <p:spPr>
+          <a:xfrm>
+            <a:off x="8209062" y="27939329"/>
+            <a:ext cx="2592288" cy="461665"/>
+          </a:xfrm>
+          <a:prstGeom prst="rect">
+            <a:avLst/>
+          </a:prstGeom>
+          <a:noFill/>
+        </p:spPr>
+        <p:txBody>
+          <a:bodyPr wrap="square" rtlCol="0">
+            <a:spAutoFit/>
+          </a:bodyPr>
+          <a:lstStyle/>
+          <a:p>
+            <a:r>
+              <a:rPr lang="fr-FR" sz="2400" dirty="0" smtClean="0"/>
+              <a:t>Complexité linéaire</a:t>
+            </a:r>
+            <a:endParaRPr lang="fr-FR" sz="2400" dirty="0"/>
           </a:p>
         </p:txBody>
       </p:sp>

--- a/PosterPAFIncertitude.pptx
+++ b/PosterPAFIncertitude.pptx
@@ -14022,7 +14022,7 @@
         </p:nvSpPr>
         <p:spPr>
           <a:xfrm>
-            <a:off x="8425086" y="28515393"/>
+            <a:off x="8425086" y="29163465"/>
             <a:ext cx="1224136" cy="523220"/>
           </a:xfrm>
           <a:prstGeom prst="rect">
@@ -14060,7 +14060,7 @@
         </p:nvSpPr>
         <p:spPr>
           <a:xfrm>
-            <a:off x="8497094" y="29235473"/>
+            <a:off x="8497094" y="29883545"/>
             <a:ext cx="1152128" cy="523220"/>
           </a:xfrm>
           <a:prstGeom prst="rect">
@@ -14101,7 +14101,7 @@
             <a:extLst>
               <a:ext uri="{BEBA8EAE-BF5A-486C-A8C5-ECC9F3942E4B}">
                 <a14:imgProps xmlns:a14="http://schemas.microsoft.com/office/drawing/2010/main">
-                  <a14:imgLayer r:embed="rId22">
+                  <a14:imgLayer r:embed="rId27">
                     <a14:imgEffect>
                       <a14:backgroundRemoval t="0" b="98281" l="1105" r="100000"/>
                     </a14:imgEffect>
@@ -14116,7 +14116,7 @@
         </p:blipFill>
         <p:spPr>
           <a:xfrm>
-            <a:off x="9769098" y="28515393"/>
+            <a:off x="9769098" y="29163465"/>
             <a:ext cx="672212" cy="648072"/>
           </a:xfrm>
           <a:prstGeom prst="rect">
@@ -14137,7 +14137,7 @@
             <a:extLst>
               <a:ext uri="{BEBA8EAE-BF5A-486C-A8C5-ECC9F3942E4B}">
                 <a14:imgProps xmlns:a14="http://schemas.microsoft.com/office/drawing/2010/main">
-                  <a14:imgLayer r:embed="rId27">
+                  <a14:imgLayer r:embed="rId28">
                     <a14:imgEffect>
                       <a14:backgroundRemoval t="0" b="100000" l="0" r="100000"/>
                     </a14:imgEffect>
@@ -14152,7 +14152,7 @@
         </p:blipFill>
         <p:spPr>
           <a:xfrm>
-            <a:off x="9776768" y="29163465"/>
+            <a:off x="9776768" y="29811537"/>
             <a:ext cx="640402" cy="648072"/>
           </a:xfrm>
           <a:prstGeom prst="rect">
@@ -14206,7 +14206,7 @@
         </p:nvSpPr>
         <p:spPr>
           <a:xfrm>
-            <a:off x="8209062" y="27939329"/>
+            <a:off x="8209062" y="28587401"/>
             <a:ext cx="2592288" cy="461665"/>
           </a:xfrm>
           <a:prstGeom prst="rect">
